--- a/Presentation1.pptx
+++ b/Presentation1.pptx
@@ -6,6 +6,9 @@
   </p:sldMasterIdLst>
   <p:sldIdLst>
     <p:sldId id="256" r:id="rId2"/>
+    <p:sldId id="257" r:id="rId3"/>
+    <p:sldId id="258" r:id="rId4"/>
+    <p:sldId id="259" r:id="rId5"/>
   </p:sldIdLst>
   <p:sldSz cx="12192000" cy="6858000"/>
   <p:notesSz cx="6858000" cy="9144000"/>
@@ -104,6 +107,11 @@
       </a:defRPr>
     </a:lvl9pPr>
   </p:defaultTextStyle>
+  <p:extLst>
+    <p:ext uri="{EFAFB233-063F-42B5-8137-9DF3F51BA10A}">
+      <p15:sldGuideLst xmlns:p15="http://schemas.microsoft.com/office/powerpoint/2012/main"/>
+    </p:ext>
+  </p:extLst>
 </p:presentation>
 </file>
 
@@ -256,7 +264,7 @@
           <a:p>
             <a:fld id="{68B56E3E-9E23-4005-AF26-6378F177E13A}" type="datetimeFigureOut">
               <a:rPr lang="en-GB" smtClean="0"/>
-              <a:t>02/04/2022</a:t>
+              <a:t>03/04/2022</a:t>
             </a:fld>
             <a:endParaRPr lang="en-GB"/>
           </a:p>
@@ -456,7 +464,7 @@
           <a:p>
             <a:fld id="{68B56E3E-9E23-4005-AF26-6378F177E13A}" type="datetimeFigureOut">
               <a:rPr lang="en-GB" smtClean="0"/>
-              <a:t>02/04/2022</a:t>
+              <a:t>03/04/2022</a:t>
             </a:fld>
             <a:endParaRPr lang="en-GB"/>
           </a:p>
@@ -666,7 +674,7 @@
           <a:p>
             <a:fld id="{68B56E3E-9E23-4005-AF26-6378F177E13A}" type="datetimeFigureOut">
               <a:rPr lang="en-GB" smtClean="0"/>
-              <a:t>02/04/2022</a:t>
+              <a:t>03/04/2022</a:t>
             </a:fld>
             <a:endParaRPr lang="en-GB"/>
           </a:p>
@@ -866,7 +874,7 @@
           <a:p>
             <a:fld id="{68B56E3E-9E23-4005-AF26-6378F177E13A}" type="datetimeFigureOut">
               <a:rPr lang="en-GB" smtClean="0"/>
-              <a:t>02/04/2022</a:t>
+              <a:t>03/04/2022</a:t>
             </a:fld>
             <a:endParaRPr lang="en-GB"/>
           </a:p>
@@ -1142,7 +1150,7 @@
           <a:p>
             <a:fld id="{68B56E3E-9E23-4005-AF26-6378F177E13A}" type="datetimeFigureOut">
               <a:rPr lang="en-GB" smtClean="0"/>
-              <a:t>02/04/2022</a:t>
+              <a:t>03/04/2022</a:t>
             </a:fld>
             <a:endParaRPr lang="en-GB"/>
           </a:p>
@@ -1410,7 +1418,7 @@
           <a:p>
             <a:fld id="{68B56E3E-9E23-4005-AF26-6378F177E13A}" type="datetimeFigureOut">
               <a:rPr lang="en-GB" smtClean="0"/>
-              <a:t>02/04/2022</a:t>
+              <a:t>03/04/2022</a:t>
             </a:fld>
             <a:endParaRPr lang="en-GB"/>
           </a:p>
@@ -1825,7 +1833,7 @@
           <a:p>
             <a:fld id="{68B56E3E-9E23-4005-AF26-6378F177E13A}" type="datetimeFigureOut">
               <a:rPr lang="en-GB" smtClean="0"/>
-              <a:t>02/04/2022</a:t>
+              <a:t>03/04/2022</a:t>
             </a:fld>
             <a:endParaRPr lang="en-GB"/>
           </a:p>
@@ -1967,7 +1975,7 @@
           <a:p>
             <a:fld id="{68B56E3E-9E23-4005-AF26-6378F177E13A}" type="datetimeFigureOut">
               <a:rPr lang="en-GB" smtClean="0"/>
-              <a:t>02/04/2022</a:t>
+              <a:t>03/04/2022</a:t>
             </a:fld>
             <a:endParaRPr lang="en-GB"/>
           </a:p>
@@ -2080,7 +2088,7 @@
           <a:p>
             <a:fld id="{68B56E3E-9E23-4005-AF26-6378F177E13A}" type="datetimeFigureOut">
               <a:rPr lang="en-GB" smtClean="0"/>
-              <a:t>02/04/2022</a:t>
+              <a:t>03/04/2022</a:t>
             </a:fld>
             <a:endParaRPr lang="en-GB"/>
           </a:p>
@@ -2393,7 +2401,7 @@
           <a:p>
             <a:fld id="{68B56E3E-9E23-4005-AF26-6378F177E13A}" type="datetimeFigureOut">
               <a:rPr lang="en-GB" smtClean="0"/>
-              <a:t>02/04/2022</a:t>
+              <a:t>03/04/2022</a:t>
             </a:fld>
             <a:endParaRPr lang="en-GB"/>
           </a:p>
@@ -2682,7 +2690,7 @@
           <a:p>
             <a:fld id="{68B56E3E-9E23-4005-AF26-6378F177E13A}" type="datetimeFigureOut">
               <a:rPr lang="en-GB" smtClean="0"/>
-              <a:t>02/04/2022</a:t>
+              <a:t>03/04/2022</a:t>
             </a:fld>
             <a:endParaRPr lang="en-GB"/>
           </a:p>
@@ -2925,7 +2933,7 @@
           <a:p>
             <a:fld id="{68B56E3E-9E23-4005-AF26-6378F177E13A}" type="datetimeFigureOut">
               <a:rPr lang="en-GB" smtClean="0"/>
-              <a:t>02/04/2022</a:t>
+              <a:t>03/04/2022</a:t>
             </a:fld>
             <a:endParaRPr lang="en-GB"/>
           </a:p>
@@ -3370,7 +3378,1542 @@
         </p:blipFill>
         <p:spPr>
           <a:xfrm>
-            <a:off x="2433769" y="3161601"/>
+            <a:off x="3753877" y="679476"/>
+            <a:ext cx="3293544" cy="2155774"/>
+          </a:xfrm>
+          <a:prstGeom prst="rect">
+            <a:avLst/>
+          </a:prstGeom>
+        </p:spPr>
+      </p:pic>
+      <p:pic>
+        <p:nvPicPr>
+          <p:cNvPr id="3" name="Graphic 2">
+            <a:extLst>
+              <a:ext uri="{FF2B5EF4-FFF2-40B4-BE49-F238E27FC236}">
+                <a16:creationId xmlns:a16="http://schemas.microsoft.com/office/drawing/2014/main" id="{832E7691-DD32-46AE-856D-9F6D3451B98E}"/>
+              </a:ext>
+            </a:extLst>
+          </p:cNvPr>
+          <p:cNvPicPr>
+            <a:picLocks noChangeAspect="1"/>
+          </p:cNvPicPr>
+          <p:nvPr/>
+        </p:nvPicPr>
+        <p:blipFill>
+          <a:blip r:embed="rId4">
+            <a:extLst>
+              <a:ext uri="{96DAC541-7B7A-43D3-8B79-37D633B846F1}">
+                <asvg:svgBlip xmlns:asvg="http://schemas.microsoft.com/office/drawing/2016/SVG/main" r:embed="rId5"/>
+              </a:ext>
+            </a:extLst>
+          </a:blip>
+          <a:stretch>
+            <a:fillRect/>
+          </a:stretch>
+        </p:blipFill>
+        <p:spPr>
+          <a:xfrm>
+            <a:off x="1063796" y="1165829"/>
+            <a:ext cx="990600" cy="619125"/>
+          </a:xfrm>
+          <a:prstGeom prst="rect">
+            <a:avLst/>
+          </a:prstGeom>
+        </p:spPr>
+      </p:pic>
+      <p:pic>
+        <p:nvPicPr>
+          <p:cNvPr id="6" name="Graphic 5">
+            <a:extLst>
+              <a:ext uri="{FF2B5EF4-FFF2-40B4-BE49-F238E27FC236}">
+                <a16:creationId xmlns:a16="http://schemas.microsoft.com/office/drawing/2014/main" id="{5CF9908B-0E9B-4452-9C1C-F404882F34BD}"/>
+              </a:ext>
+            </a:extLst>
+          </p:cNvPr>
+          <p:cNvPicPr>
+            <a:picLocks noChangeAspect="1"/>
+          </p:cNvPicPr>
+          <p:nvPr/>
+        </p:nvPicPr>
+        <p:blipFill>
+          <a:blip r:embed="rId6">
+            <a:extLst>
+              <a:ext uri="{96DAC541-7B7A-43D3-8B79-37D633B846F1}">
+                <asvg:svgBlip xmlns:asvg="http://schemas.microsoft.com/office/drawing/2016/SVG/main" r:embed="rId7"/>
+              </a:ext>
+            </a:extLst>
+          </a:blip>
+          <a:stretch>
+            <a:fillRect/>
+          </a:stretch>
+        </p:blipFill>
+        <p:spPr>
+          <a:xfrm>
+            <a:off x="1063796" y="2065078"/>
+            <a:ext cx="990600" cy="619125"/>
+          </a:xfrm>
+          <a:prstGeom prst="rect">
+            <a:avLst/>
+          </a:prstGeom>
+        </p:spPr>
+      </p:pic>
+      <p:pic>
+        <p:nvPicPr>
+          <p:cNvPr id="8" name="Graphic 7">
+            <a:extLst>
+              <a:ext uri="{FF2B5EF4-FFF2-40B4-BE49-F238E27FC236}">
+                <a16:creationId xmlns:a16="http://schemas.microsoft.com/office/drawing/2014/main" id="{1E9D5718-FF6E-4240-BCA3-2569E05FBFCD}"/>
+              </a:ext>
+            </a:extLst>
+          </p:cNvPr>
+          <p:cNvPicPr>
+            <a:picLocks noChangeAspect="1"/>
+          </p:cNvPicPr>
+          <p:nvPr/>
+        </p:nvPicPr>
+        <p:blipFill>
+          <a:blip r:embed="rId8">
+            <a:extLst>
+              <a:ext uri="{96DAC541-7B7A-43D3-8B79-37D633B846F1}">
+                <asvg:svgBlip xmlns:asvg="http://schemas.microsoft.com/office/drawing/2016/SVG/main" r:embed="rId9"/>
+              </a:ext>
+            </a:extLst>
+          </a:blip>
+          <a:stretch>
+            <a:fillRect/>
+          </a:stretch>
+        </p:blipFill>
+        <p:spPr>
+          <a:xfrm>
+            <a:off x="1097133" y="2964327"/>
+            <a:ext cx="923925" cy="847725"/>
+          </a:xfrm>
+          <a:prstGeom prst="rect">
+            <a:avLst/>
+          </a:prstGeom>
+        </p:spPr>
+      </p:pic>
+      <p:pic>
+        <p:nvPicPr>
+          <p:cNvPr id="10" name="Graphic 9">
+            <a:extLst>
+              <a:ext uri="{FF2B5EF4-FFF2-40B4-BE49-F238E27FC236}">
+                <a16:creationId xmlns:a16="http://schemas.microsoft.com/office/drawing/2014/main" id="{9A0FD6DE-6EE7-4721-A694-E53EDD80FE79}"/>
+              </a:ext>
+            </a:extLst>
+          </p:cNvPr>
+          <p:cNvPicPr>
+            <a:picLocks noChangeAspect="1"/>
+          </p:cNvPicPr>
+          <p:nvPr/>
+        </p:nvPicPr>
+        <p:blipFill>
+          <a:blip r:embed="rId10">
+            <a:extLst>
+              <a:ext uri="{96DAC541-7B7A-43D3-8B79-37D633B846F1}">
+                <asvg:svgBlip xmlns:asvg="http://schemas.microsoft.com/office/drawing/2016/SVG/main" r:embed="rId11"/>
+              </a:ext>
+            </a:extLst>
+          </a:blip>
+          <a:stretch>
+            <a:fillRect/>
+          </a:stretch>
+        </p:blipFill>
+        <p:spPr>
+          <a:xfrm>
+            <a:off x="1192382" y="4006411"/>
+            <a:ext cx="733425" cy="485775"/>
+          </a:xfrm>
+          <a:prstGeom prst="rect">
+            <a:avLst/>
+          </a:prstGeom>
+        </p:spPr>
+      </p:pic>
+      <p:sp>
+        <p:nvSpPr>
+          <p:cNvPr id="11" name="TextBox 10">
+            <a:extLst>
+              <a:ext uri="{FF2B5EF4-FFF2-40B4-BE49-F238E27FC236}">
+                <a16:creationId xmlns:a16="http://schemas.microsoft.com/office/drawing/2014/main" id="{1C7C12E9-913B-4739-9184-079E0643F0BA}"/>
+              </a:ext>
+            </a:extLst>
+          </p:cNvPr>
+          <p:cNvSpPr txBox="1"/>
+          <p:nvPr/>
+        </p:nvSpPr>
+        <p:spPr>
+          <a:xfrm>
+            <a:off x="2276475" y="1290725"/>
+            <a:ext cx="627095" cy="369332"/>
+          </a:xfrm>
+          <a:prstGeom prst="rect">
+            <a:avLst/>
+          </a:prstGeom>
+          <a:noFill/>
+        </p:spPr>
+        <p:txBody>
+          <a:bodyPr wrap="none" rtlCol="0">
+            <a:spAutoFit/>
+          </a:bodyPr>
+          <a:lstStyle/>
+          <a:p>
+            <a:r>
+              <a:rPr lang="en-GB" dirty="0"/>
+              <a:t>Gold</a:t>
+            </a:r>
+          </a:p>
+        </p:txBody>
+      </p:sp>
+      <p:sp>
+        <p:nvSpPr>
+          <p:cNvPr id="12" name="TextBox 11">
+            <a:extLst>
+              <a:ext uri="{FF2B5EF4-FFF2-40B4-BE49-F238E27FC236}">
+                <a16:creationId xmlns:a16="http://schemas.microsoft.com/office/drawing/2014/main" id="{045279E6-C77C-4590-A642-BC3E7E514B7E}"/>
+              </a:ext>
+            </a:extLst>
+          </p:cNvPr>
+          <p:cNvSpPr txBox="1"/>
+          <p:nvPr/>
+        </p:nvSpPr>
+        <p:spPr>
+          <a:xfrm>
+            <a:off x="2276475" y="2189974"/>
+            <a:ext cx="592919" cy="369332"/>
+          </a:xfrm>
+          <a:prstGeom prst="rect">
+            <a:avLst/>
+          </a:prstGeom>
+          <a:noFill/>
+        </p:spPr>
+        <p:txBody>
+          <a:bodyPr wrap="none" rtlCol="0">
+            <a:spAutoFit/>
+          </a:bodyPr>
+          <a:lstStyle/>
+          <a:p>
+            <a:r>
+              <a:rPr lang="en-GB" dirty="0"/>
+              <a:t>Flint</a:t>
+            </a:r>
+          </a:p>
+        </p:txBody>
+      </p:sp>
+      <p:sp>
+        <p:nvSpPr>
+          <p:cNvPr id="13" name="TextBox 12">
+            <a:extLst>
+              <a:ext uri="{FF2B5EF4-FFF2-40B4-BE49-F238E27FC236}">
+                <a16:creationId xmlns:a16="http://schemas.microsoft.com/office/drawing/2014/main" id="{1133662F-0613-48A1-8416-0DCBB9A5FD5A}"/>
+              </a:ext>
+            </a:extLst>
+          </p:cNvPr>
+          <p:cNvSpPr txBox="1"/>
+          <p:nvPr/>
+        </p:nvSpPr>
+        <p:spPr>
+          <a:xfrm>
+            <a:off x="2286542" y="3203523"/>
+            <a:ext cx="1165704" cy="369332"/>
+          </a:xfrm>
+          <a:prstGeom prst="rect">
+            <a:avLst/>
+          </a:prstGeom>
+          <a:noFill/>
+        </p:spPr>
+        <p:txBody>
+          <a:bodyPr wrap="none" rtlCol="0">
+            <a:spAutoFit/>
+          </a:bodyPr>
+          <a:lstStyle/>
+          <a:p>
+            <a:r>
+              <a:rPr lang="en-GB" dirty="0"/>
+              <a:t>Sandstone</a:t>
+            </a:r>
+          </a:p>
+        </p:txBody>
+      </p:sp>
+      <p:sp>
+        <p:nvSpPr>
+          <p:cNvPr id="14" name="TextBox 13">
+            <a:extLst>
+              <a:ext uri="{FF2B5EF4-FFF2-40B4-BE49-F238E27FC236}">
+                <a16:creationId xmlns:a16="http://schemas.microsoft.com/office/drawing/2014/main" id="{FC45229D-8AB6-4718-BACD-C61E544E83CB}"/>
+              </a:ext>
+            </a:extLst>
+          </p:cNvPr>
+          <p:cNvSpPr txBox="1"/>
+          <p:nvPr/>
+        </p:nvSpPr>
+        <p:spPr>
+          <a:xfrm>
+            <a:off x="2286542" y="4064632"/>
+            <a:ext cx="747512" cy="369332"/>
+          </a:xfrm>
+          <a:prstGeom prst="rect">
+            <a:avLst/>
+          </a:prstGeom>
+          <a:noFill/>
+        </p:spPr>
+        <p:txBody>
+          <a:bodyPr wrap="none" rtlCol="0">
+            <a:spAutoFit/>
+          </a:bodyPr>
+          <a:lstStyle/>
+          <a:p>
+            <a:r>
+              <a:rPr lang="en-GB" dirty="0"/>
+              <a:t>Fibres</a:t>
+            </a:r>
+          </a:p>
+        </p:txBody>
+      </p:sp>
+      <p:pic>
+        <p:nvPicPr>
+          <p:cNvPr id="16" name="Graphic 15">
+            <a:extLst>
+              <a:ext uri="{FF2B5EF4-FFF2-40B4-BE49-F238E27FC236}">
+                <a16:creationId xmlns:a16="http://schemas.microsoft.com/office/drawing/2014/main" id="{18E5EF88-53A3-4654-A8F2-7B187FC69262}"/>
+              </a:ext>
+            </a:extLst>
+          </p:cNvPr>
+          <p:cNvPicPr>
+            <a:picLocks noChangeAspect="1"/>
+          </p:cNvPicPr>
+          <p:nvPr/>
+        </p:nvPicPr>
+        <p:blipFill>
+          <a:blip r:embed="rId12">
+            <a:extLst>
+              <a:ext uri="{96DAC541-7B7A-43D3-8B79-37D633B846F1}">
+                <asvg:svgBlip xmlns:asvg="http://schemas.microsoft.com/office/drawing/2016/SVG/main" r:embed="rId13"/>
+              </a:ext>
+            </a:extLst>
+          </a:blip>
+          <a:stretch>
+            <a:fillRect/>
+          </a:stretch>
+        </p:blipFill>
+        <p:spPr>
+          <a:xfrm>
+            <a:off x="5980129" y="875316"/>
+            <a:ext cx="1428750" cy="942975"/>
+          </a:xfrm>
+          <a:prstGeom prst="rect">
+            <a:avLst/>
+          </a:prstGeom>
+        </p:spPr>
+      </p:pic>
+      <p:pic>
+        <p:nvPicPr>
+          <p:cNvPr id="18" name="Graphic 17">
+            <a:extLst>
+              <a:ext uri="{FF2B5EF4-FFF2-40B4-BE49-F238E27FC236}">
+                <a16:creationId xmlns:a16="http://schemas.microsoft.com/office/drawing/2014/main" id="{6F3CE7A4-B17B-42A7-B254-F2667D560904}"/>
+              </a:ext>
+            </a:extLst>
+          </p:cNvPr>
+          <p:cNvPicPr>
+            <a:picLocks noChangeAspect="1"/>
+          </p:cNvPicPr>
+          <p:nvPr/>
+        </p:nvPicPr>
+        <p:blipFill>
+          <a:blip r:embed="rId14">
+            <a:extLst>
+              <a:ext uri="{96DAC541-7B7A-43D3-8B79-37D633B846F1}">
+                <asvg:svgBlip xmlns:asvg="http://schemas.microsoft.com/office/drawing/2016/SVG/main" r:embed="rId15"/>
+              </a:ext>
+            </a:extLst>
+          </a:blip>
+          <a:stretch>
+            <a:fillRect/>
+          </a:stretch>
+        </p:blipFill>
+        <p:spPr>
+          <a:xfrm>
+            <a:off x="4244960" y="2704325"/>
+            <a:ext cx="1457325" cy="933450"/>
+          </a:xfrm>
+          <a:prstGeom prst="rect">
+            <a:avLst/>
+          </a:prstGeom>
+        </p:spPr>
+      </p:pic>
+      <p:pic>
+        <p:nvPicPr>
+          <p:cNvPr id="22" name="Graphic 21">
+            <a:extLst>
+              <a:ext uri="{FF2B5EF4-FFF2-40B4-BE49-F238E27FC236}">
+                <a16:creationId xmlns:a16="http://schemas.microsoft.com/office/drawing/2014/main" id="{5C6A4194-A742-4285-A4D8-8A728B54EFCE}"/>
+              </a:ext>
+            </a:extLst>
+          </p:cNvPr>
+          <p:cNvPicPr>
+            <a:picLocks noChangeAspect="1"/>
+          </p:cNvPicPr>
+          <p:nvPr/>
+        </p:nvPicPr>
+        <p:blipFill>
+          <a:blip r:embed="rId16">
+            <a:extLst>
+              <a:ext uri="{96DAC541-7B7A-43D3-8B79-37D633B846F1}">
+                <asvg:svgBlip xmlns:asvg="http://schemas.microsoft.com/office/drawing/2016/SVG/main" r:embed="rId17"/>
+              </a:ext>
+            </a:extLst>
+          </a:blip>
+          <a:stretch>
+            <a:fillRect/>
+          </a:stretch>
+        </p:blipFill>
+        <p:spPr>
+          <a:xfrm>
+            <a:off x="4333876" y="4556074"/>
+            <a:ext cx="1314450" cy="685800"/>
+          </a:xfrm>
+          <a:prstGeom prst="rect">
+            <a:avLst/>
+          </a:prstGeom>
+        </p:spPr>
+      </p:pic>
+      <p:pic>
+        <p:nvPicPr>
+          <p:cNvPr id="24" name="Graphic 23">
+            <a:extLst>
+              <a:ext uri="{FF2B5EF4-FFF2-40B4-BE49-F238E27FC236}">
+                <a16:creationId xmlns:a16="http://schemas.microsoft.com/office/drawing/2014/main" id="{232C5DE7-DD73-4694-9A7A-419A56F5A70C}"/>
+              </a:ext>
+            </a:extLst>
+          </p:cNvPr>
+          <p:cNvPicPr>
+            <a:picLocks noChangeAspect="1"/>
+          </p:cNvPicPr>
+          <p:nvPr/>
+        </p:nvPicPr>
+        <p:blipFill>
+          <a:blip r:embed="rId18">
+            <a:extLst>
+              <a:ext uri="{96DAC541-7B7A-43D3-8B79-37D633B846F1}">
+                <asvg:svgBlip xmlns:asvg="http://schemas.microsoft.com/office/drawing/2016/SVG/main" r:embed="rId19"/>
+              </a:ext>
+            </a:extLst>
+          </a:blip>
+          <a:stretch>
+            <a:fillRect/>
+          </a:stretch>
+        </p:blipFill>
+        <p:spPr>
+          <a:xfrm>
+            <a:off x="6361129" y="3955999"/>
+            <a:ext cx="1047750" cy="1285875"/>
+          </a:xfrm>
+          <a:prstGeom prst="rect">
+            <a:avLst/>
+          </a:prstGeom>
+        </p:spPr>
+      </p:pic>
+      <p:pic>
+        <p:nvPicPr>
+          <p:cNvPr id="26" name="Graphic 25">
+            <a:extLst>
+              <a:ext uri="{FF2B5EF4-FFF2-40B4-BE49-F238E27FC236}">
+                <a16:creationId xmlns:a16="http://schemas.microsoft.com/office/drawing/2014/main" id="{B8628658-9192-49DA-8900-2904732AE234}"/>
+              </a:ext>
+            </a:extLst>
+          </p:cNvPr>
+          <p:cNvPicPr>
+            <a:picLocks noChangeAspect="1"/>
+          </p:cNvPicPr>
+          <p:nvPr/>
+        </p:nvPicPr>
+        <p:blipFill>
+          <a:blip r:embed="rId20">
+            <a:extLst>
+              <a:ext uri="{96DAC541-7B7A-43D3-8B79-37D633B846F1}">
+                <asvg:svgBlip xmlns:asvg="http://schemas.microsoft.com/office/drawing/2016/SVG/main" r:embed="rId21"/>
+              </a:ext>
+            </a:extLst>
+          </a:blip>
+          <a:stretch>
+            <a:fillRect/>
+          </a:stretch>
+        </p:blipFill>
+        <p:spPr>
+          <a:xfrm>
+            <a:off x="8188309" y="3271837"/>
+            <a:ext cx="619125" cy="314325"/>
+          </a:xfrm>
+          <a:prstGeom prst="rect">
+            <a:avLst/>
+          </a:prstGeom>
+        </p:spPr>
+      </p:pic>
+      <p:pic>
+        <p:nvPicPr>
+          <p:cNvPr id="30" name="Graphic 29">
+            <a:extLst>
+              <a:ext uri="{FF2B5EF4-FFF2-40B4-BE49-F238E27FC236}">
+                <a16:creationId xmlns:a16="http://schemas.microsoft.com/office/drawing/2014/main" id="{AB958058-B610-413A-BC13-34C37CFA8628}"/>
+              </a:ext>
+            </a:extLst>
+          </p:cNvPr>
+          <p:cNvPicPr>
+            <a:picLocks noChangeAspect="1"/>
+          </p:cNvPicPr>
+          <p:nvPr/>
+        </p:nvPicPr>
+        <p:blipFill>
+          <a:blip r:embed="rId22">
+            <a:extLst>
+              <a:ext uri="{96DAC541-7B7A-43D3-8B79-37D633B846F1}">
+                <asvg:svgBlip xmlns:asvg="http://schemas.microsoft.com/office/drawing/2016/SVG/main" r:embed="rId23"/>
+              </a:ext>
+            </a:extLst>
+          </a:blip>
+          <a:stretch>
+            <a:fillRect/>
+          </a:stretch>
+        </p:blipFill>
+        <p:spPr>
+          <a:xfrm>
+            <a:off x="6010275" y="3214687"/>
+            <a:ext cx="171450" cy="428625"/>
+          </a:xfrm>
+          <a:prstGeom prst="rect">
+            <a:avLst/>
+          </a:prstGeom>
+        </p:spPr>
+      </p:pic>
+      <p:pic>
+        <p:nvPicPr>
+          <p:cNvPr id="32" name="Graphic 31">
+            <a:extLst>
+              <a:ext uri="{FF2B5EF4-FFF2-40B4-BE49-F238E27FC236}">
+                <a16:creationId xmlns:a16="http://schemas.microsoft.com/office/drawing/2014/main" id="{19766245-5ABE-406E-85A1-69C07B318959}"/>
+              </a:ext>
+            </a:extLst>
+          </p:cNvPr>
+          <p:cNvPicPr>
+            <a:picLocks noChangeAspect="1"/>
+          </p:cNvPicPr>
+          <p:nvPr/>
+        </p:nvPicPr>
+        <p:blipFill>
+          <a:blip r:embed="rId24">
+            <a:extLst>
+              <a:ext uri="{96DAC541-7B7A-43D3-8B79-37D633B846F1}">
+                <asvg:svgBlip xmlns:asvg="http://schemas.microsoft.com/office/drawing/2016/SVG/main" r:embed="rId25"/>
+              </a:ext>
+            </a:extLst>
+          </a:blip>
+          <a:stretch>
+            <a:fillRect/>
+          </a:stretch>
+        </p:blipFill>
+        <p:spPr>
+          <a:xfrm>
+            <a:off x="7601263" y="4214812"/>
+            <a:ext cx="628650" cy="590550"/>
+          </a:xfrm>
+          <a:prstGeom prst="rect">
+            <a:avLst/>
+          </a:prstGeom>
+        </p:spPr>
+      </p:pic>
+      <p:sp>
+        <p:nvSpPr>
+          <p:cNvPr id="33" name="Rectangle: Rounded Corners 32">
+            <a:extLst>
+              <a:ext uri="{FF2B5EF4-FFF2-40B4-BE49-F238E27FC236}">
+                <a16:creationId xmlns:a16="http://schemas.microsoft.com/office/drawing/2014/main" id="{62C21134-7552-421D-A9D7-EAF1713C3F1E}"/>
+              </a:ext>
+            </a:extLst>
+          </p:cNvPr>
+          <p:cNvSpPr/>
+          <p:nvPr/>
+        </p:nvSpPr>
+        <p:spPr>
+          <a:xfrm>
+            <a:off x="8258174" y="1485900"/>
+            <a:ext cx="771525" cy="771525"/>
+          </a:xfrm>
+          <a:prstGeom prst="roundRect">
+            <a:avLst/>
+          </a:prstGeom>
+          <a:noFill/>
+          <a:ln w="50800">
+            <a:solidFill>
+              <a:schemeClr val="bg1"/>
+            </a:solidFill>
+            <a:prstDash val="dash"/>
+          </a:ln>
+          <a:effectLst>
+            <a:outerShdw blurRad="63500" sx="102000" sy="102000" algn="ctr" rotWithShape="0">
+              <a:prstClr val="black">
+                <a:alpha val="40000"/>
+              </a:prstClr>
+            </a:outerShdw>
+          </a:effectLst>
+        </p:spPr>
+        <p:style>
+          <a:lnRef idx="2">
+            <a:schemeClr val="accent1">
+              <a:shade val="50000"/>
+            </a:schemeClr>
+          </a:lnRef>
+          <a:fillRef idx="1">
+            <a:schemeClr val="accent1"/>
+          </a:fillRef>
+          <a:effectRef idx="0">
+            <a:schemeClr val="accent1"/>
+          </a:effectRef>
+          <a:fontRef idx="minor">
+            <a:schemeClr val="lt1"/>
+          </a:fontRef>
+        </p:style>
+        <p:txBody>
+          <a:bodyPr rtlCol="0" anchor="ctr"/>
+          <a:lstStyle/>
+          <a:p>
+            <a:pPr algn="ctr"/>
+            <a:endParaRPr lang="en-GB"/>
+          </a:p>
+        </p:txBody>
+      </p:sp>
+      <p:sp>
+        <p:nvSpPr>
+          <p:cNvPr id="34" name="Arrow: Down 33">
+            <a:extLst>
+              <a:ext uri="{FF2B5EF4-FFF2-40B4-BE49-F238E27FC236}">
+                <a16:creationId xmlns:a16="http://schemas.microsoft.com/office/drawing/2014/main" id="{A54FB772-0305-4B9B-8D69-693B6A5192C2}"/>
+              </a:ext>
+            </a:extLst>
+          </p:cNvPr>
+          <p:cNvSpPr/>
+          <p:nvPr/>
+        </p:nvSpPr>
+        <p:spPr>
+          <a:xfrm>
+            <a:off x="9426545" y="1346803"/>
+            <a:ext cx="743010" cy="1073870"/>
+          </a:xfrm>
+          <a:prstGeom prst="downArrow">
+            <a:avLst>
+              <a:gd name="adj1" fmla="val 50000"/>
+              <a:gd name="adj2" fmla="val 72100"/>
+            </a:avLst>
+          </a:prstGeom>
+          <a:solidFill>
+            <a:srgbClr val="D35F5F"/>
+          </a:solidFill>
+          <a:ln>
+            <a:noFill/>
+          </a:ln>
+          <a:effectLst>
+            <a:outerShdw blurRad="63500" sx="102000" sy="102000" algn="ctr" rotWithShape="0">
+              <a:prstClr val="black">
+                <a:alpha val="40000"/>
+              </a:prstClr>
+            </a:outerShdw>
+          </a:effectLst>
+        </p:spPr>
+        <p:style>
+          <a:lnRef idx="2">
+            <a:schemeClr val="accent1">
+              <a:shade val="50000"/>
+            </a:schemeClr>
+          </a:lnRef>
+          <a:fillRef idx="1">
+            <a:schemeClr val="accent1"/>
+          </a:fillRef>
+          <a:effectRef idx="0">
+            <a:schemeClr val="accent1"/>
+          </a:effectRef>
+          <a:fontRef idx="minor">
+            <a:schemeClr val="lt1"/>
+          </a:fontRef>
+        </p:style>
+        <p:txBody>
+          <a:bodyPr rtlCol="0" anchor="ctr"/>
+          <a:lstStyle/>
+          <a:p>
+            <a:pPr algn="ctr"/>
+            <a:r>
+              <a:rPr lang="en-GB" dirty="0"/>
+              <a:t>w</a:t>
+            </a:r>
+          </a:p>
+        </p:txBody>
+      </p:sp>
+      <p:sp>
+        <p:nvSpPr>
+          <p:cNvPr id="36" name="Teardrop 35">
+            <a:extLst>
+              <a:ext uri="{FF2B5EF4-FFF2-40B4-BE49-F238E27FC236}">
+                <a16:creationId xmlns:a16="http://schemas.microsoft.com/office/drawing/2014/main" id="{723C3D77-45C2-461C-92D5-421E4A988932}"/>
+              </a:ext>
+            </a:extLst>
+          </p:cNvPr>
+          <p:cNvSpPr/>
+          <p:nvPr/>
+        </p:nvSpPr>
+        <p:spPr>
+          <a:xfrm rot="8100000">
+            <a:off x="9163503" y="3563142"/>
+            <a:ext cx="647702" cy="647702"/>
+          </a:xfrm>
+          <a:prstGeom prst="teardrop">
+            <a:avLst>
+              <a:gd name="adj" fmla="val 90196"/>
+            </a:avLst>
+          </a:prstGeom>
+          <a:solidFill>
+            <a:srgbClr val="D35F5F"/>
+          </a:solidFill>
+          <a:ln>
+            <a:noFill/>
+          </a:ln>
+        </p:spPr>
+        <p:style>
+          <a:lnRef idx="2">
+            <a:schemeClr val="accent1">
+              <a:shade val="50000"/>
+            </a:schemeClr>
+          </a:lnRef>
+          <a:fillRef idx="1">
+            <a:schemeClr val="accent1"/>
+          </a:fillRef>
+          <a:effectRef idx="0">
+            <a:schemeClr val="accent1"/>
+          </a:effectRef>
+          <a:fontRef idx="minor">
+            <a:schemeClr val="lt1"/>
+          </a:fontRef>
+        </p:style>
+        <p:txBody>
+          <a:bodyPr rtlCol="0" anchor="ctr"/>
+          <a:lstStyle/>
+          <a:p>
+            <a:pPr algn="ctr"/>
+            <a:endParaRPr lang="en-GB"/>
+          </a:p>
+        </p:txBody>
+      </p:sp>
+      <p:sp>
+        <p:nvSpPr>
+          <p:cNvPr id="37" name="Isosceles Triangle 36">
+            <a:extLst>
+              <a:ext uri="{FF2B5EF4-FFF2-40B4-BE49-F238E27FC236}">
+                <a16:creationId xmlns:a16="http://schemas.microsoft.com/office/drawing/2014/main" id="{A2218695-AB5A-42AE-BFA9-988D2F4C8F61}"/>
+              </a:ext>
+            </a:extLst>
+          </p:cNvPr>
+          <p:cNvSpPr/>
+          <p:nvPr/>
+        </p:nvSpPr>
+        <p:spPr>
+          <a:xfrm rot="10800000">
+            <a:off x="10036205" y="2684203"/>
+            <a:ext cx="266700" cy="585788"/>
+          </a:xfrm>
+          <a:prstGeom prst="triangle">
+            <a:avLst/>
+          </a:prstGeom>
+          <a:solidFill>
+            <a:srgbClr val="D35F5F"/>
+          </a:solidFill>
+          <a:ln>
+            <a:noFill/>
+          </a:ln>
+        </p:spPr>
+        <p:style>
+          <a:lnRef idx="2">
+            <a:schemeClr val="accent1">
+              <a:shade val="50000"/>
+            </a:schemeClr>
+          </a:lnRef>
+          <a:fillRef idx="1">
+            <a:schemeClr val="accent1"/>
+          </a:fillRef>
+          <a:effectRef idx="0">
+            <a:schemeClr val="accent1"/>
+          </a:effectRef>
+          <a:fontRef idx="minor">
+            <a:schemeClr val="lt1"/>
+          </a:fontRef>
+        </p:style>
+        <p:txBody>
+          <a:bodyPr rtlCol="0" anchor="ctr"/>
+          <a:lstStyle/>
+          <a:p>
+            <a:pPr algn="ctr"/>
+            <a:endParaRPr lang="en-GB"/>
+          </a:p>
+        </p:txBody>
+      </p:sp>
+      <p:sp>
+        <p:nvSpPr>
+          <p:cNvPr id="43" name="Freeform: Shape 42">
+            <a:extLst>
+              <a:ext uri="{FF2B5EF4-FFF2-40B4-BE49-F238E27FC236}">
+                <a16:creationId xmlns:a16="http://schemas.microsoft.com/office/drawing/2014/main" id="{A053B23F-7C5D-41FC-8E75-555781277D17}"/>
+              </a:ext>
+            </a:extLst>
+          </p:cNvPr>
+          <p:cNvSpPr/>
+          <p:nvPr/>
+        </p:nvSpPr>
+        <p:spPr>
+          <a:xfrm rot="18000000">
+            <a:off x="2852854" y="373282"/>
+            <a:ext cx="666970" cy="812629"/>
+          </a:xfrm>
+          <a:custGeom>
+            <a:avLst/>
+            <a:gdLst>
+              <a:gd name="connsiteX0" fmla="*/ 666970 w 666970"/>
+              <a:gd name="connsiteY0" fmla="*/ 574974 h 812629"/>
+              <a:gd name="connsiteX1" fmla="*/ 439191 w 666970"/>
+              <a:gd name="connsiteY1" fmla="*/ 574974 h 812629"/>
+              <a:gd name="connsiteX2" fmla="*/ 439191 w 666970"/>
+              <a:gd name="connsiteY2" fmla="*/ 812629 h 812629"/>
+              <a:gd name="connsiteX3" fmla="*/ 255337 w 666970"/>
+              <a:gd name="connsiteY3" fmla="*/ 812629 h 812629"/>
+              <a:gd name="connsiteX4" fmla="*/ 255337 w 666970"/>
+              <a:gd name="connsiteY4" fmla="*/ 574974 h 812629"/>
+              <a:gd name="connsiteX5" fmla="*/ 0 w 666970"/>
+              <a:gd name="connsiteY5" fmla="*/ 574974 h 812629"/>
+              <a:gd name="connsiteX6" fmla="*/ 333485 w 666970"/>
+              <a:gd name="connsiteY6" fmla="*/ 0 h 812629"/>
+            </a:gdLst>
+            <a:ahLst/>
+            <a:cxnLst>
+              <a:cxn ang="0">
+                <a:pos x="connsiteX0" y="connsiteY0"/>
+              </a:cxn>
+              <a:cxn ang="0">
+                <a:pos x="connsiteX1" y="connsiteY1"/>
+              </a:cxn>
+              <a:cxn ang="0">
+                <a:pos x="connsiteX2" y="connsiteY2"/>
+              </a:cxn>
+              <a:cxn ang="0">
+                <a:pos x="connsiteX3" y="connsiteY3"/>
+              </a:cxn>
+              <a:cxn ang="0">
+                <a:pos x="connsiteX4" y="connsiteY4"/>
+              </a:cxn>
+              <a:cxn ang="0">
+                <a:pos x="connsiteX5" y="connsiteY5"/>
+              </a:cxn>
+              <a:cxn ang="0">
+                <a:pos x="connsiteX6" y="connsiteY6"/>
+              </a:cxn>
+            </a:cxnLst>
+            <a:rect l="l" t="t" r="r" b="b"/>
+            <a:pathLst>
+              <a:path w="666970" h="812629">
+                <a:moveTo>
+                  <a:pt x="666970" y="574974"/>
+                </a:moveTo>
+                <a:lnTo>
+                  <a:pt x="439191" y="574974"/>
+                </a:lnTo>
+                <a:lnTo>
+                  <a:pt x="439191" y="812629"/>
+                </a:lnTo>
+                <a:lnTo>
+                  <a:pt x="255337" y="812629"/>
+                </a:lnTo>
+                <a:lnTo>
+                  <a:pt x="255337" y="574974"/>
+                </a:lnTo>
+                <a:lnTo>
+                  <a:pt x="0" y="574974"/>
+                </a:lnTo>
+                <a:lnTo>
+                  <a:pt x="333485" y="0"/>
+                </a:lnTo>
+                <a:close/>
+              </a:path>
+            </a:pathLst>
+          </a:custGeom>
+          <a:solidFill>
+            <a:schemeClr val="bg1"/>
+          </a:solidFill>
+          <a:ln>
+            <a:noFill/>
+          </a:ln>
+          <a:effectLst>
+            <a:outerShdw blurRad="63500" sx="102000" sy="102000" algn="ctr" rotWithShape="0">
+              <a:prstClr val="black">
+                <a:alpha val="40000"/>
+              </a:prstClr>
+            </a:outerShdw>
+          </a:effectLst>
+        </p:spPr>
+        <p:style>
+          <a:lnRef idx="2">
+            <a:schemeClr val="accent1">
+              <a:shade val="50000"/>
+            </a:schemeClr>
+          </a:lnRef>
+          <a:fillRef idx="1">
+            <a:schemeClr val="accent1"/>
+          </a:fillRef>
+          <a:effectRef idx="0">
+            <a:schemeClr val="accent1"/>
+          </a:effectRef>
+          <a:fontRef idx="minor">
+            <a:schemeClr val="lt1"/>
+          </a:fontRef>
+        </p:style>
+        <p:txBody>
+          <a:bodyPr rtlCol="0" anchor="ctr"/>
+          <a:lstStyle/>
+          <a:p>
+            <a:pPr algn="ctr"/>
+            <a:endParaRPr lang="en-GB" dirty="0"/>
+          </a:p>
+        </p:txBody>
+      </p:sp>
+      <p:sp>
+        <p:nvSpPr>
+          <p:cNvPr id="44" name="Oval 43">
+            <a:extLst>
+              <a:ext uri="{FF2B5EF4-FFF2-40B4-BE49-F238E27FC236}">
+                <a16:creationId xmlns:a16="http://schemas.microsoft.com/office/drawing/2014/main" id="{661DAD48-D4D6-4508-BD3B-C3663A4951CF}"/>
+              </a:ext>
+            </a:extLst>
+          </p:cNvPr>
+          <p:cNvSpPr/>
+          <p:nvPr/>
+        </p:nvSpPr>
+        <p:spPr>
+          <a:xfrm>
+            <a:off x="1868658" y="251460"/>
+            <a:ext cx="304800" cy="304800"/>
+          </a:xfrm>
+          <a:prstGeom prst="ellipse">
+            <a:avLst/>
+          </a:prstGeom>
+          <a:solidFill>
+            <a:schemeClr val="bg1"/>
+          </a:solidFill>
+          <a:ln>
+            <a:noFill/>
+          </a:ln>
+          <a:effectLst>
+            <a:outerShdw blurRad="63500" sx="102000" sy="102000" algn="ctr" rotWithShape="0">
+              <a:prstClr val="black">
+                <a:alpha val="40000"/>
+              </a:prstClr>
+            </a:outerShdw>
+          </a:effectLst>
+        </p:spPr>
+        <p:style>
+          <a:lnRef idx="2">
+            <a:schemeClr val="accent1">
+              <a:shade val="50000"/>
+            </a:schemeClr>
+          </a:lnRef>
+          <a:fillRef idx="1">
+            <a:schemeClr val="accent1"/>
+          </a:fillRef>
+          <a:effectRef idx="0">
+            <a:schemeClr val="accent1"/>
+          </a:effectRef>
+          <a:fontRef idx="minor">
+            <a:schemeClr val="lt1"/>
+          </a:fontRef>
+        </p:style>
+        <p:txBody>
+          <a:bodyPr rtlCol="0" anchor="ctr"/>
+          <a:lstStyle/>
+          <a:p>
+            <a:pPr algn="ctr"/>
+            <a:endParaRPr lang="en-GB"/>
+          </a:p>
+        </p:txBody>
+      </p:sp>
+      <p:pic>
+        <p:nvPicPr>
+          <p:cNvPr id="46" name="Graphic 45">
+            <a:extLst>
+              <a:ext uri="{FF2B5EF4-FFF2-40B4-BE49-F238E27FC236}">
+                <a16:creationId xmlns:a16="http://schemas.microsoft.com/office/drawing/2014/main" id="{F4EF6103-1C0E-4658-AA2A-53E8F2E60F28}"/>
+              </a:ext>
+            </a:extLst>
+          </p:cNvPr>
+          <p:cNvPicPr>
+            <a:picLocks noChangeAspect="1"/>
+          </p:cNvPicPr>
+          <p:nvPr/>
+        </p:nvPicPr>
+        <p:blipFill>
+          <a:blip r:embed="rId26">
+            <a:extLst>
+              <a:ext uri="{96DAC541-7B7A-43D3-8B79-37D633B846F1}">
+                <asvg:svgBlip xmlns:asvg="http://schemas.microsoft.com/office/drawing/2016/SVG/main" r:embed="rId27"/>
+              </a:ext>
+            </a:extLst>
+          </a:blip>
+          <a:stretch>
+            <a:fillRect/>
+          </a:stretch>
+        </p:blipFill>
+        <p:spPr>
+          <a:xfrm>
+            <a:off x="4246865" y="5489524"/>
+            <a:ext cx="1457325" cy="933450"/>
+          </a:xfrm>
+          <a:prstGeom prst="rect">
+            <a:avLst/>
+          </a:prstGeom>
+        </p:spPr>
+      </p:pic>
+      <p:pic>
+        <p:nvPicPr>
+          <p:cNvPr id="50" name="Graphic 49">
+            <a:extLst>
+              <a:ext uri="{FF2B5EF4-FFF2-40B4-BE49-F238E27FC236}">
+                <a16:creationId xmlns:a16="http://schemas.microsoft.com/office/drawing/2014/main" id="{C8997DDE-128A-4574-8826-F55816DD3BD2}"/>
+              </a:ext>
+            </a:extLst>
+          </p:cNvPr>
+          <p:cNvPicPr>
+            <a:picLocks noChangeAspect="1"/>
+          </p:cNvPicPr>
+          <p:nvPr/>
+        </p:nvPicPr>
+        <p:blipFill>
+          <a:blip r:embed="rId28">
+            <a:extLst>
+              <a:ext uri="{96DAC541-7B7A-43D3-8B79-37D633B846F1}">
+                <asvg:svgBlip xmlns:asvg="http://schemas.microsoft.com/office/drawing/2016/SVG/main" r:embed="rId29"/>
+              </a:ext>
+            </a:extLst>
+          </a:blip>
+          <a:stretch>
+            <a:fillRect/>
+          </a:stretch>
+        </p:blipFill>
+        <p:spPr>
+          <a:xfrm>
+            <a:off x="5695950" y="2302176"/>
+            <a:ext cx="314325" cy="428625"/>
+          </a:xfrm>
+          <a:prstGeom prst="rect">
+            <a:avLst/>
+          </a:prstGeom>
+        </p:spPr>
+      </p:pic>
+      <p:pic>
+        <p:nvPicPr>
+          <p:cNvPr id="29" name="Graphic 28">
+            <a:extLst>
+              <a:ext uri="{FF2B5EF4-FFF2-40B4-BE49-F238E27FC236}">
+                <a16:creationId xmlns:a16="http://schemas.microsoft.com/office/drawing/2014/main" id="{033EA378-E465-446B-9667-CC0DFB025B67}"/>
+              </a:ext>
+            </a:extLst>
+          </p:cNvPr>
+          <p:cNvPicPr>
+            <a:picLocks noChangeAspect="1"/>
+          </p:cNvPicPr>
+          <p:nvPr/>
+        </p:nvPicPr>
+        <p:blipFill>
+          <a:blip r:embed="rId30">
+            <a:extLst>
+              <a:ext uri="{96DAC541-7B7A-43D3-8B79-37D633B846F1}">
+                <asvg:svgBlip xmlns:asvg="http://schemas.microsoft.com/office/drawing/2016/SVG/main" r:embed="rId31"/>
+              </a:ext>
+            </a:extLst>
+          </a:blip>
+          <a:stretch>
+            <a:fillRect/>
+          </a:stretch>
+        </p:blipFill>
+        <p:spPr>
+          <a:xfrm>
+            <a:off x="3937426" y="415870"/>
+            <a:ext cx="885825" cy="914400"/>
+          </a:xfrm>
+          <a:prstGeom prst="rect">
+            <a:avLst/>
+          </a:prstGeom>
+          <a:effectLst>
+            <a:outerShdw blurRad="63500" sx="102000" sy="102000" algn="ctr" rotWithShape="0">
+              <a:prstClr val="black">
+                <a:alpha val="40000"/>
+              </a:prstClr>
+            </a:outerShdw>
+          </a:effectLst>
+        </p:spPr>
+      </p:pic>
+      <p:pic>
+        <p:nvPicPr>
+          <p:cNvPr id="4" name="Graphic 3">
+            <a:extLst>
+              <a:ext uri="{FF2B5EF4-FFF2-40B4-BE49-F238E27FC236}">
+                <a16:creationId xmlns:a16="http://schemas.microsoft.com/office/drawing/2014/main" id="{CA516B7B-B402-45DD-B80B-D8DFE511CA18}"/>
+              </a:ext>
+            </a:extLst>
+          </p:cNvPr>
+          <p:cNvPicPr>
+            <a:picLocks noChangeAspect="1"/>
+          </p:cNvPicPr>
+          <p:nvPr/>
+        </p:nvPicPr>
+        <p:blipFill>
+          <a:blip r:embed="rId32">
+            <a:extLst>
+              <a:ext uri="{96DAC541-7B7A-43D3-8B79-37D633B846F1}">
+                <asvg:svgBlip xmlns:asvg="http://schemas.microsoft.com/office/drawing/2016/SVG/main" r:embed="rId33"/>
+              </a:ext>
+            </a:extLst>
+          </a:blip>
+          <a:stretch>
+            <a:fillRect/>
+          </a:stretch>
+        </p:blipFill>
+        <p:spPr>
+          <a:xfrm>
+            <a:off x="5810250" y="3128962"/>
+            <a:ext cx="571500" cy="600075"/>
+          </a:xfrm>
+          <a:prstGeom prst="rect">
+            <a:avLst/>
+          </a:prstGeom>
+        </p:spPr>
+      </p:pic>
+      <p:pic>
+        <p:nvPicPr>
+          <p:cNvPr id="9" name="Graphic 8">
+            <a:extLst>
+              <a:ext uri="{FF2B5EF4-FFF2-40B4-BE49-F238E27FC236}">
+                <a16:creationId xmlns:a16="http://schemas.microsoft.com/office/drawing/2014/main" id="{3C78B831-78E5-401D-B3F2-546BD416EF88}"/>
+              </a:ext>
+            </a:extLst>
+          </p:cNvPr>
+          <p:cNvPicPr>
+            <a:picLocks noChangeAspect="1"/>
+          </p:cNvPicPr>
+          <p:nvPr/>
+        </p:nvPicPr>
+        <p:blipFill>
+          <a:blip r:embed="rId34">
+            <a:extLst>
+              <a:ext uri="{96DAC541-7B7A-43D3-8B79-37D633B846F1}">
+                <asvg:svgBlip xmlns:asvg="http://schemas.microsoft.com/office/drawing/2016/SVG/main" r:embed="rId35"/>
+              </a:ext>
+            </a:extLst>
+          </a:blip>
+          <a:stretch>
+            <a:fillRect/>
+          </a:stretch>
+        </p:blipFill>
+        <p:spPr>
+          <a:xfrm>
+            <a:off x="2669384" y="1565015"/>
+            <a:ext cx="942975" cy="809625"/>
+          </a:xfrm>
+          <a:prstGeom prst="rect">
+            <a:avLst/>
+          </a:prstGeom>
+        </p:spPr>
+      </p:pic>
+      <p:pic>
+        <p:nvPicPr>
+          <p:cNvPr id="17" name="Graphic 16">
+            <a:extLst>
+              <a:ext uri="{FF2B5EF4-FFF2-40B4-BE49-F238E27FC236}">
+                <a16:creationId xmlns:a16="http://schemas.microsoft.com/office/drawing/2014/main" id="{9D72DAB8-2DE7-4FAF-BD59-8EE8673A10A3}"/>
+              </a:ext>
+            </a:extLst>
+          </p:cNvPr>
+          <p:cNvPicPr>
+            <a:picLocks noChangeAspect="1"/>
+          </p:cNvPicPr>
+          <p:nvPr/>
+        </p:nvPicPr>
+        <p:blipFill>
+          <a:blip r:embed="rId36">
+            <a:extLst>
+              <a:ext uri="{96DAC541-7B7A-43D3-8B79-37D633B846F1}">
+                <asvg:svgBlip xmlns:asvg="http://schemas.microsoft.com/office/drawing/2016/SVG/main" r:embed="rId37"/>
+              </a:ext>
+            </a:extLst>
+          </a:blip>
+          <a:stretch>
+            <a:fillRect/>
+          </a:stretch>
+        </p:blipFill>
+        <p:spPr>
+          <a:xfrm>
+            <a:off x="4137987" y="2004236"/>
+            <a:ext cx="971550" cy="371475"/>
+          </a:xfrm>
+          <a:prstGeom prst="rect">
+            <a:avLst/>
+          </a:prstGeom>
+        </p:spPr>
+      </p:pic>
+      <p:pic>
+        <p:nvPicPr>
+          <p:cNvPr id="38" name="Graphic 37">
+            <a:extLst>
+              <a:ext uri="{FF2B5EF4-FFF2-40B4-BE49-F238E27FC236}">
+                <a16:creationId xmlns:a16="http://schemas.microsoft.com/office/drawing/2014/main" id="{4C4F5971-8E82-4950-9968-7675B5D61264}"/>
+              </a:ext>
+            </a:extLst>
+          </p:cNvPr>
+          <p:cNvPicPr>
+            <a:picLocks noChangeAspect="1"/>
+          </p:cNvPicPr>
+          <p:nvPr/>
+        </p:nvPicPr>
+        <p:blipFill>
+          <a:blip r:embed="rId38">
+            <a:extLst>
+              <a:ext uri="{96DAC541-7B7A-43D3-8B79-37D633B846F1}">
+                <asvg:svgBlip xmlns:asvg="http://schemas.microsoft.com/office/drawing/2016/SVG/main" r:embed="rId39"/>
+              </a:ext>
+            </a:extLst>
+          </a:blip>
+          <a:stretch>
+            <a:fillRect/>
+          </a:stretch>
+        </p:blipFill>
+        <p:spPr>
+          <a:xfrm>
+            <a:off x="2755410" y="5362704"/>
+            <a:ext cx="1047750" cy="685800"/>
+          </a:xfrm>
+          <a:prstGeom prst="rect">
+            <a:avLst/>
+          </a:prstGeom>
+        </p:spPr>
+      </p:pic>
+      <p:pic>
+        <p:nvPicPr>
+          <p:cNvPr id="40" name="Graphic 39">
+            <a:extLst>
+              <a:ext uri="{FF2B5EF4-FFF2-40B4-BE49-F238E27FC236}">
+                <a16:creationId xmlns:a16="http://schemas.microsoft.com/office/drawing/2014/main" id="{C05A3666-A292-4227-9762-AE21A3B0BB3A}"/>
+              </a:ext>
+            </a:extLst>
+          </p:cNvPr>
+          <p:cNvPicPr>
+            <a:picLocks noChangeAspect="1"/>
+          </p:cNvPicPr>
+          <p:nvPr/>
+        </p:nvPicPr>
+        <p:blipFill>
+          <a:blip r:embed="rId40">
+            <a:extLst>
+              <a:ext uri="{96DAC541-7B7A-43D3-8B79-37D633B846F1}">
+                <asvg:svgBlip xmlns:asvg="http://schemas.microsoft.com/office/drawing/2016/SVG/main" r:embed="rId41"/>
+              </a:ext>
+            </a:extLst>
+          </a:blip>
+          <a:stretch>
+            <a:fillRect/>
+          </a:stretch>
+        </p:blipFill>
+        <p:spPr>
+          <a:xfrm>
+            <a:off x="1760500" y="4556074"/>
+            <a:ext cx="1428750" cy="942975"/>
+          </a:xfrm>
+          <a:prstGeom prst="rect">
+            <a:avLst/>
+          </a:prstGeom>
+        </p:spPr>
+      </p:pic>
+      <p:pic>
+        <p:nvPicPr>
+          <p:cNvPr id="41" name="Graphic 40">
+            <a:extLst>
+              <a:ext uri="{FF2B5EF4-FFF2-40B4-BE49-F238E27FC236}">
+                <a16:creationId xmlns:a16="http://schemas.microsoft.com/office/drawing/2014/main" id="{FB229D0F-F899-4029-B049-1640C7F0C120}"/>
+              </a:ext>
+            </a:extLst>
+          </p:cNvPr>
+          <p:cNvPicPr>
+            <a:picLocks noChangeAspect="1"/>
+          </p:cNvPicPr>
+          <p:nvPr/>
+        </p:nvPicPr>
+        <p:blipFill>
+          <a:blip r:embed="rId42">
+            <a:extLst>
+              <a:ext uri="{96DAC541-7B7A-43D3-8B79-37D633B846F1}">
+                <asvg:svgBlip xmlns:asvg="http://schemas.microsoft.com/office/drawing/2016/SVG/main" r:embed="rId43"/>
+              </a:ext>
+            </a:extLst>
+          </a:blip>
+          <a:stretch>
+            <a:fillRect/>
+          </a:stretch>
+        </p:blipFill>
+        <p:spPr>
+          <a:xfrm>
+            <a:off x="8259574" y="4775149"/>
+            <a:ext cx="1543050" cy="1647825"/>
+          </a:xfrm>
+          <a:prstGeom prst="rect">
+            <a:avLst/>
+          </a:prstGeom>
+        </p:spPr>
+      </p:pic>
+      <p:pic>
+        <p:nvPicPr>
+          <p:cNvPr id="42" name="Graphic 41">
+            <a:extLst>
+              <a:ext uri="{FF2B5EF4-FFF2-40B4-BE49-F238E27FC236}">
+                <a16:creationId xmlns:a16="http://schemas.microsoft.com/office/drawing/2014/main" id="{8AA70413-38DE-4FDC-937C-9A9E2655BF54}"/>
+              </a:ext>
+            </a:extLst>
+          </p:cNvPr>
+          <p:cNvPicPr>
+            <a:picLocks noChangeAspect="1"/>
+          </p:cNvPicPr>
+          <p:nvPr/>
+        </p:nvPicPr>
+        <p:blipFill>
+          <a:blip r:embed="rId44">
+            <a:extLst>
+              <a:ext uri="{96DAC541-7B7A-43D3-8B79-37D633B846F1}">
+                <asvg:svgBlip xmlns:asvg="http://schemas.microsoft.com/office/drawing/2016/SVG/main" r:embed="rId45"/>
+              </a:ext>
+            </a:extLst>
+          </a:blip>
+          <a:stretch>
+            <a:fillRect/>
+          </a:stretch>
+        </p:blipFill>
+        <p:spPr>
+          <a:xfrm>
+            <a:off x="6096000" y="5241874"/>
+            <a:ext cx="1457325" cy="933450"/>
+          </a:xfrm>
+          <a:prstGeom prst="rect">
+            <a:avLst/>
+          </a:prstGeom>
+        </p:spPr>
+      </p:pic>
+      <p:pic>
+        <p:nvPicPr>
+          <p:cNvPr id="45" name="Graphic 44">
+            <a:extLst>
+              <a:ext uri="{FF2B5EF4-FFF2-40B4-BE49-F238E27FC236}">
+                <a16:creationId xmlns:a16="http://schemas.microsoft.com/office/drawing/2014/main" id="{A82FABB3-C4A2-4478-ADD8-0811F38C0920}"/>
+              </a:ext>
+            </a:extLst>
+          </p:cNvPr>
+          <p:cNvPicPr>
+            <a:picLocks noChangeAspect="1"/>
+          </p:cNvPicPr>
+          <p:nvPr/>
+        </p:nvPicPr>
+        <p:blipFill>
+          <a:blip r:embed="rId46">
+            <a:extLst>
+              <a:ext uri="{96DAC541-7B7A-43D3-8B79-37D633B846F1}">
+                <asvg:svgBlip xmlns:asvg="http://schemas.microsoft.com/office/drawing/2016/SVG/main" r:embed="rId47"/>
+              </a:ext>
+            </a:extLst>
+          </a:blip>
+          <a:stretch>
+            <a:fillRect/>
+          </a:stretch>
+        </p:blipFill>
+        <p:spPr>
+          <a:xfrm>
+            <a:off x="10184635" y="4207270"/>
+            <a:ext cx="1047750" cy="1285875"/>
+          </a:xfrm>
+          <a:prstGeom prst="rect">
+            <a:avLst/>
+          </a:prstGeom>
+        </p:spPr>
+      </p:pic>
+      <p:pic>
+        <p:nvPicPr>
+          <p:cNvPr id="47" name="Graphic 46">
+            <a:extLst>
+              <a:ext uri="{FF2B5EF4-FFF2-40B4-BE49-F238E27FC236}">
+                <a16:creationId xmlns:a16="http://schemas.microsoft.com/office/drawing/2014/main" id="{21C31B55-76D0-4A26-8288-6DB263056162}"/>
+              </a:ext>
+            </a:extLst>
+          </p:cNvPr>
+          <p:cNvPicPr>
+            <a:picLocks noChangeAspect="1"/>
+          </p:cNvPicPr>
+          <p:nvPr/>
+        </p:nvPicPr>
+        <p:blipFill>
+          <a:blip r:embed="rId48">
+            <a:extLst>
+              <a:ext uri="{96DAC541-7B7A-43D3-8B79-37D633B846F1}">
+                <asvg:svgBlip xmlns:asvg="http://schemas.microsoft.com/office/drawing/2016/SVG/main" r:embed="rId49"/>
+              </a:ext>
+            </a:extLst>
+          </a:blip>
+          <a:stretch>
+            <a:fillRect/>
+          </a:stretch>
+        </p:blipFill>
+        <p:spPr>
+          <a:xfrm>
+            <a:off x="3387113" y="3710053"/>
+            <a:ext cx="1314450" cy="685800"/>
+          </a:xfrm>
+          <a:prstGeom prst="rect">
+            <a:avLst/>
+          </a:prstGeom>
+        </p:spPr>
+      </p:pic>
+      <p:pic>
+        <p:nvPicPr>
+          <p:cNvPr id="49" name="Graphic 48">
+            <a:extLst>
+              <a:ext uri="{FF2B5EF4-FFF2-40B4-BE49-F238E27FC236}">
+                <a16:creationId xmlns:a16="http://schemas.microsoft.com/office/drawing/2014/main" id="{5F99DD00-88E6-4885-87B0-3BED7112494E}"/>
+              </a:ext>
+            </a:extLst>
+          </p:cNvPr>
+          <p:cNvPicPr>
+            <a:picLocks noChangeAspect="1"/>
+          </p:cNvPicPr>
+          <p:nvPr/>
+        </p:nvPicPr>
+        <p:blipFill>
+          <a:blip r:embed="rId50">
+            <a:extLst>
+              <a:ext uri="{96DAC541-7B7A-43D3-8B79-37D633B846F1}">
+                <asvg:svgBlip xmlns:asvg="http://schemas.microsoft.com/office/drawing/2016/SVG/main" r:embed="rId51"/>
+              </a:ext>
+            </a:extLst>
+          </a:blip>
+          <a:stretch>
+            <a:fillRect/>
+          </a:stretch>
+        </p:blipFill>
+        <p:spPr>
+          <a:xfrm>
+            <a:off x="514041" y="5612812"/>
+            <a:ext cx="1457325" cy="933450"/>
+          </a:xfrm>
+          <a:prstGeom prst="rect">
+            <a:avLst/>
+          </a:prstGeom>
+        </p:spPr>
+      </p:pic>
+      <p:pic>
+        <p:nvPicPr>
+          <p:cNvPr id="20" name="Graphic 19">
+            <a:extLst>
+              <a:ext uri="{FF2B5EF4-FFF2-40B4-BE49-F238E27FC236}">
+                <a16:creationId xmlns:a16="http://schemas.microsoft.com/office/drawing/2014/main" id="{7685F2B2-D245-4972-B323-22FEE9F7CDF8}"/>
+              </a:ext>
+            </a:extLst>
+          </p:cNvPr>
+          <p:cNvPicPr>
+            <a:picLocks noChangeAspect="1"/>
+          </p:cNvPicPr>
+          <p:nvPr/>
+        </p:nvPicPr>
+        <p:blipFill>
+          <a:blip r:embed="rId52">
+            <a:extLst>
+              <a:ext uri="{96DAC541-7B7A-43D3-8B79-37D633B846F1}">
+                <asvg:svgBlip xmlns:asvg="http://schemas.microsoft.com/office/drawing/2016/SVG/main" r:embed="rId53"/>
+              </a:ext>
+            </a:extLst>
+          </a:blip>
+          <a:stretch>
+            <a:fillRect/>
+          </a:stretch>
+        </p:blipFill>
+        <p:spPr>
+          <a:xfrm>
+            <a:off x="6305163" y="1994168"/>
+            <a:ext cx="1543050" cy="1647825"/>
+          </a:xfrm>
+          <a:prstGeom prst="rect">
+            <a:avLst/>
+          </a:prstGeom>
+        </p:spPr>
+      </p:pic>
+      <p:pic>
+        <p:nvPicPr>
+          <p:cNvPr id="28" name="Graphic 27">
+            <a:extLst>
+              <a:ext uri="{FF2B5EF4-FFF2-40B4-BE49-F238E27FC236}">
+                <a16:creationId xmlns:a16="http://schemas.microsoft.com/office/drawing/2014/main" id="{A73ED3AC-36CA-483B-9A33-AB8E94A5163F}"/>
+              </a:ext>
+            </a:extLst>
+          </p:cNvPr>
+          <p:cNvPicPr>
+            <a:picLocks noChangeAspect="1"/>
+          </p:cNvPicPr>
+          <p:nvPr/>
+        </p:nvPicPr>
+        <p:blipFill>
+          <a:blip r:embed="rId54">
+            <a:extLst>
+              <a:ext uri="{96DAC541-7B7A-43D3-8B79-37D633B846F1}">
+                <asvg:svgBlip xmlns:asvg="http://schemas.microsoft.com/office/drawing/2016/SVG/main" r:embed="rId55"/>
+              </a:ext>
+            </a:extLst>
+          </a:blip>
+          <a:stretch>
+            <a:fillRect/>
+          </a:stretch>
+        </p:blipFill>
+        <p:spPr>
+          <a:xfrm>
+            <a:off x="7171984" y="3026811"/>
+            <a:ext cx="1428750" cy="942975"/>
+          </a:xfrm>
+          <a:prstGeom prst="rect">
+            <a:avLst/>
+          </a:prstGeom>
+        </p:spPr>
+      </p:pic>
+      <p:pic>
+        <p:nvPicPr>
+          <p:cNvPr id="35" name="Graphic 34">
+            <a:extLst>
+              <a:ext uri="{FF2B5EF4-FFF2-40B4-BE49-F238E27FC236}">
+                <a16:creationId xmlns:a16="http://schemas.microsoft.com/office/drawing/2014/main" id="{B5D38DB6-9CEB-4904-B8A9-DB69AD12157D}"/>
+              </a:ext>
+            </a:extLst>
+          </p:cNvPr>
+          <p:cNvPicPr>
+            <a:picLocks noChangeAspect="1"/>
+          </p:cNvPicPr>
+          <p:nvPr/>
+        </p:nvPicPr>
+        <p:blipFill>
+          <a:blip r:embed="rId56">
+            <a:extLst>
+              <a:ext uri="{96DAC541-7B7A-43D3-8B79-37D633B846F1}">
+                <asvg:svgBlip xmlns:asvg="http://schemas.microsoft.com/office/drawing/2016/SVG/main" r:embed="rId57"/>
+              </a:ext>
+            </a:extLst>
+          </a:blip>
+          <a:stretch>
+            <a:fillRect/>
+          </a:stretch>
+        </p:blipFill>
+        <p:spPr>
+          <a:xfrm>
+            <a:off x="5572125" y="3086100"/>
             <a:ext cx="1047750" cy="685800"/>
           </a:xfrm>
           <a:prstGeom prst="rect">
@@ -3382,6 +4925,4708 @@
     <p:extLst>
       <p:ext uri="{BB962C8B-B14F-4D97-AF65-F5344CB8AC3E}">
         <p14:creationId xmlns:p14="http://schemas.microsoft.com/office/powerpoint/2010/main" val="2122991360"/>
+      </p:ext>
+    </p:extLst>
+  </p:cSld>
+  <p:clrMapOvr>
+    <a:masterClrMapping/>
+  </p:clrMapOvr>
+</p:sld>
+</file>
+
+<file path=ppt/slides/slide2.xml><?xml version="1.0" encoding="utf-8"?>
+<p:sld xmlns:a="http://schemas.openxmlformats.org/drawingml/2006/main" xmlns:r="http://schemas.openxmlformats.org/officeDocument/2006/relationships" xmlns:p="http://schemas.openxmlformats.org/presentationml/2006/main">
+  <p:cSld>
+    <p:spTree>
+      <p:nvGrpSpPr>
+        <p:cNvPr id="1" name=""/>
+        <p:cNvGrpSpPr/>
+        <p:nvPr/>
+      </p:nvGrpSpPr>
+      <p:grpSpPr>
+        <a:xfrm>
+          <a:off x="0" y="0"/>
+          <a:ext cx="0" cy="0"/>
+          <a:chOff x="0" y="0"/>
+          <a:chExt cx="0" cy="0"/>
+        </a:xfrm>
+      </p:grpSpPr>
+      <p:grpSp>
+        <p:nvGrpSpPr>
+          <p:cNvPr id="25" name="Group 24">
+            <a:extLst>
+              <a:ext uri="{FF2B5EF4-FFF2-40B4-BE49-F238E27FC236}">
+                <a16:creationId xmlns:a16="http://schemas.microsoft.com/office/drawing/2014/main" id="{11951DC9-798D-424A-A64C-CAFCBA46C602}"/>
+              </a:ext>
+            </a:extLst>
+          </p:cNvPr>
+          <p:cNvGrpSpPr/>
+          <p:nvPr/>
+        </p:nvGrpSpPr>
+        <p:grpSpPr>
+          <a:xfrm>
+            <a:off x="4678680" y="833120"/>
+            <a:ext cx="4213860" cy="811530"/>
+            <a:chOff x="2468880" y="1455420"/>
+            <a:chExt cx="4213860" cy="811530"/>
+          </a:xfrm>
+        </p:grpSpPr>
+        <p:sp>
+          <p:nvSpPr>
+            <p:cNvPr id="7" name="Freeform: Shape 6">
+              <a:extLst>
+                <a:ext uri="{FF2B5EF4-FFF2-40B4-BE49-F238E27FC236}">
+                  <a16:creationId xmlns:a16="http://schemas.microsoft.com/office/drawing/2014/main" id="{3678505E-AF7B-4508-948B-FF40B0C51532}"/>
+                </a:ext>
+              </a:extLst>
+            </p:cNvPr>
+            <p:cNvSpPr/>
+            <p:nvPr/>
+          </p:nvSpPr>
+          <p:spPr>
+            <a:xfrm>
+              <a:off x="2468880" y="1455420"/>
+              <a:ext cx="4213860" cy="811530"/>
+            </a:xfrm>
+            <a:custGeom>
+              <a:avLst/>
+              <a:gdLst>
+                <a:gd name="connsiteX0" fmla="*/ 0 w 4213860"/>
+                <a:gd name="connsiteY0" fmla="*/ 0 h 1028700"/>
+                <a:gd name="connsiteX1" fmla="*/ 53340 w 4213860"/>
+                <a:gd name="connsiteY1" fmla="*/ 1028700 h 1028700"/>
+                <a:gd name="connsiteX2" fmla="*/ 3771900 w 4213860"/>
+                <a:gd name="connsiteY2" fmla="*/ 975360 h 1028700"/>
+                <a:gd name="connsiteX3" fmla="*/ 4213860 w 4213860"/>
+                <a:gd name="connsiteY3" fmla="*/ 22860 h 1028700"/>
+                <a:gd name="connsiteX4" fmla="*/ 0 w 4213860"/>
+                <a:gd name="connsiteY4" fmla="*/ 0 h 1028700"/>
+              </a:gdLst>
+              <a:ahLst/>
+              <a:cxnLst>
+                <a:cxn ang="0">
+                  <a:pos x="connsiteX0" y="connsiteY0"/>
+                </a:cxn>
+                <a:cxn ang="0">
+                  <a:pos x="connsiteX1" y="connsiteY1"/>
+                </a:cxn>
+                <a:cxn ang="0">
+                  <a:pos x="connsiteX2" y="connsiteY2"/>
+                </a:cxn>
+                <a:cxn ang="0">
+                  <a:pos x="connsiteX3" y="connsiteY3"/>
+                </a:cxn>
+                <a:cxn ang="0">
+                  <a:pos x="connsiteX4" y="connsiteY4"/>
+                </a:cxn>
+              </a:cxnLst>
+              <a:rect l="l" t="t" r="r" b="b"/>
+              <a:pathLst>
+                <a:path w="4213860" h="1028700">
+                  <a:moveTo>
+                    <a:pt x="0" y="0"/>
+                  </a:moveTo>
+                  <a:lnTo>
+                    <a:pt x="53340" y="1028700"/>
+                  </a:lnTo>
+                  <a:lnTo>
+                    <a:pt x="3771900" y="975360"/>
+                  </a:lnTo>
+                  <a:lnTo>
+                    <a:pt x="4213860" y="22860"/>
+                  </a:lnTo>
+                  <a:lnTo>
+                    <a:pt x="0" y="0"/>
+                  </a:lnTo>
+                  <a:close/>
+                </a:path>
+              </a:pathLst>
+            </a:custGeom>
+            <a:solidFill>
+              <a:schemeClr val="bg1"/>
+            </a:solidFill>
+            <a:ln>
+              <a:noFill/>
+            </a:ln>
+            <a:effectLst>
+              <a:outerShdw blurRad="50800" dist="38100" dir="5400000" algn="t" rotWithShape="0">
+                <a:prstClr val="black">
+                  <a:alpha val="40000"/>
+                </a:prstClr>
+              </a:outerShdw>
+            </a:effectLst>
+          </p:spPr>
+          <p:style>
+            <a:lnRef idx="2">
+              <a:schemeClr val="accent1">
+                <a:shade val="50000"/>
+              </a:schemeClr>
+            </a:lnRef>
+            <a:fillRef idx="1">
+              <a:schemeClr val="accent1"/>
+            </a:fillRef>
+            <a:effectRef idx="0">
+              <a:schemeClr val="accent1"/>
+            </a:effectRef>
+            <a:fontRef idx="minor">
+              <a:schemeClr val="lt1"/>
+            </a:fontRef>
+          </p:style>
+          <p:txBody>
+            <a:bodyPr rtlCol="0" anchor="ctr"/>
+            <a:lstStyle/>
+            <a:p>
+              <a:pPr algn="ctr"/>
+              <a:endParaRPr lang="en-GB"/>
+            </a:p>
+          </p:txBody>
+        </p:sp>
+        <p:pic>
+          <p:nvPicPr>
+            <p:cNvPr id="9" name="Graphic 8">
+              <a:extLst>
+                <a:ext uri="{FF2B5EF4-FFF2-40B4-BE49-F238E27FC236}">
+                  <a16:creationId xmlns:a16="http://schemas.microsoft.com/office/drawing/2014/main" id="{74259FBD-E47F-420A-B375-1A0F1A3A950B}"/>
+                </a:ext>
+              </a:extLst>
+            </p:cNvPr>
+            <p:cNvPicPr>
+              <a:picLocks noChangeAspect="1"/>
+            </p:cNvPicPr>
+            <p:nvPr/>
+          </p:nvPicPr>
+          <p:blipFill>
+            <a:blip r:embed="rId2">
+              <a:extLst>
+                <a:ext uri="{96DAC541-7B7A-43D3-8B79-37D633B846F1}">
+                  <asvg:svgBlip xmlns:asvg="http://schemas.microsoft.com/office/drawing/2016/SVG/main" r:embed="rId3"/>
+                </a:ext>
+              </a:extLst>
+            </a:blip>
+            <a:stretch>
+              <a:fillRect/>
+            </a:stretch>
+          </p:blipFill>
+          <p:spPr>
+            <a:xfrm>
+              <a:off x="2667795" y="1512431"/>
+              <a:ext cx="558006" cy="348753"/>
+            </a:xfrm>
+            <a:prstGeom prst="rect">
+              <a:avLst/>
+            </a:prstGeom>
+          </p:spPr>
+        </p:pic>
+        <p:pic>
+          <p:nvPicPr>
+            <p:cNvPr id="10" name="Graphic 9">
+              <a:extLst>
+                <a:ext uri="{FF2B5EF4-FFF2-40B4-BE49-F238E27FC236}">
+                  <a16:creationId xmlns:a16="http://schemas.microsoft.com/office/drawing/2014/main" id="{3559361C-8255-43E8-8694-6F64497A4144}"/>
+                </a:ext>
+              </a:extLst>
+            </p:cNvPr>
+            <p:cNvPicPr>
+              <a:picLocks noChangeAspect="1"/>
+            </p:cNvPicPr>
+            <p:nvPr/>
+          </p:nvPicPr>
+          <p:blipFill>
+            <a:blip r:embed="rId4">
+              <a:extLst>
+                <a:ext uri="{96DAC541-7B7A-43D3-8B79-37D633B846F1}">
+                  <asvg:svgBlip xmlns:asvg="http://schemas.microsoft.com/office/drawing/2016/SVG/main" r:embed="rId5"/>
+                </a:ext>
+              </a:extLst>
+            </a:blip>
+            <a:stretch>
+              <a:fillRect/>
+            </a:stretch>
+          </p:blipFill>
+          <p:spPr>
+            <a:xfrm>
+              <a:off x="3643094" y="1503927"/>
+              <a:ext cx="558006" cy="348753"/>
+            </a:xfrm>
+            <a:prstGeom prst="rect">
+              <a:avLst/>
+            </a:prstGeom>
+          </p:spPr>
+        </p:pic>
+        <p:pic>
+          <p:nvPicPr>
+            <p:cNvPr id="11" name="Graphic 10">
+              <a:extLst>
+                <a:ext uri="{FF2B5EF4-FFF2-40B4-BE49-F238E27FC236}">
+                  <a16:creationId xmlns:a16="http://schemas.microsoft.com/office/drawing/2014/main" id="{F23B84DE-7870-4454-895F-D1421393A5AD}"/>
+                </a:ext>
+              </a:extLst>
+            </p:cNvPr>
+            <p:cNvPicPr>
+              <a:picLocks noChangeAspect="1"/>
+            </p:cNvPicPr>
+            <p:nvPr/>
+          </p:nvPicPr>
+          <p:blipFill>
+            <a:blip r:embed="rId6">
+              <a:extLst>
+                <a:ext uri="{96DAC541-7B7A-43D3-8B79-37D633B846F1}">
+                  <asvg:svgBlip xmlns:asvg="http://schemas.microsoft.com/office/drawing/2016/SVG/main" r:embed="rId7"/>
+                </a:ext>
+              </a:extLst>
+            </a:blip>
+            <a:stretch>
+              <a:fillRect/>
+            </a:stretch>
+          </p:blipFill>
+          <p:spPr>
+            <a:xfrm>
+              <a:off x="4618393" y="1463948"/>
+              <a:ext cx="471034" cy="432186"/>
+            </a:xfrm>
+            <a:prstGeom prst="rect">
+              <a:avLst/>
+            </a:prstGeom>
+          </p:spPr>
+        </p:pic>
+        <p:pic>
+          <p:nvPicPr>
+            <p:cNvPr id="12" name="Graphic 11">
+              <a:extLst>
+                <a:ext uri="{FF2B5EF4-FFF2-40B4-BE49-F238E27FC236}">
+                  <a16:creationId xmlns:a16="http://schemas.microsoft.com/office/drawing/2014/main" id="{E9694C52-5D01-452E-B189-8301CF31FD8C}"/>
+                </a:ext>
+              </a:extLst>
+            </p:cNvPr>
+            <p:cNvPicPr>
+              <a:picLocks noChangeAspect="1"/>
+            </p:cNvPicPr>
+            <p:nvPr/>
+          </p:nvPicPr>
+          <p:blipFill>
+            <a:blip r:embed="rId8">
+              <a:extLst>
+                <a:ext uri="{96DAC541-7B7A-43D3-8B79-37D633B846F1}">
+                  <asvg:svgBlip xmlns:asvg="http://schemas.microsoft.com/office/drawing/2016/SVG/main" r:embed="rId9"/>
+                </a:ext>
+              </a:extLst>
+            </a:blip>
+            <a:stretch>
+              <a:fillRect/>
+            </a:stretch>
+          </p:blipFill>
+          <p:spPr>
+            <a:xfrm>
+              <a:off x="5581475" y="1530814"/>
+              <a:ext cx="471034" cy="311984"/>
+            </a:xfrm>
+            <a:prstGeom prst="rect">
+              <a:avLst/>
+            </a:prstGeom>
+          </p:spPr>
+        </p:pic>
+        <p:sp>
+          <p:nvSpPr>
+            <p:cNvPr id="13" name="Rectangle: Rounded Corners 12">
+              <a:extLst>
+                <a:ext uri="{FF2B5EF4-FFF2-40B4-BE49-F238E27FC236}">
+                  <a16:creationId xmlns:a16="http://schemas.microsoft.com/office/drawing/2014/main" id="{A95CE535-438C-448F-A8CD-05B7B463B82F}"/>
+                </a:ext>
+              </a:extLst>
+            </p:cNvPr>
+            <p:cNvSpPr/>
+            <p:nvPr/>
+          </p:nvSpPr>
+          <p:spPr>
+            <a:xfrm>
+              <a:off x="2559448" y="1902899"/>
+              <a:ext cx="774700" cy="313832"/>
+            </a:xfrm>
+            <a:prstGeom prst="roundRect">
+              <a:avLst>
+                <a:gd name="adj" fmla="val 50000"/>
+              </a:avLst>
+            </a:prstGeom>
+            <a:solidFill>
+              <a:schemeClr val="bg1"/>
+            </a:solidFill>
+            <a:ln>
+              <a:noFill/>
+            </a:ln>
+            <a:effectLst>
+              <a:innerShdw blurRad="114300">
+                <a:prstClr val="black"/>
+              </a:innerShdw>
+            </a:effectLst>
+          </p:spPr>
+          <p:style>
+            <a:lnRef idx="2">
+              <a:schemeClr val="accent1">
+                <a:shade val="50000"/>
+              </a:schemeClr>
+            </a:lnRef>
+            <a:fillRef idx="1">
+              <a:schemeClr val="accent1"/>
+            </a:fillRef>
+            <a:effectRef idx="0">
+              <a:schemeClr val="accent1"/>
+            </a:effectRef>
+            <a:fontRef idx="minor">
+              <a:schemeClr val="lt1"/>
+            </a:fontRef>
+          </p:style>
+          <p:txBody>
+            <a:bodyPr rtlCol="0" anchor="ctr"/>
+            <a:lstStyle/>
+            <a:p>
+              <a:pPr algn="ctr"/>
+              <a:endParaRPr lang="en-GB"/>
+            </a:p>
+          </p:txBody>
+        </p:sp>
+        <p:sp>
+          <p:nvSpPr>
+            <p:cNvPr id="14" name="Rectangle: Rounded Corners 13">
+              <a:extLst>
+                <a:ext uri="{FF2B5EF4-FFF2-40B4-BE49-F238E27FC236}">
+                  <a16:creationId xmlns:a16="http://schemas.microsoft.com/office/drawing/2014/main" id="{17B3DA7E-43E5-4587-9377-7418BDD8E355}"/>
+                </a:ext>
+              </a:extLst>
+            </p:cNvPr>
+            <p:cNvSpPr/>
+            <p:nvPr/>
+          </p:nvSpPr>
+          <p:spPr>
+            <a:xfrm>
+              <a:off x="3529673" y="1902899"/>
+              <a:ext cx="774700" cy="313832"/>
+            </a:xfrm>
+            <a:prstGeom prst="roundRect">
+              <a:avLst>
+                <a:gd name="adj" fmla="val 50000"/>
+              </a:avLst>
+            </a:prstGeom>
+            <a:solidFill>
+              <a:schemeClr val="bg1"/>
+            </a:solidFill>
+            <a:ln>
+              <a:noFill/>
+            </a:ln>
+            <a:effectLst>
+              <a:innerShdw blurRad="114300">
+                <a:prstClr val="black"/>
+              </a:innerShdw>
+            </a:effectLst>
+          </p:spPr>
+          <p:style>
+            <a:lnRef idx="2">
+              <a:schemeClr val="accent1">
+                <a:shade val="50000"/>
+              </a:schemeClr>
+            </a:lnRef>
+            <a:fillRef idx="1">
+              <a:schemeClr val="accent1"/>
+            </a:fillRef>
+            <a:effectRef idx="0">
+              <a:schemeClr val="accent1"/>
+            </a:effectRef>
+            <a:fontRef idx="minor">
+              <a:schemeClr val="lt1"/>
+            </a:fontRef>
+          </p:style>
+          <p:txBody>
+            <a:bodyPr rtlCol="0" anchor="ctr"/>
+            <a:lstStyle/>
+            <a:p>
+              <a:pPr algn="ctr"/>
+              <a:endParaRPr lang="en-GB"/>
+            </a:p>
+          </p:txBody>
+        </p:sp>
+        <p:sp>
+          <p:nvSpPr>
+            <p:cNvPr id="15" name="Rectangle: Rounded Corners 14">
+              <a:extLst>
+                <a:ext uri="{FF2B5EF4-FFF2-40B4-BE49-F238E27FC236}">
+                  <a16:creationId xmlns:a16="http://schemas.microsoft.com/office/drawing/2014/main" id="{4A5933DC-90B1-4614-850A-FBCA61232A4A}"/>
+                </a:ext>
+              </a:extLst>
+            </p:cNvPr>
+            <p:cNvSpPr/>
+            <p:nvPr/>
+          </p:nvSpPr>
+          <p:spPr>
+            <a:xfrm>
+              <a:off x="4466560" y="1902899"/>
+              <a:ext cx="774700" cy="313832"/>
+            </a:xfrm>
+            <a:prstGeom prst="roundRect">
+              <a:avLst>
+                <a:gd name="adj" fmla="val 50000"/>
+              </a:avLst>
+            </a:prstGeom>
+            <a:solidFill>
+              <a:schemeClr val="bg1"/>
+            </a:solidFill>
+            <a:ln>
+              <a:noFill/>
+            </a:ln>
+            <a:effectLst>
+              <a:innerShdw blurRad="114300">
+                <a:prstClr val="black"/>
+              </a:innerShdw>
+            </a:effectLst>
+          </p:spPr>
+          <p:style>
+            <a:lnRef idx="2">
+              <a:schemeClr val="accent1">
+                <a:shade val="50000"/>
+              </a:schemeClr>
+            </a:lnRef>
+            <a:fillRef idx="1">
+              <a:schemeClr val="accent1"/>
+            </a:fillRef>
+            <a:effectRef idx="0">
+              <a:schemeClr val="accent1"/>
+            </a:effectRef>
+            <a:fontRef idx="minor">
+              <a:schemeClr val="lt1"/>
+            </a:fontRef>
+          </p:style>
+          <p:txBody>
+            <a:bodyPr rtlCol="0" anchor="ctr"/>
+            <a:lstStyle/>
+            <a:p>
+              <a:pPr algn="ctr"/>
+              <a:endParaRPr lang="en-GB"/>
+            </a:p>
+          </p:txBody>
+        </p:sp>
+        <p:sp>
+          <p:nvSpPr>
+            <p:cNvPr id="16" name="Rectangle: Rounded Corners 15">
+              <a:extLst>
+                <a:ext uri="{FF2B5EF4-FFF2-40B4-BE49-F238E27FC236}">
+                  <a16:creationId xmlns:a16="http://schemas.microsoft.com/office/drawing/2014/main" id="{0CA683C9-BCC5-46F5-A936-E00233BBA037}"/>
+                </a:ext>
+              </a:extLst>
+            </p:cNvPr>
+            <p:cNvSpPr/>
+            <p:nvPr/>
+          </p:nvSpPr>
+          <p:spPr>
+            <a:xfrm>
+              <a:off x="5429642" y="1902899"/>
+              <a:ext cx="774700" cy="313832"/>
+            </a:xfrm>
+            <a:prstGeom prst="roundRect">
+              <a:avLst>
+                <a:gd name="adj" fmla="val 50000"/>
+              </a:avLst>
+            </a:prstGeom>
+            <a:solidFill>
+              <a:schemeClr val="bg1"/>
+            </a:solidFill>
+            <a:ln>
+              <a:noFill/>
+            </a:ln>
+            <a:effectLst>
+              <a:innerShdw blurRad="114300">
+                <a:prstClr val="black"/>
+              </a:innerShdw>
+            </a:effectLst>
+          </p:spPr>
+          <p:style>
+            <a:lnRef idx="2">
+              <a:schemeClr val="accent1">
+                <a:shade val="50000"/>
+              </a:schemeClr>
+            </a:lnRef>
+            <a:fillRef idx="1">
+              <a:schemeClr val="accent1"/>
+            </a:fillRef>
+            <a:effectRef idx="0">
+              <a:schemeClr val="accent1"/>
+            </a:effectRef>
+            <a:fontRef idx="minor">
+              <a:schemeClr val="lt1"/>
+            </a:fontRef>
+          </p:style>
+          <p:txBody>
+            <a:bodyPr rtlCol="0" anchor="ctr"/>
+            <a:lstStyle/>
+            <a:p>
+              <a:pPr algn="ctr"/>
+              <a:endParaRPr lang="en-GB"/>
+            </a:p>
+          </p:txBody>
+        </p:sp>
+      </p:grpSp>
+      <p:grpSp>
+        <p:nvGrpSpPr>
+          <p:cNvPr id="31" name="Group 30">
+            <a:extLst>
+              <a:ext uri="{FF2B5EF4-FFF2-40B4-BE49-F238E27FC236}">
+                <a16:creationId xmlns:a16="http://schemas.microsoft.com/office/drawing/2014/main" id="{6D1F6885-D38B-4890-A31E-625FB5C642AF}"/>
+              </a:ext>
+            </a:extLst>
+          </p:cNvPr>
+          <p:cNvGrpSpPr/>
+          <p:nvPr/>
+        </p:nvGrpSpPr>
+        <p:grpSpPr>
+          <a:xfrm>
+            <a:off x="649474" y="2636077"/>
+            <a:ext cx="3214291" cy="1369185"/>
+            <a:chOff x="649474" y="2636077"/>
+            <a:chExt cx="3214291" cy="1369185"/>
+          </a:xfrm>
+        </p:grpSpPr>
+        <p:sp>
+          <p:nvSpPr>
+            <p:cNvPr id="19" name="Freeform: Shape 18">
+              <a:extLst>
+                <a:ext uri="{FF2B5EF4-FFF2-40B4-BE49-F238E27FC236}">
+                  <a16:creationId xmlns:a16="http://schemas.microsoft.com/office/drawing/2014/main" id="{50986791-F53E-4AEF-AD52-7BC3F68BFE79}"/>
+                </a:ext>
+              </a:extLst>
+            </p:cNvPr>
+            <p:cNvSpPr/>
+            <p:nvPr/>
+          </p:nvSpPr>
+          <p:spPr>
+            <a:xfrm>
+              <a:off x="649474" y="2636077"/>
+              <a:ext cx="736600" cy="1369185"/>
+            </a:xfrm>
+            <a:custGeom>
+              <a:avLst/>
+              <a:gdLst>
+                <a:gd name="connsiteX0" fmla="*/ 0 w 736600"/>
+                <a:gd name="connsiteY0" fmla="*/ 25400 h 3079750"/>
+                <a:gd name="connsiteX1" fmla="*/ 736600 w 736600"/>
+                <a:gd name="connsiteY1" fmla="*/ 0 h 3079750"/>
+                <a:gd name="connsiteX2" fmla="*/ 673100 w 736600"/>
+                <a:gd name="connsiteY2" fmla="*/ 2616200 h 3079750"/>
+                <a:gd name="connsiteX3" fmla="*/ 279400 w 736600"/>
+                <a:gd name="connsiteY3" fmla="*/ 3079750 h 3079750"/>
+                <a:gd name="connsiteX4" fmla="*/ 0 w 736600"/>
+                <a:gd name="connsiteY4" fmla="*/ 25400 h 3079750"/>
+                <a:gd name="connsiteX0" fmla="*/ 0 w 736600"/>
+                <a:gd name="connsiteY0" fmla="*/ 25400 h 3028950"/>
+                <a:gd name="connsiteX1" fmla="*/ 736600 w 736600"/>
+                <a:gd name="connsiteY1" fmla="*/ 0 h 3028950"/>
+                <a:gd name="connsiteX2" fmla="*/ 673100 w 736600"/>
+                <a:gd name="connsiteY2" fmla="*/ 2616200 h 3028950"/>
+                <a:gd name="connsiteX3" fmla="*/ 139700 w 736600"/>
+                <a:gd name="connsiteY3" fmla="*/ 3028950 h 3028950"/>
+                <a:gd name="connsiteX4" fmla="*/ 0 w 736600"/>
+                <a:gd name="connsiteY4" fmla="*/ 25400 h 3028950"/>
+              </a:gdLst>
+              <a:ahLst/>
+              <a:cxnLst>
+                <a:cxn ang="0">
+                  <a:pos x="connsiteX0" y="connsiteY0"/>
+                </a:cxn>
+                <a:cxn ang="0">
+                  <a:pos x="connsiteX1" y="connsiteY1"/>
+                </a:cxn>
+                <a:cxn ang="0">
+                  <a:pos x="connsiteX2" y="connsiteY2"/>
+                </a:cxn>
+                <a:cxn ang="0">
+                  <a:pos x="connsiteX3" y="connsiteY3"/>
+                </a:cxn>
+                <a:cxn ang="0">
+                  <a:pos x="connsiteX4" y="connsiteY4"/>
+                </a:cxn>
+              </a:cxnLst>
+              <a:rect l="l" t="t" r="r" b="b"/>
+              <a:pathLst>
+                <a:path w="736600" h="3028950">
+                  <a:moveTo>
+                    <a:pt x="0" y="25400"/>
+                  </a:moveTo>
+                  <a:lnTo>
+                    <a:pt x="736600" y="0"/>
+                  </a:lnTo>
+                  <a:lnTo>
+                    <a:pt x="673100" y="2616200"/>
+                  </a:lnTo>
+                  <a:lnTo>
+                    <a:pt x="139700" y="3028950"/>
+                  </a:lnTo>
+                  <a:lnTo>
+                    <a:pt x="0" y="25400"/>
+                  </a:lnTo>
+                  <a:close/>
+                </a:path>
+              </a:pathLst>
+            </a:custGeom>
+            <a:solidFill>
+              <a:schemeClr val="bg1"/>
+            </a:solidFill>
+            <a:ln>
+              <a:noFill/>
+            </a:ln>
+            <a:effectLst>
+              <a:outerShdw blurRad="50800" dist="38100" dir="5400000" algn="t" rotWithShape="0">
+                <a:prstClr val="black">
+                  <a:alpha val="40000"/>
+                </a:prstClr>
+              </a:outerShdw>
+            </a:effectLst>
+          </p:spPr>
+          <p:style>
+            <a:lnRef idx="2">
+              <a:schemeClr val="accent1">
+                <a:shade val="50000"/>
+              </a:schemeClr>
+            </a:lnRef>
+            <a:fillRef idx="1">
+              <a:schemeClr val="accent1"/>
+            </a:fillRef>
+            <a:effectRef idx="0">
+              <a:schemeClr val="accent1"/>
+            </a:effectRef>
+            <a:fontRef idx="minor">
+              <a:schemeClr val="lt1"/>
+            </a:fontRef>
+          </p:style>
+          <p:txBody>
+            <a:bodyPr rtlCol="0" anchor="ctr"/>
+            <a:lstStyle/>
+            <a:p>
+              <a:pPr algn="ctr"/>
+              <a:endParaRPr lang="en-GB"/>
+            </a:p>
+          </p:txBody>
+        </p:sp>
+        <p:pic>
+          <p:nvPicPr>
+            <p:cNvPr id="21" name="Graphic 20">
+              <a:extLst>
+                <a:ext uri="{FF2B5EF4-FFF2-40B4-BE49-F238E27FC236}">
+                  <a16:creationId xmlns:a16="http://schemas.microsoft.com/office/drawing/2014/main" id="{C6E6D7AF-4201-4D6F-93EB-617E14149F65}"/>
+                </a:ext>
+              </a:extLst>
+            </p:cNvPr>
+            <p:cNvPicPr>
+              <a:picLocks noChangeAspect="1"/>
+            </p:cNvPicPr>
+            <p:nvPr/>
+          </p:nvPicPr>
+          <p:blipFill>
+            <a:blip r:embed="rId2">
+              <a:extLst>
+                <a:ext uri="{96DAC541-7B7A-43D3-8B79-37D633B846F1}">
+                  <asvg:svgBlip xmlns:asvg="http://schemas.microsoft.com/office/drawing/2016/SVG/main" r:embed="rId3"/>
+                </a:ext>
+              </a:extLst>
+            </a:blip>
+            <a:stretch>
+              <a:fillRect/>
+            </a:stretch>
+          </p:blipFill>
+          <p:spPr>
+            <a:xfrm>
+              <a:off x="738771" y="2893556"/>
+              <a:ext cx="558006" cy="348753"/>
+            </a:xfrm>
+            <a:prstGeom prst="rect">
+              <a:avLst/>
+            </a:prstGeom>
+          </p:spPr>
+        </p:pic>
+        <p:sp>
+          <p:nvSpPr>
+            <p:cNvPr id="22" name="Freeform: Shape 21">
+              <a:extLst>
+                <a:ext uri="{FF2B5EF4-FFF2-40B4-BE49-F238E27FC236}">
+                  <a16:creationId xmlns:a16="http://schemas.microsoft.com/office/drawing/2014/main" id="{71F5092F-908E-4C7E-ACCE-8FBC34A47852}"/>
+                </a:ext>
+              </a:extLst>
+            </p:cNvPr>
+            <p:cNvSpPr/>
+            <p:nvPr/>
+          </p:nvSpPr>
+          <p:spPr>
+            <a:xfrm>
+              <a:off x="1475371" y="2636077"/>
+              <a:ext cx="736600" cy="1369185"/>
+            </a:xfrm>
+            <a:custGeom>
+              <a:avLst/>
+              <a:gdLst>
+                <a:gd name="connsiteX0" fmla="*/ 0 w 736600"/>
+                <a:gd name="connsiteY0" fmla="*/ 25400 h 3079750"/>
+                <a:gd name="connsiteX1" fmla="*/ 736600 w 736600"/>
+                <a:gd name="connsiteY1" fmla="*/ 0 h 3079750"/>
+                <a:gd name="connsiteX2" fmla="*/ 673100 w 736600"/>
+                <a:gd name="connsiteY2" fmla="*/ 2616200 h 3079750"/>
+                <a:gd name="connsiteX3" fmla="*/ 279400 w 736600"/>
+                <a:gd name="connsiteY3" fmla="*/ 3079750 h 3079750"/>
+                <a:gd name="connsiteX4" fmla="*/ 0 w 736600"/>
+                <a:gd name="connsiteY4" fmla="*/ 25400 h 3079750"/>
+                <a:gd name="connsiteX0" fmla="*/ 0 w 736600"/>
+                <a:gd name="connsiteY0" fmla="*/ 25400 h 3028950"/>
+                <a:gd name="connsiteX1" fmla="*/ 736600 w 736600"/>
+                <a:gd name="connsiteY1" fmla="*/ 0 h 3028950"/>
+                <a:gd name="connsiteX2" fmla="*/ 673100 w 736600"/>
+                <a:gd name="connsiteY2" fmla="*/ 2616200 h 3028950"/>
+                <a:gd name="connsiteX3" fmla="*/ 139700 w 736600"/>
+                <a:gd name="connsiteY3" fmla="*/ 3028950 h 3028950"/>
+                <a:gd name="connsiteX4" fmla="*/ 0 w 736600"/>
+                <a:gd name="connsiteY4" fmla="*/ 25400 h 3028950"/>
+                <a:gd name="connsiteX0" fmla="*/ 0 w 736600"/>
+                <a:gd name="connsiteY0" fmla="*/ 25400 h 3028950"/>
+                <a:gd name="connsiteX1" fmla="*/ 736600 w 736600"/>
+                <a:gd name="connsiteY1" fmla="*/ 0 h 3028950"/>
+                <a:gd name="connsiteX2" fmla="*/ 673100 w 736600"/>
+                <a:gd name="connsiteY2" fmla="*/ 2847985 h 3028950"/>
+                <a:gd name="connsiteX3" fmla="*/ 139700 w 736600"/>
+                <a:gd name="connsiteY3" fmla="*/ 3028950 h 3028950"/>
+                <a:gd name="connsiteX4" fmla="*/ 0 w 736600"/>
+                <a:gd name="connsiteY4" fmla="*/ 25400 h 3028950"/>
+              </a:gdLst>
+              <a:ahLst/>
+              <a:cxnLst>
+                <a:cxn ang="0">
+                  <a:pos x="connsiteX0" y="connsiteY0"/>
+                </a:cxn>
+                <a:cxn ang="0">
+                  <a:pos x="connsiteX1" y="connsiteY1"/>
+                </a:cxn>
+                <a:cxn ang="0">
+                  <a:pos x="connsiteX2" y="connsiteY2"/>
+                </a:cxn>
+                <a:cxn ang="0">
+                  <a:pos x="connsiteX3" y="connsiteY3"/>
+                </a:cxn>
+                <a:cxn ang="0">
+                  <a:pos x="connsiteX4" y="connsiteY4"/>
+                </a:cxn>
+              </a:cxnLst>
+              <a:rect l="l" t="t" r="r" b="b"/>
+              <a:pathLst>
+                <a:path w="736600" h="3028950">
+                  <a:moveTo>
+                    <a:pt x="0" y="25400"/>
+                  </a:moveTo>
+                  <a:lnTo>
+                    <a:pt x="736600" y="0"/>
+                  </a:lnTo>
+                  <a:lnTo>
+                    <a:pt x="673100" y="2847985"/>
+                  </a:lnTo>
+                  <a:lnTo>
+                    <a:pt x="139700" y="3028950"/>
+                  </a:lnTo>
+                  <a:lnTo>
+                    <a:pt x="0" y="25400"/>
+                  </a:lnTo>
+                  <a:close/>
+                </a:path>
+              </a:pathLst>
+            </a:custGeom>
+            <a:solidFill>
+              <a:schemeClr val="bg1"/>
+            </a:solidFill>
+            <a:ln>
+              <a:noFill/>
+            </a:ln>
+            <a:effectLst>
+              <a:outerShdw blurRad="50800" dist="38100" dir="5400000" algn="t" rotWithShape="0">
+                <a:prstClr val="black">
+                  <a:alpha val="40000"/>
+                </a:prstClr>
+              </a:outerShdw>
+            </a:effectLst>
+          </p:spPr>
+          <p:style>
+            <a:lnRef idx="2">
+              <a:schemeClr val="accent1">
+                <a:shade val="50000"/>
+              </a:schemeClr>
+            </a:lnRef>
+            <a:fillRef idx="1">
+              <a:schemeClr val="accent1"/>
+            </a:fillRef>
+            <a:effectRef idx="0">
+              <a:schemeClr val="accent1"/>
+            </a:effectRef>
+            <a:fontRef idx="minor">
+              <a:schemeClr val="lt1"/>
+            </a:fontRef>
+          </p:style>
+          <p:txBody>
+            <a:bodyPr rtlCol="0" anchor="ctr"/>
+            <a:lstStyle/>
+            <a:p>
+              <a:pPr algn="ctr"/>
+              <a:endParaRPr lang="en-GB"/>
+            </a:p>
+          </p:txBody>
+        </p:sp>
+        <p:pic>
+          <p:nvPicPr>
+            <p:cNvPr id="24" name="Graphic 23">
+              <a:extLst>
+                <a:ext uri="{FF2B5EF4-FFF2-40B4-BE49-F238E27FC236}">
+                  <a16:creationId xmlns:a16="http://schemas.microsoft.com/office/drawing/2014/main" id="{64AF9CD9-DCB1-4EB3-9ECC-B7091F65388E}"/>
+                </a:ext>
+              </a:extLst>
+            </p:cNvPr>
+            <p:cNvPicPr>
+              <a:picLocks noChangeAspect="1"/>
+            </p:cNvPicPr>
+            <p:nvPr/>
+          </p:nvPicPr>
+          <p:blipFill>
+            <a:blip r:embed="rId4">
+              <a:extLst>
+                <a:ext uri="{96DAC541-7B7A-43D3-8B79-37D633B846F1}">
+                  <asvg:svgBlip xmlns:asvg="http://schemas.microsoft.com/office/drawing/2016/SVG/main" r:embed="rId5"/>
+                </a:ext>
+              </a:extLst>
+            </a:blip>
+            <a:stretch>
+              <a:fillRect/>
+            </a:stretch>
+          </p:blipFill>
+          <p:spPr>
+            <a:xfrm>
+              <a:off x="1564668" y="2893555"/>
+              <a:ext cx="558006" cy="348753"/>
+            </a:xfrm>
+            <a:prstGeom prst="rect">
+              <a:avLst/>
+            </a:prstGeom>
+          </p:spPr>
+        </p:pic>
+        <p:sp>
+          <p:nvSpPr>
+            <p:cNvPr id="26" name="Freeform: Shape 25">
+              <a:extLst>
+                <a:ext uri="{FF2B5EF4-FFF2-40B4-BE49-F238E27FC236}">
+                  <a16:creationId xmlns:a16="http://schemas.microsoft.com/office/drawing/2014/main" id="{27C59E74-20B5-4633-B8F7-27880F311DDA}"/>
+                </a:ext>
+              </a:extLst>
+            </p:cNvPr>
+            <p:cNvSpPr/>
+            <p:nvPr/>
+          </p:nvSpPr>
+          <p:spPr>
+            <a:xfrm>
+              <a:off x="2301268" y="2636077"/>
+              <a:ext cx="736600" cy="1273935"/>
+            </a:xfrm>
+            <a:custGeom>
+              <a:avLst/>
+              <a:gdLst>
+                <a:gd name="connsiteX0" fmla="*/ 0 w 736600"/>
+                <a:gd name="connsiteY0" fmla="*/ 25400 h 3079750"/>
+                <a:gd name="connsiteX1" fmla="*/ 736600 w 736600"/>
+                <a:gd name="connsiteY1" fmla="*/ 0 h 3079750"/>
+                <a:gd name="connsiteX2" fmla="*/ 673100 w 736600"/>
+                <a:gd name="connsiteY2" fmla="*/ 2616200 h 3079750"/>
+                <a:gd name="connsiteX3" fmla="*/ 279400 w 736600"/>
+                <a:gd name="connsiteY3" fmla="*/ 3079750 h 3079750"/>
+                <a:gd name="connsiteX4" fmla="*/ 0 w 736600"/>
+                <a:gd name="connsiteY4" fmla="*/ 25400 h 3079750"/>
+                <a:gd name="connsiteX0" fmla="*/ 0 w 736600"/>
+                <a:gd name="connsiteY0" fmla="*/ 25400 h 3028950"/>
+                <a:gd name="connsiteX1" fmla="*/ 736600 w 736600"/>
+                <a:gd name="connsiteY1" fmla="*/ 0 h 3028950"/>
+                <a:gd name="connsiteX2" fmla="*/ 673100 w 736600"/>
+                <a:gd name="connsiteY2" fmla="*/ 2616200 h 3028950"/>
+                <a:gd name="connsiteX3" fmla="*/ 139700 w 736600"/>
+                <a:gd name="connsiteY3" fmla="*/ 3028950 h 3028950"/>
+                <a:gd name="connsiteX4" fmla="*/ 0 w 736600"/>
+                <a:gd name="connsiteY4" fmla="*/ 25400 h 3028950"/>
+                <a:gd name="connsiteX0" fmla="*/ 0 w 736600"/>
+                <a:gd name="connsiteY0" fmla="*/ 25400 h 2818235"/>
+                <a:gd name="connsiteX1" fmla="*/ 736600 w 736600"/>
+                <a:gd name="connsiteY1" fmla="*/ 0 h 2818235"/>
+                <a:gd name="connsiteX2" fmla="*/ 673100 w 736600"/>
+                <a:gd name="connsiteY2" fmla="*/ 2616200 h 2818235"/>
+                <a:gd name="connsiteX3" fmla="*/ 153988 w 736600"/>
+                <a:gd name="connsiteY3" fmla="*/ 2818235 h 2818235"/>
+                <a:gd name="connsiteX4" fmla="*/ 0 w 736600"/>
+                <a:gd name="connsiteY4" fmla="*/ 25400 h 2818235"/>
+              </a:gdLst>
+              <a:ahLst/>
+              <a:cxnLst>
+                <a:cxn ang="0">
+                  <a:pos x="connsiteX0" y="connsiteY0"/>
+                </a:cxn>
+                <a:cxn ang="0">
+                  <a:pos x="connsiteX1" y="connsiteY1"/>
+                </a:cxn>
+                <a:cxn ang="0">
+                  <a:pos x="connsiteX2" y="connsiteY2"/>
+                </a:cxn>
+                <a:cxn ang="0">
+                  <a:pos x="connsiteX3" y="connsiteY3"/>
+                </a:cxn>
+                <a:cxn ang="0">
+                  <a:pos x="connsiteX4" y="connsiteY4"/>
+                </a:cxn>
+              </a:cxnLst>
+              <a:rect l="l" t="t" r="r" b="b"/>
+              <a:pathLst>
+                <a:path w="736600" h="2818235">
+                  <a:moveTo>
+                    <a:pt x="0" y="25400"/>
+                  </a:moveTo>
+                  <a:lnTo>
+                    <a:pt x="736600" y="0"/>
+                  </a:lnTo>
+                  <a:lnTo>
+                    <a:pt x="673100" y="2616200"/>
+                  </a:lnTo>
+                  <a:lnTo>
+                    <a:pt x="153988" y="2818235"/>
+                  </a:lnTo>
+                  <a:lnTo>
+                    <a:pt x="0" y="25400"/>
+                  </a:lnTo>
+                  <a:close/>
+                </a:path>
+              </a:pathLst>
+            </a:custGeom>
+            <a:solidFill>
+              <a:schemeClr val="bg1"/>
+            </a:solidFill>
+            <a:ln>
+              <a:noFill/>
+            </a:ln>
+            <a:effectLst>
+              <a:outerShdw blurRad="50800" dist="38100" dir="5400000" algn="t" rotWithShape="0">
+                <a:prstClr val="black">
+                  <a:alpha val="40000"/>
+                </a:prstClr>
+              </a:outerShdw>
+            </a:effectLst>
+          </p:spPr>
+          <p:style>
+            <a:lnRef idx="2">
+              <a:schemeClr val="accent1">
+                <a:shade val="50000"/>
+              </a:schemeClr>
+            </a:lnRef>
+            <a:fillRef idx="1">
+              <a:schemeClr val="accent1"/>
+            </a:fillRef>
+            <a:effectRef idx="0">
+              <a:schemeClr val="accent1"/>
+            </a:effectRef>
+            <a:fontRef idx="minor">
+              <a:schemeClr val="lt1"/>
+            </a:fontRef>
+          </p:style>
+          <p:txBody>
+            <a:bodyPr rtlCol="0" anchor="ctr"/>
+            <a:lstStyle/>
+            <a:p>
+              <a:pPr algn="ctr"/>
+              <a:endParaRPr lang="en-GB" dirty="0"/>
+            </a:p>
+          </p:txBody>
+        </p:sp>
+        <p:pic>
+          <p:nvPicPr>
+            <p:cNvPr id="27" name="Graphic 26">
+              <a:extLst>
+                <a:ext uri="{FF2B5EF4-FFF2-40B4-BE49-F238E27FC236}">
+                  <a16:creationId xmlns:a16="http://schemas.microsoft.com/office/drawing/2014/main" id="{5A1F798B-EEF5-4C5E-B5EC-D211CC173AFE}"/>
+                </a:ext>
+              </a:extLst>
+            </p:cNvPr>
+            <p:cNvPicPr>
+              <a:picLocks noChangeAspect="1"/>
+            </p:cNvPicPr>
+            <p:nvPr/>
+          </p:nvPicPr>
+          <p:blipFill>
+            <a:blip r:embed="rId6">
+              <a:extLst>
+                <a:ext uri="{96DAC541-7B7A-43D3-8B79-37D633B846F1}">
+                  <asvg:svgBlip xmlns:asvg="http://schemas.microsoft.com/office/drawing/2016/SVG/main" r:embed="rId7"/>
+                </a:ext>
+              </a:extLst>
+            </a:blip>
+            <a:stretch>
+              <a:fillRect/>
+            </a:stretch>
+          </p:blipFill>
+          <p:spPr>
+            <a:xfrm>
+              <a:off x="2434051" y="2851838"/>
+              <a:ext cx="471034" cy="432186"/>
+            </a:xfrm>
+            <a:prstGeom prst="rect">
+              <a:avLst/>
+            </a:prstGeom>
+          </p:spPr>
+        </p:pic>
+        <p:sp>
+          <p:nvSpPr>
+            <p:cNvPr id="28" name="Freeform: Shape 27">
+              <a:extLst>
+                <a:ext uri="{FF2B5EF4-FFF2-40B4-BE49-F238E27FC236}">
+                  <a16:creationId xmlns:a16="http://schemas.microsoft.com/office/drawing/2014/main" id="{8675B652-A166-49CC-9954-16E9C9E7BAD4}"/>
+                </a:ext>
+              </a:extLst>
+            </p:cNvPr>
+            <p:cNvSpPr/>
+            <p:nvPr/>
+          </p:nvSpPr>
+          <p:spPr>
+            <a:xfrm>
+              <a:off x="3127165" y="2636077"/>
+              <a:ext cx="736600" cy="1263571"/>
+            </a:xfrm>
+            <a:custGeom>
+              <a:avLst/>
+              <a:gdLst>
+                <a:gd name="connsiteX0" fmla="*/ 0 w 736600"/>
+                <a:gd name="connsiteY0" fmla="*/ 25400 h 3079750"/>
+                <a:gd name="connsiteX1" fmla="*/ 736600 w 736600"/>
+                <a:gd name="connsiteY1" fmla="*/ 0 h 3079750"/>
+                <a:gd name="connsiteX2" fmla="*/ 673100 w 736600"/>
+                <a:gd name="connsiteY2" fmla="*/ 2616200 h 3079750"/>
+                <a:gd name="connsiteX3" fmla="*/ 279400 w 736600"/>
+                <a:gd name="connsiteY3" fmla="*/ 3079750 h 3079750"/>
+                <a:gd name="connsiteX4" fmla="*/ 0 w 736600"/>
+                <a:gd name="connsiteY4" fmla="*/ 25400 h 3079750"/>
+                <a:gd name="connsiteX0" fmla="*/ 0 w 736600"/>
+                <a:gd name="connsiteY0" fmla="*/ 25400 h 3028950"/>
+                <a:gd name="connsiteX1" fmla="*/ 736600 w 736600"/>
+                <a:gd name="connsiteY1" fmla="*/ 0 h 3028950"/>
+                <a:gd name="connsiteX2" fmla="*/ 673100 w 736600"/>
+                <a:gd name="connsiteY2" fmla="*/ 2616200 h 3028950"/>
+                <a:gd name="connsiteX3" fmla="*/ 139700 w 736600"/>
+                <a:gd name="connsiteY3" fmla="*/ 3028950 h 3028950"/>
+                <a:gd name="connsiteX4" fmla="*/ 0 w 736600"/>
+                <a:gd name="connsiteY4" fmla="*/ 25400 h 3028950"/>
+                <a:gd name="connsiteX0" fmla="*/ 0 w 736600"/>
+                <a:gd name="connsiteY0" fmla="*/ 25400 h 2616199"/>
+                <a:gd name="connsiteX1" fmla="*/ 736600 w 736600"/>
+                <a:gd name="connsiteY1" fmla="*/ 0 h 2616199"/>
+                <a:gd name="connsiteX2" fmla="*/ 673100 w 736600"/>
+                <a:gd name="connsiteY2" fmla="*/ 2616200 h 2616199"/>
+                <a:gd name="connsiteX3" fmla="*/ 163513 w 736600"/>
+                <a:gd name="connsiteY3" fmla="*/ 2565378 h 2616199"/>
+                <a:gd name="connsiteX4" fmla="*/ 0 w 736600"/>
+                <a:gd name="connsiteY4" fmla="*/ 25400 h 2616199"/>
+                <a:gd name="connsiteX0" fmla="*/ 0 w 736600"/>
+                <a:gd name="connsiteY0" fmla="*/ 25400 h 2795308"/>
+                <a:gd name="connsiteX1" fmla="*/ 736600 w 736600"/>
+                <a:gd name="connsiteY1" fmla="*/ 0 h 2795308"/>
+                <a:gd name="connsiteX2" fmla="*/ 673100 w 736600"/>
+                <a:gd name="connsiteY2" fmla="*/ 2795308 h 2795308"/>
+                <a:gd name="connsiteX3" fmla="*/ 163513 w 736600"/>
+                <a:gd name="connsiteY3" fmla="*/ 2565378 h 2795308"/>
+                <a:gd name="connsiteX4" fmla="*/ 0 w 736600"/>
+                <a:gd name="connsiteY4" fmla="*/ 25400 h 2795308"/>
+              </a:gdLst>
+              <a:ahLst/>
+              <a:cxnLst>
+                <a:cxn ang="0">
+                  <a:pos x="connsiteX0" y="connsiteY0"/>
+                </a:cxn>
+                <a:cxn ang="0">
+                  <a:pos x="connsiteX1" y="connsiteY1"/>
+                </a:cxn>
+                <a:cxn ang="0">
+                  <a:pos x="connsiteX2" y="connsiteY2"/>
+                </a:cxn>
+                <a:cxn ang="0">
+                  <a:pos x="connsiteX3" y="connsiteY3"/>
+                </a:cxn>
+                <a:cxn ang="0">
+                  <a:pos x="connsiteX4" y="connsiteY4"/>
+                </a:cxn>
+              </a:cxnLst>
+              <a:rect l="l" t="t" r="r" b="b"/>
+              <a:pathLst>
+                <a:path w="736600" h="2795308">
+                  <a:moveTo>
+                    <a:pt x="0" y="25400"/>
+                  </a:moveTo>
+                  <a:lnTo>
+                    <a:pt x="736600" y="0"/>
+                  </a:lnTo>
+                  <a:lnTo>
+                    <a:pt x="673100" y="2795308"/>
+                  </a:lnTo>
+                  <a:lnTo>
+                    <a:pt x="163513" y="2565378"/>
+                  </a:lnTo>
+                  <a:lnTo>
+                    <a:pt x="0" y="25400"/>
+                  </a:lnTo>
+                  <a:close/>
+                </a:path>
+              </a:pathLst>
+            </a:custGeom>
+            <a:solidFill>
+              <a:srgbClr val="FFFFFF"/>
+            </a:solidFill>
+            <a:ln>
+              <a:noFill/>
+            </a:ln>
+            <a:effectLst>
+              <a:outerShdw blurRad="50800" dist="38100" dir="5400000" algn="t" rotWithShape="0">
+                <a:prstClr val="black">
+                  <a:alpha val="40000"/>
+                </a:prstClr>
+              </a:outerShdw>
+            </a:effectLst>
+          </p:spPr>
+          <p:style>
+            <a:lnRef idx="2">
+              <a:schemeClr val="accent1">
+                <a:shade val="50000"/>
+              </a:schemeClr>
+            </a:lnRef>
+            <a:fillRef idx="1">
+              <a:schemeClr val="accent1"/>
+            </a:fillRef>
+            <a:effectRef idx="0">
+              <a:schemeClr val="accent1"/>
+            </a:effectRef>
+            <a:fontRef idx="minor">
+              <a:schemeClr val="lt1"/>
+            </a:fontRef>
+          </p:style>
+          <p:txBody>
+            <a:bodyPr rtlCol="0" anchor="ctr"/>
+            <a:lstStyle/>
+            <a:p>
+              <a:pPr algn="ctr"/>
+              <a:endParaRPr lang="en-GB" dirty="0"/>
+            </a:p>
+          </p:txBody>
+        </p:sp>
+        <p:pic>
+          <p:nvPicPr>
+            <p:cNvPr id="30" name="Graphic 29">
+              <a:extLst>
+                <a:ext uri="{FF2B5EF4-FFF2-40B4-BE49-F238E27FC236}">
+                  <a16:creationId xmlns:a16="http://schemas.microsoft.com/office/drawing/2014/main" id="{4A5FBEB5-D5F9-4C57-BEDC-F1B38E31446B}"/>
+                </a:ext>
+              </a:extLst>
+            </p:cNvPr>
+            <p:cNvPicPr>
+              <a:picLocks noChangeAspect="1"/>
+            </p:cNvPicPr>
+            <p:nvPr/>
+          </p:nvPicPr>
+          <p:blipFill>
+            <a:blip r:embed="rId8">
+              <a:extLst>
+                <a:ext uri="{96DAC541-7B7A-43D3-8B79-37D633B846F1}">
+                  <asvg:svgBlip xmlns:asvg="http://schemas.microsoft.com/office/drawing/2016/SVG/main" r:embed="rId9"/>
+                </a:ext>
+              </a:extLst>
+            </a:blip>
+            <a:stretch>
+              <a:fillRect/>
+            </a:stretch>
+          </p:blipFill>
+          <p:spPr>
+            <a:xfrm>
+              <a:off x="3259948" y="2911939"/>
+              <a:ext cx="471034" cy="311984"/>
+            </a:xfrm>
+            <a:prstGeom prst="rect">
+              <a:avLst/>
+            </a:prstGeom>
+          </p:spPr>
+        </p:pic>
+      </p:grpSp>
+      <p:grpSp>
+        <p:nvGrpSpPr>
+          <p:cNvPr id="50" name="Group 49">
+            <a:extLst>
+              <a:ext uri="{FF2B5EF4-FFF2-40B4-BE49-F238E27FC236}">
+                <a16:creationId xmlns:a16="http://schemas.microsoft.com/office/drawing/2014/main" id="{9ABEABAF-8ADB-49C1-B79E-D362B9A4C7C2}"/>
+              </a:ext>
+            </a:extLst>
+          </p:cNvPr>
+          <p:cNvGrpSpPr/>
+          <p:nvPr/>
+        </p:nvGrpSpPr>
+        <p:grpSpPr>
+          <a:xfrm>
+            <a:off x="9359900" y="3168650"/>
+            <a:ext cx="1543050" cy="419100"/>
+            <a:chOff x="9359900" y="3168650"/>
+            <a:chExt cx="1543050" cy="419100"/>
+          </a:xfrm>
+        </p:grpSpPr>
+        <p:sp>
+          <p:nvSpPr>
+            <p:cNvPr id="47" name="Rectangle 46">
+              <a:extLst>
+                <a:ext uri="{FF2B5EF4-FFF2-40B4-BE49-F238E27FC236}">
+                  <a16:creationId xmlns:a16="http://schemas.microsoft.com/office/drawing/2014/main" id="{6AA332B6-25D5-4633-B5D2-3F453D8FAE49}"/>
+                </a:ext>
+              </a:extLst>
+            </p:cNvPr>
+            <p:cNvSpPr/>
+            <p:nvPr/>
+          </p:nvSpPr>
+          <p:spPr>
+            <a:xfrm>
+              <a:off x="9359900" y="3168650"/>
+              <a:ext cx="1543050" cy="419100"/>
+            </a:xfrm>
+            <a:prstGeom prst="rect">
+              <a:avLst/>
+            </a:prstGeom>
+            <a:solidFill>
+              <a:schemeClr val="bg1"/>
+            </a:solidFill>
+            <a:ln>
+              <a:noFill/>
+            </a:ln>
+            <a:effectLst>
+              <a:outerShdw blurRad="50800" dist="38100" dir="5400000" algn="t" rotWithShape="0">
+                <a:prstClr val="black">
+                  <a:alpha val="40000"/>
+                </a:prstClr>
+              </a:outerShdw>
+            </a:effectLst>
+          </p:spPr>
+          <p:style>
+            <a:lnRef idx="2">
+              <a:schemeClr val="accent1">
+                <a:shade val="50000"/>
+              </a:schemeClr>
+            </a:lnRef>
+            <a:fillRef idx="1">
+              <a:schemeClr val="accent1"/>
+            </a:fillRef>
+            <a:effectRef idx="0">
+              <a:schemeClr val="accent1"/>
+            </a:effectRef>
+            <a:fontRef idx="minor">
+              <a:schemeClr val="lt1"/>
+            </a:fontRef>
+          </p:style>
+          <p:txBody>
+            <a:bodyPr wrap="square" rtlCol="0" anchor="ctr">
+              <a:noAutofit/>
+            </a:bodyPr>
+            <a:lstStyle/>
+            <a:p>
+              <a:pPr algn="ctr"/>
+              <a:endParaRPr lang="en-GB"/>
+            </a:p>
+          </p:txBody>
+        </p:sp>
+        <p:sp>
+          <p:nvSpPr>
+            <p:cNvPr id="48" name="TextBox 47">
+              <a:extLst>
+                <a:ext uri="{FF2B5EF4-FFF2-40B4-BE49-F238E27FC236}">
+                  <a16:creationId xmlns:a16="http://schemas.microsoft.com/office/drawing/2014/main" id="{F2D8C9EC-C762-40BB-9C2A-7DEF3BE852D9}"/>
+                </a:ext>
+              </a:extLst>
+            </p:cNvPr>
+            <p:cNvSpPr txBox="1"/>
+            <p:nvPr/>
+          </p:nvSpPr>
+          <p:spPr>
+            <a:xfrm>
+              <a:off x="10057474" y="3189975"/>
+              <a:ext cx="659155" cy="369332"/>
+            </a:xfrm>
+            <a:prstGeom prst="rect">
+              <a:avLst/>
+            </a:prstGeom>
+            <a:noFill/>
+          </p:spPr>
+          <p:txBody>
+            <a:bodyPr wrap="none" rtlCol="0">
+              <a:spAutoFit/>
+            </a:bodyPr>
+            <a:lstStyle/>
+            <a:p>
+              <a:r>
+                <a:rPr lang="en-GB" dirty="0">
+                  <a:latin typeface="Staatliches" pitchFamily="2" charset="0"/>
+                </a:rPr>
+                <a:t>Build</a:t>
+              </a:r>
+            </a:p>
+          </p:txBody>
+        </p:sp>
+        <p:sp>
+          <p:nvSpPr>
+            <p:cNvPr id="49" name="Isosceles Triangle 48">
+              <a:extLst>
+                <a:ext uri="{FF2B5EF4-FFF2-40B4-BE49-F238E27FC236}">
+                  <a16:creationId xmlns:a16="http://schemas.microsoft.com/office/drawing/2014/main" id="{1CC13FBD-9602-4295-ADC7-D054575A19C9}"/>
+                </a:ext>
+              </a:extLst>
+            </p:cNvPr>
+            <p:cNvSpPr/>
+            <p:nvPr/>
+          </p:nvSpPr>
+          <p:spPr>
+            <a:xfrm rot="16200000">
+              <a:off x="9434888" y="3272645"/>
+              <a:ext cx="236633" cy="203993"/>
+            </a:xfrm>
+            <a:prstGeom prst="triangle">
+              <a:avLst/>
+            </a:prstGeom>
+            <a:solidFill>
+              <a:srgbClr val="483E37"/>
+            </a:solidFill>
+            <a:ln>
+              <a:noFill/>
+            </a:ln>
+          </p:spPr>
+          <p:style>
+            <a:lnRef idx="2">
+              <a:schemeClr val="accent1">
+                <a:shade val="50000"/>
+              </a:schemeClr>
+            </a:lnRef>
+            <a:fillRef idx="1">
+              <a:schemeClr val="accent1"/>
+            </a:fillRef>
+            <a:effectRef idx="0">
+              <a:schemeClr val="accent1"/>
+            </a:effectRef>
+            <a:fontRef idx="minor">
+              <a:schemeClr val="lt1"/>
+            </a:fontRef>
+          </p:style>
+          <p:txBody>
+            <a:bodyPr rtlCol="0" anchor="ctr"/>
+            <a:lstStyle/>
+            <a:p>
+              <a:pPr algn="ctr"/>
+              <a:endParaRPr lang="en-GB"/>
+            </a:p>
+          </p:txBody>
+        </p:sp>
+      </p:grpSp>
+      <p:sp>
+        <p:nvSpPr>
+          <p:cNvPr id="51" name="Rectangle 50">
+            <a:extLst>
+              <a:ext uri="{FF2B5EF4-FFF2-40B4-BE49-F238E27FC236}">
+                <a16:creationId xmlns:a16="http://schemas.microsoft.com/office/drawing/2014/main" id="{C279B6C6-65B7-4649-9303-B2B1016DA08B}"/>
+              </a:ext>
+            </a:extLst>
+          </p:cNvPr>
+          <p:cNvSpPr/>
+          <p:nvPr/>
+        </p:nvSpPr>
+        <p:spPr>
+          <a:xfrm>
+            <a:off x="8530810" y="4736024"/>
+            <a:ext cx="2801885" cy="1169079"/>
+          </a:xfrm>
+          <a:custGeom>
+            <a:avLst/>
+            <a:gdLst>
+              <a:gd name="connsiteX0" fmla="*/ 0 w 3032760"/>
+              <a:gd name="connsiteY0" fmla="*/ 0 h 1568451"/>
+              <a:gd name="connsiteX1" fmla="*/ 3032760 w 3032760"/>
+              <a:gd name="connsiteY1" fmla="*/ 0 h 1568451"/>
+              <a:gd name="connsiteX2" fmla="*/ 3032760 w 3032760"/>
+              <a:gd name="connsiteY2" fmla="*/ 1568451 h 1568451"/>
+              <a:gd name="connsiteX3" fmla="*/ 0 w 3032760"/>
+              <a:gd name="connsiteY3" fmla="*/ 1568451 h 1568451"/>
+              <a:gd name="connsiteX4" fmla="*/ 0 w 3032760"/>
+              <a:gd name="connsiteY4" fmla="*/ 0 h 1568451"/>
+              <a:gd name="connsiteX0" fmla="*/ 60960 w 3032760"/>
+              <a:gd name="connsiteY0" fmla="*/ 251460 h 1568451"/>
+              <a:gd name="connsiteX1" fmla="*/ 3032760 w 3032760"/>
+              <a:gd name="connsiteY1" fmla="*/ 0 h 1568451"/>
+              <a:gd name="connsiteX2" fmla="*/ 3032760 w 3032760"/>
+              <a:gd name="connsiteY2" fmla="*/ 1568451 h 1568451"/>
+              <a:gd name="connsiteX3" fmla="*/ 0 w 3032760"/>
+              <a:gd name="connsiteY3" fmla="*/ 1568451 h 1568451"/>
+              <a:gd name="connsiteX4" fmla="*/ 60960 w 3032760"/>
+              <a:gd name="connsiteY4" fmla="*/ 251460 h 1568451"/>
+              <a:gd name="connsiteX0" fmla="*/ 53340 w 3032760"/>
+              <a:gd name="connsiteY0" fmla="*/ 99060 h 1568451"/>
+              <a:gd name="connsiteX1" fmla="*/ 3032760 w 3032760"/>
+              <a:gd name="connsiteY1" fmla="*/ 0 h 1568451"/>
+              <a:gd name="connsiteX2" fmla="*/ 3032760 w 3032760"/>
+              <a:gd name="connsiteY2" fmla="*/ 1568451 h 1568451"/>
+              <a:gd name="connsiteX3" fmla="*/ 0 w 3032760"/>
+              <a:gd name="connsiteY3" fmla="*/ 1568451 h 1568451"/>
+              <a:gd name="connsiteX4" fmla="*/ 53340 w 3032760"/>
+              <a:gd name="connsiteY4" fmla="*/ 99060 h 1568451"/>
+            </a:gdLst>
+            <a:ahLst/>
+            <a:cxnLst>
+              <a:cxn ang="0">
+                <a:pos x="connsiteX0" y="connsiteY0"/>
+              </a:cxn>
+              <a:cxn ang="0">
+                <a:pos x="connsiteX1" y="connsiteY1"/>
+              </a:cxn>
+              <a:cxn ang="0">
+                <a:pos x="connsiteX2" y="connsiteY2"/>
+              </a:cxn>
+              <a:cxn ang="0">
+                <a:pos x="connsiteX3" y="connsiteY3"/>
+              </a:cxn>
+              <a:cxn ang="0">
+                <a:pos x="connsiteX4" y="connsiteY4"/>
+              </a:cxn>
+            </a:cxnLst>
+            <a:rect l="l" t="t" r="r" b="b"/>
+            <a:pathLst>
+              <a:path w="3032760" h="1568451">
+                <a:moveTo>
+                  <a:pt x="53340" y="99060"/>
+                </a:moveTo>
+                <a:lnTo>
+                  <a:pt x="3032760" y="0"/>
+                </a:lnTo>
+                <a:lnTo>
+                  <a:pt x="3032760" y="1568451"/>
+                </a:lnTo>
+                <a:lnTo>
+                  <a:pt x="0" y="1568451"/>
+                </a:lnTo>
+                <a:lnTo>
+                  <a:pt x="53340" y="99060"/>
+                </a:lnTo>
+                <a:close/>
+              </a:path>
+            </a:pathLst>
+          </a:custGeom>
+          <a:solidFill>
+            <a:schemeClr val="bg1"/>
+          </a:solidFill>
+          <a:ln>
+            <a:noFill/>
+          </a:ln>
+          <a:effectLst>
+            <a:outerShdw blurRad="50800" dist="38100" dir="5400000" algn="t" rotWithShape="0">
+              <a:prstClr val="black">
+                <a:alpha val="40000"/>
+              </a:prstClr>
+            </a:outerShdw>
+          </a:effectLst>
+        </p:spPr>
+        <p:style>
+          <a:lnRef idx="2">
+            <a:schemeClr val="accent1">
+              <a:shade val="50000"/>
+            </a:schemeClr>
+          </a:lnRef>
+          <a:fillRef idx="1">
+            <a:schemeClr val="accent1"/>
+          </a:fillRef>
+          <a:effectRef idx="0">
+            <a:schemeClr val="accent1"/>
+          </a:effectRef>
+          <a:fontRef idx="minor">
+            <a:schemeClr val="lt1"/>
+          </a:fontRef>
+        </p:style>
+        <p:txBody>
+          <a:bodyPr wrap="square" rtlCol="0" anchor="ctr">
+            <a:noAutofit/>
+          </a:bodyPr>
+          <a:lstStyle/>
+          <a:p>
+            <a:pPr algn="ctr"/>
+            <a:endParaRPr lang="en-GB"/>
+          </a:p>
+        </p:txBody>
+      </p:sp>
+      <p:grpSp>
+        <p:nvGrpSpPr>
+          <p:cNvPr id="52" name="Group 51">
+            <a:extLst>
+              <a:ext uri="{FF2B5EF4-FFF2-40B4-BE49-F238E27FC236}">
+                <a16:creationId xmlns:a16="http://schemas.microsoft.com/office/drawing/2014/main" id="{EF7FCC48-29F1-4FC8-ADC5-B7046C8BE917}"/>
+              </a:ext>
+            </a:extLst>
+          </p:cNvPr>
+          <p:cNvGrpSpPr/>
+          <p:nvPr/>
+        </p:nvGrpSpPr>
+        <p:grpSpPr>
+          <a:xfrm>
+            <a:off x="9359900" y="2472638"/>
+            <a:ext cx="1543050" cy="419100"/>
+            <a:chOff x="9359900" y="3168650"/>
+            <a:chExt cx="1543050" cy="419100"/>
+          </a:xfrm>
+        </p:grpSpPr>
+        <p:sp>
+          <p:nvSpPr>
+            <p:cNvPr id="53" name="Rectangle 52">
+              <a:extLst>
+                <a:ext uri="{FF2B5EF4-FFF2-40B4-BE49-F238E27FC236}">
+                  <a16:creationId xmlns:a16="http://schemas.microsoft.com/office/drawing/2014/main" id="{77F342D2-AD36-454C-8902-5CBEF0383630}"/>
+                </a:ext>
+              </a:extLst>
+            </p:cNvPr>
+            <p:cNvSpPr/>
+            <p:nvPr/>
+          </p:nvSpPr>
+          <p:spPr>
+            <a:xfrm>
+              <a:off x="9359900" y="3168650"/>
+              <a:ext cx="1543050" cy="419100"/>
+            </a:xfrm>
+            <a:prstGeom prst="rect">
+              <a:avLst/>
+            </a:prstGeom>
+            <a:solidFill>
+              <a:schemeClr val="bg1"/>
+            </a:solidFill>
+            <a:ln>
+              <a:noFill/>
+            </a:ln>
+            <a:effectLst>
+              <a:outerShdw blurRad="50800" dist="38100" dir="5400000" algn="t" rotWithShape="0">
+                <a:prstClr val="black">
+                  <a:alpha val="40000"/>
+                </a:prstClr>
+              </a:outerShdw>
+            </a:effectLst>
+          </p:spPr>
+          <p:style>
+            <a:lnRef idx="2">
+              <a:schemeClr val="accent1">
+                <a:shade val="50000"/>
+              </a:schemeClr>
+            </a:lnRef>
+            <a:fillRef idx="1">
+              <a:schemeClr val="accent1"/>
+            </a:fillRef>
+            <a:effectRef idx="0">
+              <a:schemeClr val="accent1"/>
+            </a:effectRef>
+            <a:fontRef idx="minor">
+              <a:schemeClr val="lt1"/>
+            </a:fontRef>
+          </p:style>
+          <p:txBody>
+            <a:bodyPr wrap="square" rtlCol="0" anchor="ctr">
+              <a:noAutofit/>
+            </a:bodyPr>
+            <a:lstStyle/>
+            <a:p>
+              <a:pPr algn="ctr"/>
+              <a:endParaRPr lang="en-GB"/>
+            </a:p>
+          </p:txBody>
+        </p:sp>
+        <p:sp>
+          <p:nvSpPr>
+            <p:cNvPr id="54" name="TextBox 53">
+              <a:extLst>
+                <a:ext uri="{FF2B5EF4-FFF2-40B4-BE49-F238E27FC236}">
+                  <a16:creationId xmlns:a16="http://schemas.microsoft.com/office/drawing/2014/main" id="{4908217E-6449-4249-A45A-EF53F535F843}"/>
+                </a:ext>
+              </a:extLst>
+            </p:cNvPr>
+            <p:cNvSpPr txBox="1"/>
+            <p:nvPr/>
+          </p:nvSpPr>
+          <p:spPr>
+            <a:xfrm>
+              <a:off x="9433958" y="3193534"/>
+              <a:ext cx="1394934" cy="369332"/>
+            </a:xfrm>
+            <a:prstGeom prst="rect">
+              <a:avLst/>
+            </a:prstGeom>
+            <a:noFill/>
+          </p:spPr>
+          <p:txBody>
+            <a:bodyPr wrap="none" rtlCol="0">
+              <a:spAutoFit/>
+            </a:bodyPr>
+            <a:lstStyle/>
+            <a:p>
+              <a:r>
+                <a:rPr lang="en-GB" dirty="0">
+                  <a:latin typeface="Staatliches" pitchFamily="2" charset="0"/>
+                </a:rPr>
+                <a:t>Select Target</a:t>
+              </a:r>
+            </a:p>
+          </p:txBody>
+        </p:sp>
+      </p:grpSp>
+      <p:grpSp>
+        <p:nvGrpSpPr>
+          <p:cNvPr id="78" name="Group 77">
+            <a:extLst>
+              <a:ext uri="{FF2B5EF4-FFF2-40B4-BE49-F238E27FC236}">
+                <a16:creationId xmlns:a16="http://schemas.microsoft.com/office/drawing/2014/main" id="{1CD9B7CB-711A-424D-B236-C8AE02F57F15}"/>
+              </a:ext>
+            </a:extLst>
+          </p:cNvPr>
+          <p:cNvGrpSpPr/>
+          <p:nvPr/>
+        </p:nvGrpSpPr>
+        <p:grpSpPr>
+          <a:xfrm>
+            <a:off x="5372100" y="1906249"/>
+            <a:ext cx="2956137" cy="3853202"/>
+            <a:chOff x="5372100" y="1906249"/>
+            <a:chExt cx="2956137" cy="3853202"/>
+          </a:xfrm>
+        </p:grpSpPr>
+        <p:sp>
+          <p:nvSpPr>
+            <p:cNvPr id="44" name="Freeform: Shape 43">
+              <a:extLst>
+                <a:ext uri="{FF2B5EF4-FFF2-40B4-BE49-F238E27FC236}">
+                  <a16:creationId xmlns:a16="http://schemas.microsoft.com/office/drawing/2014/main" id="{3E249CCE-45BE-455C-B694-DC1A512ED82C}"/>
+                </a:ext>
+              </a:extLst>
+            </p:cNvPr>
+            <p:cNvSpPr/>
+            <p:nvPr/>
+          </p:nvSpPr>
+          <p:spPr>
+            <a:xfrm rot="5400000">
+              <a:off x="4923568" y="2354781"/>
+              <a:ext cx="3853202" cy="2956137"/>
+            </a:xfrm>
+            <a:custGeom>
+              <a:avLst/>
+              <a:gdLst>
+                <a:gd name="connsiteX0" fmla="*/ 0 w 3853202"/>
+                <a:gd name="connsiteY0" fmla="*/ 0 h 2956137"/>
+                <a:gd name="connsiteX1" fmla="*/ 3847155 w 3853202"/>
+                <a:gd name="connsiteY1" fmla="*/ 29226 h 2956137"/>
+                <a:gd name="connsiteX2" fmla="*/ 3853202 w 3853202"/>
+                <a:gd name="connsiteY2" fmla="*/ 2693088 h 2956137"/>
+                <a:gd name="connsiteX3" fmla="*/ 569668 w 3853202"/>
+                <a:gd name="connsiteY3" fmla="*/ 2409565 h 2956137"/>
+                <a:gd name="connsiteX4" fmla="*/ 569668 w 3853202"/>
+                <a:gd name="connsiteY4" fmla="*/ 2956137 h 2956137"/>
+                <a:gd name="connsiteX5" fmla="*/ 239291 w 3853202"/>
+                <a:gd name="connsiteY5" fmla="*/ 2956137 h 2956137"/>
+                <a:gd name="connsiteX6" fmla="*/ 239291 w 3853202"/>
+                <a:gd name="connsiteY6" fmla="*/ 2381038 h 2956137"/>
+                <a:gd name="connsiteX7" fmla="*/ 237341 w 3853202"/>
+                <a:gd name="connsiteY7" fmla="*/ 2380869 h 2956137"/>
+              </a:gdLst>
+              <a:ahLst/>
+              <a:cxnLst>
+                <a:cxn ang="0">
+                  <a:pos x="connsiteX0" y="connsiteY0"/>
+                </a:cxn>
+                <a:cxn ang="0">
+                  <a:pos x="connsiteX1" y="connsiteY1"/>
+                </a:cxn>
+                <a:cxn ang="0">
+                  <a:pos x="connsiteX2" y="connsiteY2"/>
+                </a:cxn>
+                <a:cxn ang="0">
+                  <a:pos x="connsiteX3" y="connsiteY3"/>
+                </a:cxn>
+                <a:cxn ang="0">
+                  <a:pos x="connsiteX4" y="connsiteY4"/>
+                </a:cxn>
+                <a:cxn ang="0">
+                  <a:pos x="connsiteX5" y="connsiteY5"/>
+                </a:cxn>
+                <a:cxn ang="0">
+                  <a:pos x="connsiteX6" y="connsiteY6"/>
+                </a:cxn>
+                <a:cxn ang="0">
+                  <a:pos x="connsiteX7" y="connsiteY7"/>
+                </a:cxn>
+              </a:cxnLst>
+              <a:rect l="l" t="t" r="r" b="b"/>
+              <a:pathLst>
+                <a:path w="3853202" h="2956137">
+                  <a:moveTo>
+                    <a:pt x="0" y="0"/>
+                  </a:moveTo>
+                  <a:lnTo>
+                    <a:pt x="3847155" y="29226"/>
+                  </a:lnTo>
+                  <a:cubicBezTo>
+                    <a:pt x="3849171" y="917180"/>
+                    <a:pt x="3851186" y="1805134"/>
+                    <a:pt x="3853202" y="2693088"/>
+                  </a:cubicBezTo>
+                  <a:lnTo>
+                    <a:pt x="569668" y="2409565"/>
+                  </a:lnTo>
+                  <a:lnTo>
+                    <a:pt x="569668" y="2956137"/>
+                  </a:lnTo>
+                  <a:lnTo>
+                    <a:pt x="239291" y="2956137"/>
+                  </a:lnTo>
+                  <a:lnTo>
+                    <a:pt x="239291" y="2381038"/>
+                  </a:lnTo>
+                  <a:lnTo>
+                    <a:pt x="237341" y="2380869"/>
+                  </a:lnTo>
+                  <a:close/>
+                </a:path>
+              </a:pathLst>
+            </a:custGeom>
+            <a:solidFill>
+              <a:schemeClr val="bg1"/>
+            </a:solidFill>
+            <a:ln>
+              <a:noFill/>
+            </a:ln>
+            <a:effectLst>
+              <a:outerShdw blurRad="50800" dist="38100" dir="5400000" algn="t" rotWithShape="0">
+                <a:prstClr val="black">
+                  <a:alpha val="40000"/>
+                </a:prstClr>
+              </a:outerShdw>
+            </a:effectLst>
+          </p:spPr>
+          <p:style>
+            <a:lnRef idx="2">
+              <a:schemeClr val="accent1">
+                <a:shade val="50000"/>
+              </a:schemeClr>
+            </a:lnRef>
+            <a:fillRef idx="1">
+              <a:schemeClr val="accent1"/>
+            </a:fillRef>
+            <a:effectRef idx="0">
+              <a:schemeClr val="accent1"/>
+            </a:effectRef>
+            <a:fontRef idx="minor">
+              <a:schemeClr val="lt1"/>
+            </a:fontRef>
+          </p:style>
+          <p:txBody>
+            <a:bodyPr wrap="square" rtlCol="0" anchor="ctr">
+              <a:noAutofit/>
+            </a:bodyPr>
+            <a:lstStyle/>
+            <a:p>
+              <a:pPr algn="ctr"/>
+              <a:endParaRPr lang="en-GB" dirty="0"/>
+            </a:p>
+          </p:txBody>
+        </p:sp>
+        <p:pic>
+          <p:nvPicPr>
+            <p:cNvPr id="76" name="Graphic 75">
+              <a:extLst>
+                <a:ext uri="{FF2B5EF4-FFF2-40B4-BE49-F238E27FC236}">
+                  <a16:creationId xmlns:a16="http://schemas.microsoft.com/office/drawing/2014/main" id="{875917FC-0132-42A1-A594-B280BDF60217}"/>
+                </a:ext>
+              </a:extLst>
+            </p:cNvPr>
+            <p:cNvPicPr>
+              <a:picLocks noChangeAspect="1"/>
+            </p:cNvPicPr>
+            <p:nvPr/>
+          </p:nvPicPr>
+          <p:blipFill>
+            <a:blip r:embed="rId10">
+              <a:extLst>
+                <a:ext uri="{96DAC541-7B7A-43D3-8B79-37D633B846F1}">
+                  <asvg:svgBlip xmlns:asvg="http://schemas.microsoft.com/office/drawing/2016/SVG/main" r:embed="rId11"/>
+                </a:ext>
+              </a:extLst>
+            </a:blip>
+            <a:stretch>
+              <a:fillRect/>
+            </a:stretch>
+          </p:blipFill>
+          <p:spPr>
+            <a:xfrm>
+              <a:off x="7154159" y="2085999"/>
+              <a:ext cx="1039091" cy="685800"/>
+            </a:xfrm>
+            <a:prstGeom prst="rect">
+              <a:avLst/>
+            </a:prstGeom>
+          </p:spPr>
+        </p:pic>
+        <p:pic>
+          <p:nvPicPr>
+            <p:cNvPr id="77" name="Graphic 76">
+              <a:extLst>
+                <a:ext uri="{FF2B5EF4-FFF2-40B4-BE49-F238E27FC236}">
+                  <a16:creationId xmlns:a16="http://schemas.microsoft.com/office/drawing/2014/main" id="{E1F8B395-09ED-4F9E-9E80-0E4E1E79E052}"/>
+                </a:ext>
+              </a:extLst>
+            </p:cNvPr>
+            <p:cNvPicPr>
+              <a:picLocks noChangeAspect="1"/>
+            </p:cNvPicPr>
+            <p:nvPr/>
+          </p:nvPicPr>
+          <p:blipFill>
+            <a:blip r:embed="rId12">
+              <a:extLst>
+                <a:ext uri="{96DAC541-7B7A-43D3-8B79-37D633B846F1}">
+                  <asvg:svgBlip xmlns:asvg="http://schemas.microsoft.com/office/drawing/2016/SVG/main" r:embed="rId13"/>
+                </a:ext>
+              </a:extLst>
+            </a:blip>
+            <a:stretch>
+              <a:fillRect/>
+            </a:stretch>
+          </p:blipFill>
+          <p:spPr>
+            <a:xfrm>
+              <a:off x="6039287" y="2147511"/>
+              <a:ext cx="865823" cy="566721"/>
+            </a:xfrm>
+            <a:prstGeom prst="rect">
+              <a:avLst/>
+            </a:prstGeom>
+          </p:spPr>
+        </p:pic>
+        <p:pic>
+          <p:nvPicPr>
+            <p:cNvPr id="36" name="Graphic 35">
+              <a:extLst>
+                <a:ext uri="{FF2B5EF4-FFF2-40B4-BE49-F238E27FC236}">
+                  <a16:creationId xmlns:a16="http://schemas.microsoft.com/office/drawing/2014/main" id="{D3C4C911-4F4F-46BE-9B9F-C4FBB360B6A5}"/>
+                </a:ext>
+              </a:extLst>
+            </p:cNvPr>
+            <p:cNvPicPr>
+              <a:picLocks noChangeAspect="1"/>
+            </p:cNvPicPr>
+            <p:nvPr/>
+          </p:nvPicPr>
+          <p:blipFill>
+            <a:blip r:embed="rId14">
+              <a:extLst>
+                <a:ext uri="{96DAC541-7B7A-43D3-8B79-37D633B846F1}">
+                  <asvg:svgBlip xmlns:asvg="http://schemas.microsoft.com/office/drawing/2016/SVG/main" r:embed="rId15"/>
+                </a:ext>
+              </a:extLst>
+            </a:blip>
+            <a:stretch>
+              <a:fillRect/>
+            </a:stretch>
+          </p:blipFill>
+          <p:spPr>
+            <a:xfrm>
+              <a:off x="5978992" y="3133881"/>
+              <a:ext cx="986412" cy="631819"/>
+            </a:xfrm>
+            <a:prstGeom prst="rect">
+              <a:avLst/>
+            </a:prstGeom>
+          </p:spPr>
+        </p:pic>
+        <p:pic>
+          <p:nvPicPr>
+            <p:cNvPr id="37" name="Graphic 36">
+              <a:extLst>
+                <a:ext uri="{FF2B5EF4-FFF2-40B4-BE49-F238E27FC236}">
+                  <a16:creationId xmlns:a16="http://schemas.microsoft.com/office/drawing/2014/main" id="{DBDB9D90-DE0A-4F9C-B098-B257F8B98A1C}"/>
+                </a:ext>
+              </a:extLst>
+            </p:cNvPr>
+            <p:cNvPicPr>
+              <a:picLocks noChangeAspect="1"/>
+            </p:cNvPicPr>
+            <p:nvPr/>
+          </p:nvPicPr>
+          <p:blipFill>
+            <a:blip r:embed="rId16">
+              <a:extLst>
+                <a:ext uri="{96DAC541-7B7A-43D3-8B79-37D633B846F1}">
+                  <asvg:svgBlip xmlns:asvg="http://schemas.microsoft.com/office/drawing/2016/SVG/main" r:embed="rId17"/>
+                </a:ext>
+              </a:extLst>
+            </a:blip>
+            <a:stretch>
+              <a:fillRect/>
+            </a:stretch>
+          </p:blipFill>
+          <p:spPr>
+            <a:xfrm>
+              <a:off x="7307513" y="2983585"/>
+              <a:ext cx="732385" cy="782115"/>
+            </a:xfrm>
+            <a:prstGeom prst="rect">
+              <a:avLst/>
+            </a:prstGeom>
+          </p:spPr>
+        </p:pic>
+        <p:pic>
+          <p:nvPicPr>
+            <p:cNvPr id="39" name="Graphic 38">
+              <a:extLst>
+                <a:ext uri="{FF2B5EF4-FFF2-40B4-BE49-F238E27FC236}">
+                  <a16:creationId xmlns:a16="http://schemas.microsoft.com/office/drawing/2014/main" id="{CE2524C6-F146-4E5D-A5B3-D032A0997587}"/>
+                </a:ext>
+              </a:extLst>
+            </p:cNvPr>
+            <p:cNvPicPr>
+              <a:picLocks noChangeAspect="1"/>
+            </p:cNvPicPr>
+            <p:nvPr/>
+          </p:nvPicPr>
+          <p:blipFill>
+            <a:blip r:embed="rId18">
+              <a:extLst>
+                <a:ext uri="{96DAC541-7B7A-43D3-8B79-37D633B846F1}">
+                  <asvg:svgBlip xmlns:asvg="http://schemas.microsoft.com/office/drawing/2016/SVG/main" r:embed="rId19"/>
+                </a:ext>
+              </a:extLst>
+            </a:blip>
+            <a:stretch>
+              <a:fillRect/>
+            </a:stretch>
+          </p:blipFill>
+          <p:spPr>
+            <a:xfrm>
+              <a:off x="6005408" y="4248939"/>
+              <a:ext cx="933579" cy="487085"/>
+            </a:xfrm>
+            <a:prstGeom prst="rect">
+              <a:avLst/>
+            </a:prstGeom>
+          </p:spPr>
+        </p:pic>
+        <p:pic>
+          <p:nvPicPr>
+            <p:cNvPr id="40" name="Graphic 39">
+              <a:extLst>
+                <a:ext uri="{FF2B5EF4-FFF2-40B4-BE49-F238E27FC236}">
+                  <a16:creationId xmlns:a16="http://schemas.microsoft.com/office/drawing/2014/main" id="{172B6D49-3F32-41AE-93AD-2EB54693A162}"/>
+                </a:ext>
+              </a:extLst>
+            </p:cNvPr>
+            <p:cNvPicPr>
+              <a:picLocks noChangeAspect="1"/>
+            </p:cNvPicPr>
+            <p:nvPr/>
+          </p:nvPicPr>
+          <p:blipFill>
+            <a:blip r:embed="rId20">
+              <a:extLst>
+                <a:ext uri="{96DAC541-7B7A-43D3-8B79-37D633B846F1}">
+                  <asvg:svgBlip xmlns:asvg="http://schemas.microsoft.com/office/drawing/2016/SVG/main" r:embed="rId21"/>
+                </a:ext>
+              </a:extLst>
+            </a:blip>
+            <a:stretch>
+              <a:fillRect/>
+            </a:stretch>
+          </p:blipFill>
+          <p:spPr>
+            <a:xfrm>
+              <a:off x="7328628" y="3947544"/>
+              <a:ext cx="617649" cy="758024"/>
+            </a:xfrm>
+            <a:prstGeom prst="rect">
+              <a:avLst/>
+            </a:prstGeom>
+          </p:spPr>
+        </p:pic>
+        <p:pic>
+          <p:nvPicPr>
+            <p:cNvPr id="41" name="Graphic 40">
+              <a:extLst>
+                <a:ext uri="{FF2B5EF4-FFF2-40B4-BE49-F238E27FC236}">
+                  <a16:creationId xmlns:a16="http://schemas.microsoft.com/office/drawing/2014/main" id="{BA61D1E1-738C-4D92-884E-F6218F934E10}"/>
+                </a:ext>
+              </a:extLst>
+            </p:cNvPr>
+            <p:cNvPicPr>
+              <a:picLocks noChangeAspect="1"/>
+            </p:cNvPicPr>
+            <p:nvPr/>
+          </p:nvPicPr>
+          <p:blipFill>
+            <a:blip r:embed="rId22">
+              <a:extLst>
+                <a:ext uri="{96DAC541-7B7A-43D3-8B79-37D633B846F1}">
+                  <asvg:svgBlip xmlns:asvg="http://schemas.microsoft.com/office/drawing/2016/SVG/main" r:embed="rId23"/>
+                </a:ext>
+              </a:extLst>
+            </a:blip>
+            <a:stretch>
+              <a:fillRect/>
+            </a:stretch>
+          </p:blipFill>
+          <p:spPr>
+            <a:xfrm>
+              <a:off x="5952575" y="5002732"/>
+              <a:ext cx="986412" cy="631819"/>
+            </a:xfrm>
+            <a:prstGeom prst="rect">
+              <a:avLst/>
+            </a:prstGeom>
+          </p:spPr>
+        </p:pic>
+        <p:sp>
+          <p:nvSpPr>
+            <p:cNvPr id="45" name="Isosceles Triangle 44">
+              <a:extLst>
+                <a:ext uri="{FF2B5EF4-FFF2-40B4-BE49-F238E27FC236}">
+                  <a16:creationId xmlns:a16="http://schemas.microsoft.com/office/drawing/2014/main" id="{63E40DFB-BBF4-4EBC-802F-FE860D74D037}"/>
+                </a:ext>
+              </a:extLst>
+            </p:cNvPr>
+            <p:cNvSpPr/>
+            <p:nvPr/>
+          </p:nvSpPr>
+          <p:spPr>
+            <a:xfrm rot="5400000">
+              <a:off x="5510033" y="2208586"/>
+              <a:ext cx="236633" cy="203993"/>
+            </a:xfrm>
+            <a:prstGeom prst="triangle">
+              <a:avLst/>
+            </a:prstGeom>
+            <a:solidFill>
+              <a:srgbClr val="483E37"/>
+            </a:solidFill>
+            <a:ln>
+              <a:noFill/>
+            </a:ln>
+          </p:spPr>
+          <p:style>
+            <a:lnRef idx="2">
+              <a:schemeClr val="accent1">
+                <a:shade val="50000"/>
+              </a:schemeClr>
+            </a:lnRef>
+            <a:fillRef idx="1">
+              <a:schemeClr val="accent1"/>
+            </a:fillRef>
+            <a:effectRef idx="0">
+              <a:schemeClr val="accent1"/>
+            </a:effectRef>
+            <a:fontRef idx="minor">
+              <a:schemeClr val="lt1"/>
+            </a:fontRef>
+          </p:style>
+          <p:txBody>
+            <a:bodyPr rtlCol="0" anchor="ctr"/>
+            <a:lstStyle/>
+            <a:p>
+              <a:pPr algn="ctr"/>
+              <a:endParaRPr lang="en-GB"/>
+            </a:p>
+          </p:txBody>
+        </p:sp>
+        <p:pic>
+          <p:nvPicPr>
+            <p:cNvPr id="8" name="Graphic 7">
+              <a:extLst>
+                <a:ext uri="{FF2B5EF4-FFF2-40B4-BE49-F238E27FC236}">
+                  <a16:creationId xmlns:a16="http://schemas.microsoft.com/office/drawing/2014/main" id="{F7D95199-03CA-495F-B347-807B0FE6359A}"/>
+                </a:ext>
+              </a:extLst>
+            </p:cNvPr>
+            <p:cNvPicPr>
+              <a:picLocks noChangeAspect="1"/>
+            </p:cNvPicPr>
+            <p:nvPr/>
+          </p:nvPicPr>
+          <p:blipFill>
+            <a:blip r:embed="rId24">
+              <a:extLst>
+                <a:ext uri="{96DAC541-7B7A-43D3-8B79-37D633B846F1}">
+                  <asvg:svgBlip xmlns:asvg="http://schemas.microsoft.com/office/drawing/2016/SVG/main" r:embed="rId25"/>
+                </a:ext>
+              </a:extLst>
+            </a:blip>
+            <a:stretch>
+              <a:fillRect/>
+            </a:stretch>
+          </p:blipFill>
+          <p:spPr>
+            <a:xfrm>
+              <a:off x="7297051" y="4964381"/>
+              <a:ext cx="649226" cy="670170"/>
+            </a:xfrm>
+            <a:prstGeom prst="rect">
+              <a:avLst/>
+            </a:prstGeom>
+          </p:spPr>
+        </p:pic>
+      </p:grpSp>
+      <p:pic>
+        <p:nvPicPr>
+          <p:cNvPr id="63" name="Graphic 62">
+            <a:extLst>
+              <a:ext uri="{FF2B5EF4-FFF2-40B4-BE49-F238E27FC236}">
+                <a16:creationId xmlns:a16="http://schemas.microsoft.com/office/drawing/2014/main" id="{0A3CCD30-5C66-4BAB-9723-30DABA0941B4}"/>
+              </a:ext>
+            </a:extLst>
+          </p:cNvPr>
+          <p:cNvPicPr>
+            <a:picLocks noChangeAspect="1"/>
+          </p:cNvPicPr>
+          <p:nvPr/>
+        </p:nvPicPr>
+        <p:blipFill>
+          <a:blip r:embed="rId26">
+            <a:extLst>
+              <a:ext uri="{96DAC541-7B7A-43D3-8B79-37D633B846F1}">
+                <asvg:svgBlip xmlns:asvg="http://schemas.microsoft.com/office/drawing/2016/SVG/main" r:embed="rId27"/>
+              </a:ext>
+            </a:extLst>
+          </a:blip>
+          <a:stretch>
+            <a:fillRect/>
+          </a:stretch>
+        </p:blipFill>
+        <p:spPr>
+          <a:xfrm>
+            <a:off x="8402296" y="2202374"/>
+            <a:ext cx="628650" cy="590550"/>
+          </a:xfrm>
+          <a:prstGeom prst="rect">
+            <a:avLst/>
+          </a:prstGeom>
+        </p:spPr>
+      </p:pic>
+      <p:pic>
+        <p:nvPicPr>
+          <p:cNvPr id="64" name="Graphic 63">
+            <a:extLst>
+              <a:ext uri="{FF2B5EF4-FFF2-40B4-BE49-F238E27FC236}">
+                <a16:creationId xmlns:a16="http://schemas.microsoft.com/office/drawing/2014/main" id="{28146399-F2C0-4842-8FEC-43830724BFF4}"/>
+              </a:ext>
+            </a:extLst>
+          </p:cNvPr>
+          <p:cNvPicPr>
+            <a:picLocks noChangeAspect="1"/>
+          </p:cNvPicPr>
+          <p:nvPr/>
+        </p:nvPicPr>
+        <p:blipFill>
+          <a:blip r:embed="rId28">
+            <a:extLst>
+              <a:ext uri="{96DAC541-7B7A-43D3-8B79-37D633B846F1}">
+                <asvg:svgBlip xmlns:asvg="http://schemas.microsoft.com/office/drawing/2016/SVG/main" r:embed="rId29"/>
+              </a:ext>
+            </a:extLst>
+          </a:blip>
+          <a:stretch>
+            <a:fillRect/>
+          </a:stretch>
+        </p:blipFill>
+        <p:spPr>
+          <a:xfrm>
+            <a:off x="8345146" y="4005262"/>
+            <a:ext cx="742950" cy="714375"/>
+          </a:xfrm>
+          <a:prstGeom prst="rect">
+            <a:avLst/>
+          </a:prstGeom>
+        </p:spPr>
+      </p:pic>
+      <p:pic>
+        <p:nvPicPr>
+          <p:cNvPr id="29" name="Graphic 28">
+            <a:extLst>
+              <a:ext uri="{FF2B5EF4-FFF2-40B4-BE49-F238E27FC236}">
+                <a16:creationId xmlns:a16="http://schemas.microsoft.com/office/drawing/2014/main" id="{3B0D04CC-B325-4467-BEB8-6A201CF6A214}"/>
+              </a:ext>
+            </a:extLst>
+          </p:cNvPr>
+          <p:cNvPicPr>
+            <a:picLocks noChangeAspect="1"/>
+          </p:cNvPicPr>
+          <p:nvPr/>
+        </p:nvPicPr>
+        <p:blipFill>
+          <a:blip r:embed="rId30">
+            <a:extLst>
+              <a:ext uri="{96DAC541-7B7A-43D3-8B79-37D633B846F1}">
+                <asvg:svgBlip xmlns:asvg="http://schemas.microsoft.com/office/drawing/2016/SVG/main" r:embed="rId31"/>
+              </a:ext>
+            </a:extLst>
+          </a:blip>
+          <a:stretch>
+            <a:fillRect/>
+          </a:stretch>
+        </p:blipFill>
+        <p:spPr>
+          <a:xfrm>
+            <a:off x="9150376" y="4072763"/>
+            <a:ext cx="504825" cy="590550"/>
+          </a:xfrm>
+          <a:prstGeom prst="rect">
+            <a:avLst/>
+          </a:prstGeom>
+        </p:spPr>
+      </p:pic>
+      <p:pic>
+        <p:nvPicPr>
+          <p:cNvPr id="35" name="Graphic 34">
+            <a:extLst>
+              <a:ext uri="{FF2B5EF4-FFF2-40B4-BE49-F238E27FC236}">
+                <a16:creationId xmlns:a16="http://schemas.microsoft.com/office/drawing/2014/main" id="{5B6F64AB-B5E7-4549-98E0-7C0B026D9200}"/>
+              </a:ext>
+            </a:extLst>
+          </p:cNvPr>
+          <p:cNvPicPr>
+            <a:picLocks noChangeAspect="1"/>
+          </p:cNvPicPr>
+          <p:nvPr/>
+        </p:nvPicPr>
+        <p:blipFill>
+          <a:blip r:embed="rId32">
+            <a:extLst>
+              <a:ext uri="{96DAC541-7B7A-43D3-8B79-37D633B846F1}">
+                <asvg:svgBlip xmlns:asvg="http://schemas.microsoft.com/office/drawing/2016/SVG/main" r:embed="rId33"/>
+              </a:ext>
+            </a:extLst>
+          </a:blip>
+          <a:stretch>
+            <a:fillRect/>
+          </a:stretch>
+        </p:blipFill>
+        <p:spPr>
+          <a:xfrm>
+            <a:off x="8328238" y="5023366"/>
+            <a:ext cx="619125" cy="590550"/>
+          </a:xfrm>
+          <a:prstGeom prst="rect">
+            <a:avLst/>
+          </a:prstGeom>
+        </p:spPr>
+      </p:pic>
+      <p:pic>
+        <p:nvPicPr>
+          <p:cNvPr id="66" name="Graphic 65">
+            <a:extLst>
+              <a:ext uri="{FF2B5EF4-FFF2-40B4-BE49-F238E27FC236}">
+                <a16:creationId xmlns:a16="http://schemas.microsoft.com/office/drawing/2014/main" id="{473559FC-7429-43F2-AEB3-D55AD989AE45}"/>
+              </a:ext>
+            </a:extLst>
+          </p:cNvPr>
+          <p:cNvPicPr>
+            <a:picLocks noChangeAspect="1"/>
+          </p:cNvPicPr>
+          <p:nvPr/>
+        </p:nvPicPr>
+        <p:blipFill>
+          <a:blip r:embed="rId34">
+            <a:extLst>
+              <a:ext uri="{96DAC541-7B7A-43D3-8B79-37D633B846F1}">
+                <asvg:svgBlip xmlns:asvg="http://schemas.microsoft.com/office/drawing/2016/SVG/main" r:embed="rId35"/>
+              </a:ext>
+            </a:extLst>
+          </a:blip>
+          <a:stretch>
+            <a:fillRect/>
+          </a:stretch>
+        </p:blipFill>
+        <p:spPr>
+          <a:xfrm>
+            <a:off x="9083700" y="3189975"/>
+            <a:ext cx="638175" cy="600075"/>
+          </a:xfrm>
+          <a:prstGeom prst="rect">
+            <a:avLst/>
+          </a:prstGeom>
+        </p:spPr>
+      </p:pic>
+      <p:pic>
+        <p:nvPicPr>
+          <p:cNvPr id="68" name="Graphic 67">
+            <a:extLst>
+              <a:ext uri="{FF2B5EF4-FFF2-40B4-BE49-F238E27FC236}">
+                <a16:creationId xmlns:a16="http://schemas.microsoft.com/office/drawing/2014/main" id="{2279DD8B-53EC-4ED9-9870-6080BC53BBC8}"/>
+              </a:ext>
+            </a:extLst>
+          </p:cNvPr>
+          <p:cNvPicPr>
+            <a:picLocks noChangeAspect="1"/>
+          </p:cNvPicPr>
+          <p:nvPr/>
+        </p:nvPicPr>
+        <p:blipFill>
+          <a:blip r:embed="rId36">
+            <a:extLst>
+              <a:ext uri="{96DAC541-7B7A-43D3-8B79-37D633B846F1}">
+                <asvg:svgBlip xmlns:asvg="http://schemas.microsoft.com/office/drawing/2016/SVG/main" r:embed="rId37"/>
+              </a:ext>
+            </a:extLst>
+          </a:blip>
+          <a:stretch>
+            <a:fillRect/>
+          </a:stretch>
+        </p:blipFill>
+        <p:spPr>
+          <a:xfrm>
+            <a:off x="8458384" y="3049119"/>
+            <a:ext cx="657225" cy="790575"/>
+          </a:xfrm>
+          <a:prstGeom prst="rect">
+            <a:avLst/>
+          </a:prstGeom>
+        </p:spPr>
+      </p:pic>
+      <p:pic>
+        <p:nvPicPr>
+          <p:cNvPr id="70" name="Graphic 69">
+            <a:extLst>
+              <a:ext uri="{FF2B5EF4-FFF2-40B4-BE49-F238E27FC236}">
+                <a16:creationId xmlns:a16="http://schemas.microsoft.com/office/drawing/2014/main" id="{7B7AFCFA-B932-4418-9A63-C627568FA432}"/>
+              </a:ext>
+            </a:extLst>
+          </p:cNvPr>
+          <p:cNvPicPr>
+            <a:picLocks noChangeAspect="1"/>
+          </p:cNvPicPr>
+          <p:nvPr/>
+        </p:nvPicPr>
+        <p:blipFill>
+          <a:blip r:embed="rId38">
+            <a:extLst>
+              <a:ext uri="{96DAC541-7B7A-43D3-8B79-37D633B846F1}">
+                <asvg:svgBlip xmlns:asvg="http://schemas.microsoft.com/office/drawing/2016/SVG/main" r:embed="rId39"/>
+              </a:ext>
+            </a:extLst>
+          </a:blip>
+          <a:stretch>
+            <a:fillRect/>
+          </a:stretch>
+        </p:blipFill>
+        <p:spPr>
+          <a:xfrm>
+            <a:off x="3005181" y="787543"/>
+            <a:ext cx="742950" cy="714375"/>
+          </a:xfrm>
+          <a:prstGeom prst="rect">
+            <a:avLst/>
+          </a:prstGeom>
+        </p:spPr>
+      </p:pic>
+      <p:grpSp>
+        <p:nvGrpSpPr>
+          <p:cNvPr id="71" name="Group 70">
+            <a:extLst>
+              <a:ext uri="{FF2B5EF4-FFF2-40B4-BE49-F238E27FC236}">
+                <a16:creationId xmlns:a16="http://schemas.microsoft.com/office/drawing/2014/main" id="{9FBBDDBE-3BF9-4DE4-9373-FD0CC3282660}"/>
+              </a:ext>
+            </a:extLst>
+          </p:cNvPr>
+          <p:cNvGrpSpPr/>
+          <p:nvPr/>
+        </p:nvGrpSpPr>
+        <p:grpSpPr>
+          <a:xfrm>
+            <a:off x="2661934" y="1639849"/>
+            <a:ext cx="1543050" cy="419100"/>
+            <a:chOff x="9359900" y="3168650"/>
+            <a:chExt cx="1543050" cy="419100"/>
+          </a:xfrm>
+        </p:grpSpPr>
+        <p:sp>
+          <p:nvSpPr>
+            <p:cNvPr id="72" name="Rectangle 71">
+              <a:extLst>
+                <a:ext uri="{FF2B5EF4-FFF2-40B4-BE49-F238E27FC236}">
+                  <a16:creationId xmlns:a16="http://schemas.microsoft.com/office/drawing/2014/main" id="{356AED7A-69AA-4514-8EEE-BDEC6F3E7AD3}"/>
+                </a:ext>
+              </a:extLst>
+            </p:cNvPr>
+            <p:cNvSpPr/>
+            <p:nvPr/>
+          </p:nvSpPr>
+          <p:spPr>
+            <a:xfrm>
+              <a:off x="9359900" y="3168650"/>
+              <a:ext cx="1543050" cy="419100"/>
+            </a:xfrm>
+            <a:prstGeom prst="rect">
+              <a:avLst/>
+            </a:prstGeom>
+            <a:solidFill>
+              <a:schemeClr val="bg1"/>
+            </a:solidFill>
+            <a:ln>
+              <a:noFill/>
+            </a:ln>
+            <a:effectLst>
+              <a:outerShdw blurRad="50800" dist="38100" dir="5400000" algn="t" rotWithShape="0">
+                <a:prstClr val="black">
+                  <a:alpha val="40000"/>
+                </a:prstClr>
+              </a:outerShdw>
+            </a:effectLst>
+          </p:spPr>
+          <p:style>
+            <a:lnRef idx="2">
+              <a:schemeClr val="accent1">
+                <a:shade val="50000"/>
+              </a:schemeClr>
+            </a:lnRef>
+            <a:fillRef idx="1">
+              <a:schemeClr val="accent1"/>
+            </a:fillRef>
+            <a:effectRef idx="0">
+              <a:schemeClr val="accent1"/>
+            </a:effectRef>
+            <a:fontRef idx="minor">
+              <a:schemeClr val="lt1"/>
+            </a:fontRef>
+          </p:style>
+          <p:txBody>
+            <a:bodyPr wrap="square" rtlCol="0" anchor="ctr">
+              <a:noAutofit/>
+            </a:bodyPr>
+            <a:lstStyle/>
+            <a:p>
+              <a:pPr algn="ctr"/>
+              <a:endParaRPr lang="en-GB"/>
+            </a:p>
+          </p:txBody>
+        </p:sp>
+        <p:sp>
+          <p:nvSpPr>
+            <p:cNvPr id="73" name="TextBox 72">
+              <a:extLst>
+                <a:ext uri="{FF2B5EF4-FFF2-40B4-BE49-F238E27FC236}">
+                  <a16:creationId xmlns:a16="http://schemas.microsoft.com/office/drawing/2014/main" id="{4DCB4D87-9E22-481D-9DC1-B1BC766F7779}"/>
+                </a:ext>
+              </a:extLst>
+            </p:cNvPr>
+            <p:cNvSpPr txBox="1"/>
+            <p:nvPr/>
+          </p:nvSpPr>
+          <p:spPr>
+            <a:xfrm>
+              <a:off x="9362144" y="3193534"/>
+              <a:ext cx="1540806" cy="369332"/>
+            </a:xfrm>
+            <a:prstGeom prst="rect">
+              <a:avLst/>
+            </a:prstGeom>
+            <a:noFill/>
+          </p:spPr>
+          <p:txBody>
+            <a:bodyPr wrap="none" rtlCol="0">
+              <a:spAutoFit/>
+            </a:bodyPr>
+            <a:lstStyle/>
+            <a:p>
+              <a:r>
+                <a:rPr lang="en-GB" dirty="0">
+                  <a:latin typeface="Staatliches" pitchFamily="2" charset="0"/>
+                </a:rPr>
+                <a:t>Recruit Random</a:t>
+              </a:r>
+            </a:p>
+          </p:txBody>
+        </p:sp>
+      </p:grpSp>
+      <p:pic>
+        <p:nvPicPr>
+          <p:cNvPr id="75" name="Graphic 74">
+            <a:extLst>
+              <a:ext uri="{FF2B5EF4-FFF2-40B4-BE49-F238E27FC236}">
+                <a16:creationId xmlns:a16="http://schemas.microsoft.com/office/drawing/2014/main" id="{DD395736-1C34-49E8-A393-9CFB1A51EC97}"/>
+              </a:ext>
+            </a:extLst>
+          </p:cNvPr>
+          <p:cNvPicPr>
+            <a:picLocks noChangeAspect="1"/>
+          </p:cNvPicPr>
+          <p:nvPr/>
+        </p:nvPicPr>
+        <p:blipFill>
+          <a:blip r:embed="rId40">
+            <a:extLst>
+              <a:ext uri="{96DAC541-7B7A-43D3-8B79-37D633B846F1}">
+                <asvg:svgBlip xmlns:asvg="http://schemas.microsoft.com/office/drawing/2016/SVG/main" r:embed="rId41"/>
+              </a:ext>
+            </a:extLst>
+          </a:blip>
+          <a:stretch>
+            <a:fillRect/>
+          </a:stretch>
+        </p:blipFill>
+        <p:spPr>
+          <a:xfrm>
+            <a:off x="9527822" y="1242121"/>
+            <a:ext cx="1032220" cy="681264"/>
+          </a:xfrm>
+          <a:prstGeom prst="rect">
+            <a:avLst/>
+          </a:prstGeom>
+        </p:spPr>
+      </p:pic>
+      <p:grpSp>
+        <p:nvGrpSpPr>
+          <p:cNvPr id="84" name="Group 83">
+            <a:extLst>
+              <a:ext uri="{FF2B5EF4-FFF2-40B4-BE49-F238E27FC236}">
+                <a16:creationId xmlns:a16="http://schemas.microsoft.com/office/drawing/2014/main" id="{10BB9742-3367-4308-A0D3-6973362029E8}"/>
+              </a:ext>
+            </a:extLst>
+          </p:cNvPr>
+          <p:cNvGrpSpPr/>
+          <p:nvPr/>
+        </p:nvGrpSpPr>
+        <p:grpSpPr>
+          <a:xfrm>
+            <a:off x="738771" y="4634804"/>
+            <a:ext cx="4200338" cy="674881"/>
+            <a:chOff x="738771" y="4634804"/>
+            <a:chExt cx="4200338" cy="674881"/>
+          </a:xfrm>
+        </p:grpSpPr>
+        <p:sp>
+          <p:nvSpPr>
+            <p:cNvPr id="2" name="Rectangle 1">
+              <a:extLst>
+                <a:ext uri="{FF2B5EF4-FFF2-40B4-BE49-F238E27FC236}">
+                  <a16:creationId xmlns:a16="http://schemas.microsoft.com/office/drawing/2014/main" id="{B18B1B7E-EFF7-4B99-B0E7-6A95C9CCD006}"/>
+                </a:ext>
+              </a:extLst>
+            </p:cNvPr>
+            <p:cNvSpPr/>
+            <p:nvPr/>
+          </p:nvSpPr>
+          <p:spPr>
+            <a:xfrm>
+              <a:off x="738771" y="4634804"/>
+              <a:ext cx="4200338" cy="674881"/>
+            </a:xfrm>
+            <a:custGeom>
+              <a:avLst/>
+              <a:gdLst>
+                <a:gd name="connsiteX0" fmla="*/ 0 w 3471676"/>
+                <a:gd name="connsiteY0" fmla="*/ 0 h 510251"/>
+                <a:gd name="connsiteX1" fmla="*/ 3471676 w 3471676"/>
+                <a:gd name="connsiteY1" fmla="*/ 0 h 510251"/>
+                <a:gd name="connsiteX2" fmla="*/ 3471676 w 3471676"/>
+                <a:gd name="connsiteY2" fmla="*/ 510251 h 510251"/>
+                <a:gd name="connsiteX3" fmla="*/ 0 w 3471676"/>
+                <a:gd name="connsiteY3" fmla="*/ 510251 h 510251"/>
+                <a:gd name="connsiteX4" fmla="*/ 0 w 3471676"/>
+                <a:gd name="connsiteY4" fmla="*/ 0 h 510251"/>
+                <a:gd name="connsiteX0" fmla="*/ 0 w 3471676"/>
+                <a:gd name="connsiteY0" fmla="*/ 0 h 510251"/>
+                <a:gd name="connsiteX1" fmla="*/ 3471676 w 3471676"/>
+                <a:gd name="connsiteY1" fmla="*/ 0 h 510251"/>
+                <a:gd name="connsiteX2" fmla="*/ 3471676 w 3471676"/>
+                <a:gd name="connsiteY2" fmla="*/ 510251 h 510251"/>
+                <a:gd name="connsiteX3" fmla="*/ 127000 w 3471676"/>
+                <a:gd name="connsiteY3" fmla="*/ 478501 h 510251"/>
+                <a:gd name="connsiteX4" fmla="*/ 0 w 3471676"/>
+                <a:gd name="connsiteY4" fmla="*/ 0 h 510251"/>
+                <a:gd name="connsiteX0" fmla="*/ 0 w 3471676"/>
+                <a:gd name="connsiteY0" fmla="*/ 0 h 484851"/>
+                <a:gd name="connsiteX1" fmla="*/ 3471676 w 3471676"/>
+                <a:gd name="connsiteY1" fmla="*/ 0 h 484851"/>
+                <a:gd name="connsiteX2" fmla="*/ 3420876 w 3471676"/>
+                <a:gd name="connsiteY2" fmla="*/ 484851 h 484851"/>
+                <a:gd name="connsiteX3" fmla="*/ 127000 w 3471676"/>
+                <a:gd name="connsiteY3" fmla="*/ 478501 h 484851"/>
+                <a:gd name="connsiteX4" fmla="*/ 0 w 3471676"/>
+                <a:gd name="connsiteY4" fmla="*/ 0 h 484851"/>
+                <a:gd name="connsiteX0" fmla="*/ 0 w 4200338"/>
+                <a:gd name="connsiteY0" fmla="*/ 0 h 484851"/>
+                <a:gd name="connsiteX1" fmla="*/ 4200338 w 4200338"/>
+                <a:gd name="connsiteY1" fmla="*/ 0 h 484851"/>
+                <a:gd name="connsiteX2" fmla="*/ 3420876 w 4200338"/>
+                <a:gd name="connsiteY2" fmla="*/ 484851 h 484851"/>
+                <a:gd name="connsiteX3" fmla="*/ 127000 w 4200338"/>
+                <a:gd name="connsiteY3" fmla="*/ 478501 h 484851"/>
+                <a:gd name="connsiteX4" fmla="*/ 0 w 4200338"/>
+                <a:gd name="connsiteY4" fmla="*/ 0 h 484851"/>
+                <a:gd name="connsiteX0" fmla="*/ 0 w 4200338"/>
+                <a:gd name="connsiteY0" fmla="*/ 0 h 478501"/>
+                <a:gd name="connsiteX1" fmla="*/ 4200338 w 4200338"/>
+                <a:gd name="connsiteY1" fmla="*/ 0 h 478501"/>
+                <a:gd name="connsiteX2" fmla="*/ 4163826 w 4200338"/>
+                <a:gd name="connsiteY2" fmla="*/ 474721 h 478501"/>
+                <a:gd name="connsiteX3" fmla="*/ 127000 w 4200338"/>
+                <a:gd name="connsiteY3" fmla="*/ 478501 h 478501"/>
+                <a:gd name="connsiteX4" fmla="*/ 0 w 4200338"/>
+                <a:gd name="connsiteY4" fmla="*/ 0 h 478501"/>
+              </a:gdLst>
+              <a:ahLst/>
+              <a:cxnLst>
+                <a:cxn ang="0">
+                  <a:pos x="connsiteX0" y="connsiteY0"/>
+                </a:cxn>
+                <a:cxn ang="0">
+                  <a:pos x="connsiteX1" y="connsiteY1"/>
+                </a:cxn>
+                <a:cxn ang="0">
+                  <a:pos x="connsiteX2" y="connsiteY2"/>
+                </a:cxn>
+                <a:cxn ang="0">
+                  <a:pos x="connsiteX3" y="connsiteY3"/>
+                </a:cxn>
+                <a:cxn ang="0">
+                  <a:pos x="connsiteX4" y="connsiteY4"/>
+                </a:cxn>
+              </a:cxnLst>
+              <a:rect l="l" t="t" r="r" b="b"/>
+              <a:pathLst>
+                <a:path w="4200338" h="478501">
+                  <a:moveTo>
+                    <a:pt x="0" y="0"/>
+                  </a:moveTo>
+                  <a:lnTo>
+                    <a:pt x="4200338" y="0"/>
+                  </a:lnTo>
+                  <a:lnTo>
+                    <a:pt x="4163826" y="474721"/>
+                  </a:lnTo>
+                  <a:lnTo>
+                    <a:pt x="127000" y="478501"/>
+                  </a:lnTo>
+                  <a:lnTo>
+                    <a:pt x="0" y="0"/>
+                  </a:lnTo>
+                  <a:close/>
+                </a:path>
+              </a:pathLst>
+            </a:custGeom>
+            <a:solidFill>
+              <a:schemeClr val="bg1"/>
+            </a:solidFill>
+            <a:ln>
+              <a:noFill/>
+            </a:ln>
+            <a:effectLst>
+              <a:outerShdw blurRad="50800" dist="38100" dir="5400000" algn="t" rotWithShape="0">
+                <a:prstClr val="black">
+                  <a:alpha val="40000"/>
+                </a:prstClr>
+              </a:outerShdw>
+            </a:effectLst>
+          </p:spPr>
+          <p:style>
+            <a:lnRef idx="2">
+              <a:schemeClr val="accent1">
+                <a:shade val="50000"/>
+              </a:schemeClr>
+            </a:lnRef>
+            <a:fillRef idx="1">
+              <a:schemeClr val="accent1"/>
+            </a:fillRef>
+            <a:effectRef idx="0">
+              <a:schemeClr val="accent1"/>
+            </a:effectRef>
+            <a:fontRef idx="minor">
+              <a:schemeClr val="lt1"/>
+            </a:fontRef>
+          </p:style>
+          <p:txBody>
+            <a:bodyPr rtlCol="0" anchor="ctr"/>
+            <a:lstStyle/>
+            <a:p>
+              <a:pPr algn="ctr"/>
+              <a:endParaRPr lang="en-GB" dirty="0"/>
+            </a:p>
+          </p:txBody>
+        </p:sp>
+        <p:pic>
+          <p:nvPicPr>
+            <p:cNvPr id="83" name="Graphic 82">
+              <a:extLst>
+                <a:ext uri="{FF2B5EF4-FFF2-40B4-BE49-F238E27FC236}">
+                  <a16:creationId xmlns:a16="http://schemas.microsoft.com/office/drawing/2014/main" id="{DF558BCA-8211-4A42-8712-73C0136520C3}"/>
+                </a:ext>
+              </a:extLst>
+            </p:cNvPr>
+            <p:cNvPicPr>
+              <a:picLocks noChangeAspect="1"/>
+            </p:cNvPicPr>
+            <p:nvPr/>
+          </p:nvPicPr>
+          <p:blipFill>
+            <a:blip r:embed="rId42">
+              <a:extLst>
+                <a:ext uri="{96DAC541-7B7A-43D3-8B79-37D633B846F1}">
+                  <asvg:svgBlip xmlns:asvg="http://schemas.microsoft.com/office/drawing/2016/SVG/main" r:embed="rId43"/>
+                </a:ext>
+              </a:extLst>
+            </a:blip>
+            <a:stretch>
+              <a:fillRect/>
+            </a:stretch>
+          </p:blipFill>
+          <p:spPr>
+            <a:xfrm>
+              <a:off x="2065985" y="4736024"/>
+              <a:ext cx="668791" cy="437754"/>
+            </a:xfrm>
+            <a:prstGeom prst="rect">
+              <a:avLst/>
+            </a:prstGeom>
+          </p:spPr>
+        </p:pic>
+        <p:pic>
+          <p:nvPicPr>
+            <p:cNvPr id="4" name="Graphic 3">
+              <a:extLst>
+                <a:ext uri="{FF2B5EF4-FFF2-40B4-BE49-F238E27FC236}">
+                  <a16:creationId xmlns:a16="http://schemas.microsoft.com/office/drawing/2014/main" id="{053ABF21-FE82-49D6-9461-AED9D12874AE}"/>
+                </a:ext>
+              </a:extLst>
+            </p:cNvPr>
+            <p:cNvPicPr>
+              <a:picLocks noChangeAspect="1"/>
+            </p:cNvPicPr>
+            <p:nvPr/>
+          </p:nvPicPr>
+          <p:blipFill>
+            <a:blip r:embed="rId44">
+              <a:extLst>
+                <a:ext uri="{96DAC541-7B7A-43D3-8B79-37D633B846F1}">
+                  <asvg:svgBlip xmlns:asvg="http://schemas.microsoft.com/office/drawing/2016/SVG/main" r:embed="rId45"/>
+                </a:ext>
+              </a:extLst>
+            </a:blip>
+            <a:stretch>
+              <a:fillRect/>
+            </a:stretch>
+          </p:blipFill>
+          <p:spPr>
+            <a:xfrm>
+              <a:off x="991977" y="4767172"/>
+              <a:ext cx="304800" cy="419100"/>
+            </a:xfrm>
+            <a:prstGeom prst="rect">
+              <a:avLst/>
+            </a:prstGeom>
+          </p:spPr>
+        </p:pic>
+        <p:pic>
+          <p:nvPicPr>
+            <p:cNvPr id="82" name="Graphic 81">
+              <a:extLst>
+                <a:ext uri="{FF2B5EF4-FFF2-40B4-BE49-F238E27FC236}">
+                  <a16:creationId xmlns:a16="http://schemas.microsoft.com/office/drawing/2014/main" id="{B0DB1907-3970-4EF8-B5F4-A32E9EED6EE6}"/>
+                </a:ext>
+              </a:extLst>
+            </p:cNvPr>
+            <p:cNvPicPr>
+              <a:picLocks noChangeAspect="1"/>
+            </p:cNvPicPr>
+            <p:nvPr/>
+          </p:nvPicPr>
+          <p:blipFill>
+            <a:blip r:embed="rId46">
+              <a:extLst>
+                <a:ext uri="{96DAC541-7B7A-43D3-8B79-37D633B846F1}">
+                  <asvg:svgBlip xmlns:asvg="http://schemas.microsoft.com/office/drawing/2016/SVG/main" r:embed="rId47"/>
+                </a:ext>
+              </a:extLst>
+            </a:blip>
+            <a:stretch>
+              <a:fillRect/>
+            </a:stretch>
+          </p:blipFill>
+          <p:spPr>
+            <a:xfrm>
+              <a:off x="3503986" y="4727190"/>
+              <a:ext cx="487588" cy="466077"/>
+            </a:xfrm>
+            <a:prstGeom prst="rect">
+              <a:avLst/>
+            </a:prstGeom>
+          </p:spPr>
+        </p:pic>
+      </p:grpSp>
+      <p:pic>
+        <p:nvPicPr>
+          <p:cNvPr id="86" name="Graphic 85">
+            <a:extLst>
+              <a:ext uri="{FF2B5EF4-FFF2-40B4-BE49-F238E27FC236}">
+                <a16:creationId xmlns:a16="http://schemas.microsoft.com/office/drawing/2014/main" id="{98609872-AFA1-4ABD-9ECC-88D61168A1EA}"/>
+              </a:ext>
+            </a:extLst>
+          </p:cNvPr>
+          <p:cNvPicPr>
+            <a:picLocks noChangeAspect="1"/>
+          </p:cNvPicPr>
+          <p:nvPr/>
+        </p:nvPicPr>
+        <p:blipFill>
+          <a:blip r:embed="rId48">
+            <a:extLst>
+              <a:ext uri="{96DAC541-7B7A-43D3-8B79-37D633B846F1}">
+                <asvg:svgBlip xmlns:asvg="http://schemas.microsoft.com/office/drawing/2016/SVG/main" r:embed="rId49"/>
+              </a:ext>
+            </a:extLst>
+          </a:blip>
+          <a:stretch>
+            <a:fillRect/>
+          </a:stretch>
+        </p:blipFill>
+        <p:spPr>
+          <a:xfrm>
+            <a:off x="1532584" y="1139786"/>
+            <a:ext cx="1163655" cy="1090927"/>
+          </a:xfrm>
+          <a:prstGeom prst="rect">
+            <a:avLst/>
+          </a:prstGeom>
+        </p:spPr>
+      </p:pic>
+      <p:grpSp>
+        <p:nvGrpSpPr>
+          <p:cNvPr id="92" name="Group 91">
+            <a:extLst>
+              <a:ext uri="{FF2B5EF4-FFF2-40B4-BE49-F238E27FC236}">
+                <a16:creationId xmlns:a16="http://schemas.microsoft.com/office/drawing/2014/main" id="{914BFF4F-CB97-4690-85D3-A551DA705786}"/>
+              </a:ext>
+            </a:extLst>
+          </p:cNvPr>
+          <p:cNvGrpSpPr/>
+          <p:nvPr/>
+        </p:nvGrpSpPr>
+        <p:grpSpPr>
+          <a:xfrm>
+            <a:off x="733704" y="5697615"/>
+            <a:ext cx="1037945" cy="674881"/>
+            <a:chOff x="733704" y="5697615"/>
+            <a:chExt cx="1037945" cy="674881"/>
+          </a:xfrm>
+        </p:grpSpPr>
+        <p:sp>
+          <p:nvSpPr>
+            <p:cNvPr id="87" name="Rectangle 1">
+              <a:extLst>
+                <a:ext uri="{FF2B5EF4-FFF2-40B4-BE49-F238E27FC236}">
+                  <a16:creationId xmlns:a16="http://schemas.microsoft.com/office/drawing/2014/main" id="{C92C4EE2-FD43-4572-BAFA-B31747B642C5}"/>
+                </a:ext>
+              </a:extLst>
+            </p:cNvPr>
+            <p:cNvSpPr/>
+            <p:nvPr/>
+          </p:nvSpPr>
+          <p:spPr>
+            <a:xfrm flipH="1">
+              <a:off x="733704" y="5697615"/>
+              <a:ext cx="1037945" cy="674881"/>
+            </a:xfrm>
+            <a:custGeom>
+              <a:avLst/>
+              <a:gdLst>
+                <a:gd name="connsiteX0" fmla="*/ 0 w 3471676"/>
+                <a:gd name="connsiteY0" fmla="*/ 0 h 510251"/>
+                <a:gd name="connsiteX1" fmla="*/ 3471676 w 3471676"/>
+                <a:gd name="connsiteY1" fmla="*/ 0 h 510251"/>
+                <a:gd name="connsiteX2" fmla="*/ 3471676 w 3471676"/>
+                <a:gd name="connsiteY2" fmla="*/ 510251 h 510251"/>
+                <a:gd name="connsiteX3" fmla="*/ 0 w 3471676"/>
+                <a:gd name="connsiteY3" fmla="*/ 510251 h 510251"/>
+                <a:gd name="connsiteX4" fmla="*/ 0 w 3471676"/>
+                <a:gd name="connsiteY4" fmla="*/ 0 h 510251"/>
+                <a:gd name="connsiteX0" fmla="*/ 0 w 3471676"/>
+                <a:gd name="connsiteY0" fmla="*/ 0 h 510251"/>
+                <a:gd name="connsiteX1" fmla="*/ 3471676 w 3471676"/>
+                <a:gd name="connsiteY1" fmla="*/ 0 h 510251"/>
+                <a:gd name="connsiteX2" fmla="*/ 3471676 w 3471676"/>
+                <a:gd name="connsiteY2" fmla="*/ 510251 h 510251"/>
+                <a:gd name="connsiteX3" fmla="*/ 127000 w 3471676"/>
+                <a:gd name="connsiteY3" fmla="*/ 478501 h 510251"/>
+                <a:gd name="connsiteX4" fmla="*/ 0 w 3471676"/>
+                <a:gd name="connsiteY4" fmla="*/ 0 h 510251"/>
+                <a:gd name="connsiteX0" fmla="*/ 0 w 3471676"/>
+                <a:gd name="connsiteY0" fmla="*/ 0 h 484851"/>
+                <a:gd name="connsiteX1" fmla="*/ 3471676 w 3471676"/>
+                <a:gd name="connsiteY1" fmla="*/ 0 h 484851"/>
+                <a:gd name="connsiteX2" fmla="*/ 3420876 w 3471676"/>
+                <a:gd name="connsiteY2" fmla="*/ 484851 h 484851"/>
+                <a:gd name="connsiteX3" fmla="*/ 127000 w 3471676"/>
+                <a:gd name="connsiteY3" fmla="*/ 478501 h 484851"/>
+                <a:gd name="connsiteX4" fmla="*/ 0 w 3471676"/>
+                <a:gd name="connsiteY4" fmla="*/ 0 h 484851"/>
+                <a:gd name="connsiteX0" fmla="*/ 0 w 4200338"/>
+                <a:gd name="connsiteY0" fmla="*/ 0 h 484851"/>
+                <a:gd name="connsiteX1" fmla="*/ 4200338 w 4200338"/>
+                <a:gd name="connsiteY1" fmla="*/ 0 h 484851"/>
+                <a:gd name="connsiteX2" fmla="*/ 3420876 w 4200338"/>
+                <a:gd name="connsiteY2" fmla="*/ 484851 h 484851"/>
+                <a:gd name="connsiteX3" fmla="*/ 127000 w 4200338"/>
+                <a:gd name="connsiteY3" fmla="*/ 478501 h 484851"/>
+                <a:gd name="connsiteX4" fmla="*/ 0 w 4200338"/>
+                <a:gd name="connsiteY4" fmla="*/ 0 h 484851"/>
+                <a:gd name="connsiteX0" fmla="*/ 0 w 4200338"/>
+                <a:gd name="connsiteY0" fmla="*/ 0 h 478501"/>
+                <a:gd name="connsiteX1" fmla="*/ 4200338 w 4200338"/>
+                <a:gd name="connsiteY1" fmla="*/ 0 h 478501"/>
+                <a:gd name="connsiteX2" fmla="*/ 4163826 w 4200338"/>
+                <a:gd name="connsiteY2" fmla="*/ 474721 h 478501"/>
+                <a:gd name="connsiteX3" fmla="*/ 127000 w 4200338"/>
+                <a:gd name="connsiteY3" fmla="*/ 478501 h 478501"/>
+                <a:gd name="connsiteX4" fmla="*/ 0 w 4200338"/>
+                <a:gd name="connsiteY4" fmla="*/ 0 h 478501"/>
+              </a:gdLst>
+              <a:ahLst/>
+              <a:cxnLst>
+                <a:cxn ang="0">
+                  <a:pos x="connsiteX0" y="connsiteY0"/>
+                </a:cxn>
+                <a:cxn ang="0">
+                  <a:pos x="connsiteX1" y="connsiteY1"/>
+                </a:cxn>
+                <a:cxn ang="0">
+                  <a:pos x="connsiteX2" y="connsiteY2"/>
+                </a:cxn>
+                <a:cxn ang="0">
+                  <a:pos x="connsiteX3" y="connsiteY3"/>
+                </a:cxn>
+                <a:cxn ang="0">
+                  <a:pos x="connsiteX4" y="connsiteY4"/>
+                </a:cxn>
+              </a:cxnLst>
+              <a:rect l="l" t="t" r="r" b="b"/>
+              <a:pathLst>
+                <a:path w="4200338" h="478501">
+                  <a:moveTo>
+                    <a:pt x="0" y="0"/>
+                  </a:moveTo>
+                  <a:lnTo>
+                    <a:pt x="4200338" y="0"/>
+                  </a:lnTo>
+                  <a:lnTo>
+                    <a:pt x="4163826" y="474721"/>
+                  </a:lnTo>
+                  <a:lnTo>
+                    <a:pt x="127000" y="478501"/>
+                  </a:lnTo>
+                  <a:lnTo>
+                    <a:pt x="0" y="0"/>
+                  </a:lnTo>
+                  <a:close/>
+                </a:path>
+              </a:pathLst>
+            </a:custGeom>
+            <a:solidFill>
+              <a:schemeClr val="bg1"/>
+            </a:solidFill>
+            <a:ln>
+              <a:noFill/>
+            </a:ln>
+            <a:effectLst>
+              <a:outerShdw blurRad="50800" dist="38100" dir="5400000" algn="t" rotWithShape="0">
+                <a:prstClr val="black">
+                  <a:alpha val="40000"/>
+                </a:prstClr>
+              </a:outerShdw>
+            </a:effectLst>
+          </p:spPr>
+          <p:style>
+            <a:lnRef idx="2">
+              <a:schemeClr val="accent1">
+                <a:shade val="50000"/>
+              </a:schemeClr>
+            </a:lnRef>
+            <a:fillRef idx="1">
+              <a:schemeClr val="accent1"/>
+            </a:fillRef>
+            <a:effectRef idx="0">
+              <a:schemeClr val="accent1"/>
+            </a:effectRef>
+            <a:fontRef idx="minor">
+              <a:schemeClr val="lt1"/>
+            </a:fontRef>
+          </p:style>
+          <p:txBody>
+            <a:bodyPr rtlCol="0" anchor="ctr"/>
+            <a:lstStyle/>
+            <a:p>
+              <a:pPr algn="ctr"/>
+              <a:endParaRPr lang="en-GB" dirty="0"/>
+            </a:p>
+          </p:txBody>
+        </p:sp>
+        <p:sp>
+          <p:nvSpPr>
+            <p:cNvPr id="89" name="TextBox 88">
+              <a:extLst>
+                <a:ext uri="{FF2B5EF4-FFF2-40B4-BE49-F238E27FC236}">
+                  <a16:creationId xmlns:a16="http://schemas.microsoft.com/office/drawing/2014/main" id="{EAF66493-07EC-4E8E-A33F-D84804B918C7}"/>
+                </a:ext>
+              </a:extLst>
+            </p:cNvPr>
+            <p:cNvSpPr txBox="1"/>
+            <p:nvPr/>
+          </p:nvSpPr>
+          <p:spPr>
+            <a:xfrm>
+              <a:off x="1077335" y="5849811"/>
+              <a:ext cx="617477" cy="369332"/>
+            </a:xfrm>
+            <a:prstGeom prst="rect">
+              <a:avLst/>
+            </a:prstGeom>
+            <a:noFill/>
+          </p:spPr>
+          <p:txBody>
+            <a:bodyPr wrap="none" rtlCol="0">
+              <a:spAutoFit/>
+            </a:bodyPr>
+            <a:lstStyle/>
+            <a:p>
+              <a:r>
+                <a:rPr lang="en-GB" dirty="0">
+                  <a:latin typeface="Staatliches" pitchFamily="2" charset="0"/>
+                </a:rPr>
+                <a:t>Menu</a:t>
+              </a:r>
+            </a:p>
+          </p:txBody>
+        </p:sp>
+      </p:grpSp>
+      <p:grpSp>
+        <p:nvGrpSpPr>
+          <p:cNvPr id="103" name="Group 102">
+            <a:extLst>
+              <a:ext uri="{FF2B5EF4-FFF2-40B4-BE49-F238E27FC236}">
+                <a16:creationId xmlns:a16="http://schemas.microsoft.com/office/drawing/2014/main" id="{DCB3D824-3FE8-4AF0-806D-D86314547D11}"/>
+              </a:ext>
+            </a:extLst>
+          </p:cNvPr>
+          <p:cNvGrpSpPr/>
+          <p:nvPr/>
+        </p:nvGrpSpPr>
+        <p:grpSpPr>
+          <a:xfrm>
+            <a:off x="2024890" y="5695553"/>
+            <a:ext cx="1037945" cy="419100"/>
+            <a:chOff x="2024890" y="5695553"/>
+            <a:chExt cx="1037945" cy="419100"/>
+          </a:xfrm>
+        </p:grpSpPr>
+        <p:sp>
+          <p:nvSpPr>
+            <p:cNvPr id="94" name="Rectangle 93">
+              <a:extLst>
+                <a:ext uri="{FF2B5EF4-FFF2-40B4-BE49-F238E27FC236}">
+                  <a16:creationId xmlns:a16="http://schemas.microsoft.com/office/drawing/2014/main" id="{34860790-F5B8-4E63-8348-D26D13F4FE9E}"/>
+                </a:ext>
+              </a:extLst>
+            </p:cNvPr>
+            <p:cNvSpPr/>
+            <p:nvPr/>
+          </p:nvSpPr>
+          <p:spPr>
+            <a:xfrm>
+              <a:off x="2024890" y="5695553"/>
+              <a:ext cx="1037945" cy="419100"/>
+            </a:xfrm>
+            <a:prstGeom prst="rect">
+              <a:avLst/>
+            </a:prstGeom>
+            <a:solidFill>
+              <a:schemeClr val="bg1"/>
+            </a:solidFill>
+            <a:ln>
+              <a:noFill/>
+            </a:ln>
+            <a:effectLst>
+              <a:outerShdw blurRad="50800" dist="38100" dir="5400000" algn="t" rotWithShape="0">
+                <a:prstClr val="black">
+                  <a:alpha val="40000"/>
+                </a:prstClr>
+              </a:outerShdw>
+            </a:effectLst>
+          </p:spPr>
+          <p:style>
+            <a:lnRef idx="2">
+              <a:schemeClr val="accent1">
+                <a:shade val="50000"/>
+              </a:schemeClr>
+            </a:lnRef>
+            <a:fillRef idx="1">
+              <a:schemeClr val="accent1"/>
+            </a:fillRef>
+            <a:effectRef idx="0">
+              <a:schemeClr val="accent1"/>
+            </a:effectRef>
+            <a:fontRef idx="minor">
+              <a:schemeClr val="lt1"/>
+            </a:fontRef>
+          </p:style>
+          <p:txBody>
+            <a:bodyPr wrap="square" rtlCol="0" anchor="ctr">
+              <a:noAutofit/>
+            </a:bodyPr>
+            <a:lstStyle/>
+            <a:p>
+              <a:pPr algn="ctr"/>
+              <a:endParaRPr lang="en-GB" dirty="0"/>
+            </a:p>
+          </p:txBody>
+        </p:sp>
+        <p:sp>
+          <p:nvSpPr>
+            <p:cNvPr id="95" name="TextBox 94">
+              <a:extLst>
+                <a:ext uri="{FF2B5EF4-FFF2-40B4-BE49-F238E27FC236}">
+                  <a16:creationId xmlns:a16="http://schemas.microsoft.com/office/drawing/2014/main" id="{C9EBA0DC-23FD-47E8-B7B2-86FA390008D1}"/>
+                </a:ext>
+              </a:extLst>
+            </p:cNvPr>
+            <p:cNvSpPr txBox="1"/>
+            <p:nvPr/>
+          </p:nvSpPr>
+          <p:spPr>
+            <a:xfrm>
+              <a:off x="2026899" y="5720437"/>
+              <a:ext cx="1035936" cy="369332"/>
+            </a:xfrm>
+            <a:prstGeom prst="rect">
+              <a:avLst/>
+            </a:prstGeom>
+            <a:noFill/>
+          </p:spPr>
+          <p:txBody>
+            <a:bodyPr wrap="square" rtlCol="0">
+              <a:spAutoFit/>
+            </a:bodyPr>
+            <a:lstStyle/>
+            <a:p>
+              <a:pPr algn="ctr"/>
+              <a:r>
+                <a:rPr lang="en-GB" dirty="0">
+                  <a:latin typeface="Staatliches" pitchFamily="2" charset="0"/>
+                </a:rPr>
+                <a:t>Play</a:t>
+              </a:r>
+            </a:p>
+          </p:txBody>
+        </p:sp>
+      </p:grpSp>
+      <p:grpSp>
+        <p:nvGrpSpPr>
+          <p:cNvPr id="99" name="Group 98">
+            <a:extLst>
+              <a:ext uri="{FF2B5EF4-FFF2-40B4-BE49-F238E27FC236}">
+                <a16:creationId xmlns:a16="http://schemas.microsoft.com/office/drawing/2014/main" id="{A283A7C3-258C-4D89-BB19-2FFBB19B5171}"/>
+              </a:ext>
+            </a:extLst>
+          </p:cNvPr>
+          <p:cNvGrpSpPr/>
+          <p:nvPr/>
+        </p:nvGrpSpPr>
+        <p:grpSpPr>
+          <a:xfrm>
+            <a:off x="3375850" y="5675391"/>
+            <a:ext cx="691621" cy="419100"/>
+            <a:chOff x="3375850" y="5675391"/>
+            <a:chExt cx="691621" cy="419100"/>
+          </a:xfrm>
+        </p:grpSpPr>
+        <p:sp>
+          <p:nvSpPr>
+            <p:cNvPr id="97" name="Rectangle 96">
+              <a:extLst>
+                <a:ext uri="{FF2B5EF4-FFF2-40B4-BE49-F238E27FC236}">
+                  <a16:creationId xmlns:a16="http://schemas.microsoft.com/office/drawing/2014/main" id="{6A3AABA6-18FC-4D64-A873-D8083F3EC004}"/>
+                </a:ext>
+              </a:extLst>
+            </p:cNvPr>
+            <p:cNvSpPr/>
+            <p:nvPr/>
+          </p:nvSpPr>
+          <p:spPr>
+            <a:xfrm>
+              <a:off x="3375850" y="5675391"/>
+              <a:ext cx="691621" cy="419100"/>
+            </a:xfrm>
+            <a:prstGeom prst="rect">
+              <a:avLst/>
+            </a:prstGeom>
+            <a:solidFill>
+              <a:schemeClr val="bg1"/>
+            </a:solidFill>
+            <a:ln>
+              <a:noFill/>
+            </a:ln>
+            <a:effectLst>
+              <a:outerShdw blurRad="50800" dist="38100" dir="5400000" algn="t" rotWithShape="0">
+                <a:prstClr val="black">
+                  <a:alpha val="40000"/>
+                </a:prstClr>
+              </a:outerShdw>
+            </a:effectLst>
+          </p:spPr>
+          <p:style>
+            <a:lnRef idx="2">
+              <a:schemeClr val="accent1">
+                <a:shade val="50000"/>
+              </a:schemeClr>
+            </a:lnRef>
+            <a:fillRef idx="1">
+              <a:schemeClr val="accent1"/>
+            </a:fillRef>
+            <a:effectRef idx="0">
+              <a:schemeClr val="accent1"/>
+            </a:effectRef>
+            <a:fontRef idx="minor">
+              <a:schemeClr val="lt1"/>
+            </a:fontRef>
+          </p:style>
+          <p:txBody>
+            <a:bodyPr wrap="square" rtlCol="0" anchor="ctr">
+              <a:noAutofit/>
+            </a:bodyPr>
+            <a:lstStyle/>
+            <a:p>
+              <a:pPr algn="ctr"/>
+              <a:endParaRPr lang="en-GB" dirty="0"/>
+            </a:p>
+          </p:txBody>
+        </p:sp>
+        <p:sp>
+          <p:nvSpPr>
+            <p:cNvPr id="98" name="TextBox 97">
+              <a:extLst>
+                <a:ext uri="{FF2B5EF4-FFF2-40B4-BE49-F238E27FC236}">
+                  <a16:creationId xmlns:a16="http://schemas.microsoft.com/office/drawing/2014/main" id="{15D54D70-07A1-404E-800D-DC74D3235767}"/>
+                </a:ext>
+              </a:extLst>
+            </p:cNvPr>
+            <p:cNvSpPr txBox="1"/>
+            <p:nvPr/>
+          </p:nvSpPr>
+          <p:spPr>
+            <a:xfrm>
+              <a:off x="3377859" y="5700275"/>
+              <a:ext cx="689612" cy="369332"/>
+            </a:xfrm>
+            <a:prstGeom prst="rect">
+              <a:avLst/>
+            </a:prstGeom>
+            <a:noFill/>
+          </p:spPr>
+          <p:txBody>
+            <a:bodyPr wrap="square" rtlCol="0">
+              <a:spAutoFit/>
+            </a:bodyPr>
+            <a:lstStyle/>
+            <a:p>
+              <a:r>
+                <a:rPr lang="en-GB" dirty="0">
+                  <a:latin typeface="Staatliches" pitchFamily="2" charset="0"/>
+                </a:rPr>
+                <a:t>Small</a:t>
+              </a:r>
+            </a:p>
+          </p:txBody>
+        </p:sp>
+      </p:grpSp>
+      <p:grpSp>
+        <p:nvGrpSpPr>
+          <p:cNvPr id="100" name="Group 99">
+            <a:extLst>
+              <a:ext uri="{FF2B5EF4-FFF2-40B4-BE49-F238E27FC236}">
+                <a16:creationId xmlns:a16="http://schemas.microsoft.com/office/drawing/2014/main" id="{EC9863F7-63D2-4B76-AEEA-87B447C4351C}"/>
+              </a:ext>
+            </a:extLst>
+          </p:cNvPr>
+          <p:cNvGrpSpPr/>
+          <p:nvPr/>
+        </p:nvGrpSpPr>
+        <p:grpSpPr>
+          <a:xfrm>
+            <a:off x="4270043" y="5670669"/>
+            <a:ext cx="691621" cy="419100"/>
+            <a:chOff x="3375850" y="5675391"/>
+            <a:chExt cx="691621" cy="419100"/>
+          </a:xfrm>
+        </p:grpSpPr>
+        <p:sp>
+          <p:nvSpPr>
+            <p:cNvPr id="101" name="Rectangle 100">
+              <a:extLst>
+                <a:ext uri="{FF2B5EF4-FFF2-40B4-BE49-F238E27FC236}">
+                  <a16:creationId xmlns:a16="http://schemas.microsoft.com/office/drawing/2014/main" id="{32381B46-401D-46E4-B1E2-6378927153BB}"/>
+                </a:ext>
+              </a:extLst>
+            </p:cNvPr>
+            <p:cNvSpPr/>
+            <p:nvPr/>
+          </p:nvSpPr>
+          <p:spPr>
+            <a:xfrm>
+              <a:off x="3375850" y="5675391"/>
+              <a:ext cx="691621" cy="419100"/>
+            </a:xfrm>
+            <a:prstGeom prst="rect">
+              <a:avLst/>
+            </a:prstGeom>
+            <a:solidFill>
+              <a:schemeClr val="bg1"/>
+            </a:solidFill>
+            <a:ln>
+              <a:noFill/>
+            </a:ln>
+            <a:effectLst>
+              <a:outerShdw blurRad="50800" dist="38100" dir="5400000" algn="t" rotWithShape="0">
+                <a:prstClr val="black">
+                  <a:alpha val="40000"/>
+                </a:prstClr>
+              </a:outerShdw>
+            </a:effectLst>
+          </p:spPr>
+          <p:style>
+            <a:lnRef idx="2">
+              <a:schemeClr val="accent1">
+                <a:shade val="50000"/>
+              </a:schemeClr>
+            </a:lnRef>
+            <a:fillRef idx="1">
+              <a:schemeClr val="accent1"/>
+            </a:fillRef>
+            <a:effectRef idx="0">
+              <a:schemeClr val="accent1"/>
+            </a:effectRef>
+            <a:fontRef idx="minor">
+              <a:schemeClr val="lt1"/>
+            </a:fontRef>
+          </p:style>
+          <p:txBody>
+            <a:bodyPr wrap="square" rtlCol="0" anchor="ctr">
+              <a:noAutofit/>
+            </a:bodyPr>
+            <a:lstStyle/>
+            <a:p>
+              <a:pPr algn="ctr"/>
+              <a:endParaRPr lang="en-GB" dirty="0"/>
+            </a:p>
+          </p:txBody>
+        </p:sp>
+        <p:sp>
+          <p:nvSpPr>
+            <p:cNvPr id="102" name="TextBox 101">
+              <a:extLst>
+                <a:ext uri="{FF2B5EF4-FFF2-40B4-BE49-F238E27FC236}">
+                  <a16:creationId xmlns:a16="http://schemas.microsoft.com/office/drawing/2014/main" id="{B2E25CAD-791E-4DF2-9ECF-B3AAF57DB37F}"/>
+                </a:ext>
+              </a:extLst>
+            </p:cNvPr>
+            <p:cNvSpPr txBox="1"/>
+            <p:nvPr/>
+          </p:nvSpPr>
+          <p:spPr>
+            <a:xfrm>
+              <a:off x="3377859" y="5700275"/>
+              <a:ext cx="689612" cy="369332"/>
+            </a:xfrm>
+            <a:prstGeom prst="rect">
+              <a:avLst/>
+            </a:prstGeom>
+            <a:noFill/>
+          </p:spPr>
+          <p:txBody>
+            <a:bodyPr wrap="square" rtlCol="0">
+              <a:spAutoFit/>
+            </a:bodyPr>
+            <a:lstStyle/>
+            <a:p>
+              <a:r>
+                <a:rPr lang="en-GB" dirty="0">
+                  <a:latin typeface="Staatliches" pitchFamily="2" charset="0"/>
+                </a:rPr>
+                <a:t>Large</a:t>
+              </a:r>
+            </a:p>
+          </p:txBody>
+        </p:sp>
+      </p:grpSp>
+    </p:spTree>
+    <p:extLst>
+      <p:ext uri="{BB962C8B-B14F-4D97-AF65-F5344CB8AC3E}">
+        <p14:creationId xmlns:p14="http://schemas.microsoft.com/office/powerpoint/2010/main" val="695858087"/>
+      </p:ext>
+    </p:extLst>
+  </p:cSld>
+  <p:clrMapOvr>
+    <a:masterClrMapping/>
+  </p:clrMapOvr>
+</p:sld>
+</file>
+
+<file path=ppt/slides/slide3.xml><?xml version="1.0" encoding="utf-8"?>
+<p:sld xmlns:a="http://schemas.openxmlformats.org/drawingml/2006/main" xmlns:r="http://schemas.openxmlformats.org/officeDocument/2006/relationships" xmlns:p="http://schemas.openxmlformats.org/presentationml/2006/main">
+  <p:cSld>
+    <p:bg>
+      <p:bgPr>
+        <a:solidFill>
+          <a:schemeClr val="tx1">
+            <a:lumMod val="65000"/>
+            <a:lumOff val="35000"/>
+          </a:schemeClr>
+        </a:solidFill>
+        <a:effectLst/>
+      </p:bgPr>
+    </p:bg>
+    <p:spTree>
+      <p:nvGrpSpPr>
+        <p:cNvPr id="1" name=""/>
+        <p:cNvGrpSpPr/>
+        <p:nvPr/>
+      </p:nvGrpSpPr>
+      <p:grpSpPr>
+        <a:xfrm>
+          <a:off x="0" y="0"/>
+          <a:ext cx="0" cy="0"/>
+          <a:chOff x="0" y="0"/>
+          <a:chExt cx="0" cy="0"/>
+        </a:xfrm>
+      </p:grpSpPr>
+      <p:pic>
+        <p:nvPicPr>
+          <p:cNvPr id="5" name="Graphic 4">
+            <a:extLst>
+              <a:ext uri="{FF2B5EF4-FFF2-40B4-BE49-F238E27FC236}">
+                <a16:creationId xmlns:a16="http://schemas.microsoft.com/office/drawing/2014/main" id="{BFEC8997-D455-4142-B772-FC35742038D3}"/>
+              </a:ext>
+            </a:extLst>
+          </p:cNvPr>
+          <p:cNvPicPr>
+            <a:picLocks noChangeAspect="1"/>
+          </p:cNvPicPr>
+          <p:nvPr/>
+        </p:nvPicPr>
+        <p:blipFill>
+          <a:blip r:embed="rId2">
+            <a:extLst>
+              <a:ext uri="{96DAC541-7B7A-43D3-8B79-37D633B846F1}">
+                <asvg:svgBlip xmlns:asvg="http://schemas.microsoft.com/office/drawing/2016/SVG/main" r:embed="rId3"/>
+              </a:ext>
+            </a:extLst>
+          </a:blip>
+          <a:stretch>
+            <a:fillRect/>
+          </a:stretch>
+        </p:blipFill>
+        <p:spPr>
+          <a:xfrm>
+            <a:off x="5834062" y="3214687"/>
+            <a:ext cx="523875" cy="428625"/>
+          </a:xfrm>
+          <a:prstGeom prst="rect">
+            <a:avLst/>
+          </a:prstGeom>
+        </p:spPr>
+      </p:pic>
+      <p:pic>
+        <p:nvPicPr>
+          <p:cNvPr id="7" name="Graphic 6">
+            <a:extLst>
+              <a:ext uri="{FF2B5EF4-FFF2-40B4-BE49-F238E27FC236}">
+                <a16:creationId xmlns:a16="http://schemas.microsoft.com/office/drawing/2014/main" id="{0FD37F8D-5F22-434B-83B1-DA7FE8C1A421}"/>
+              </a:ext>
+            </a:extLst>
+          </p:cNvPr>
+          <p:cNvPicPr>
+            <a:picLocks noChangeAspect="1"/>
+          </p:cNvPicPr>
+          <p:nvPr/>
+        </p:nvPicPr>
+        <p:blipFill>
+          <a:blip r:embed="rId4">
+            <a:extLst>
+              <a:ext uri="{96DAC541-7B7A-43D3-8B79-37D633B846F1}">
+                <asvg:svgBlip xmlns:asvg="http://schemas.microsoft.com/office/drawing/2016/SVG/main" r:embed="rId5"/>
+              </a:ext>
+            </a:extLst>
+          </a:blip>
+          <a:stretch>
+            <a:fillRect/>
+          </a:stretch>
+        </p:blipFill>
+        <p:spPr>
+          <a:xfrm>
+            <a:off x="6476999" y="3217068"/>
+            <a:ext cx="523875" cy="428625"/>
+          </a:xfrm>
+          <a:prstGeom prst="rect">
+            <a:avLst/>
+          </a:prstGeom>
+        </p:spPr>
+      </p:pic>
+      <p:pic>
+        <p:nvPicPr>
+          <p:cNvPr id="8" name="Graphic 7">
+            <a:extLst>
+              <a:ext uri="{FF2B5EF4-FFF2-40B4-BE49-F238E27FC236}">
+                <a16:creationId xmlns:a16="http://schemas.microsoft.com/office/drawing/2014/main" id="{53F6759F-1FA7-46A6-9F2C-8DBCA4DD9B2B}"/>
+              </a:ext>
+            </a:extLst>
+          </p:cNvPr>
+          <p:cNvPicPr>
+            <a:picLocks noChangeAspect="1"/>
+          </p:cNvPicPr>
+          <p:nvPr/>
+        </p:nvPicPr>
+        <p:blipFill>
+          <a:blip r:embed="rId6">
+            <a:extLst>
+              <a:ext uri="{96DAC541-7B7A-43D3-8B79-37D633B846F1}">
+                <asvg:svgBlip xmlns:asvg="http://schemas.microsoft.com/office/drawing/2016/SVG/main" r:embed="rId7"/>
+              </a:ext>
+            </a:extLst>
+          </a:blip>
+          <a:stretch>
+            <a:fillRect/>
+          </a:stretch>
+        </p:blipFill>
+        <p:spPr>
+          <a:xfrm>
+            <a:off x="1010427" y="2012975"/>
+            <a:ext cx="3293544" cy="2155774"/>
+          </a:xfrm>
+          <a:prstGeom prst="rect">
+            <a:avLst/>
+          </a:prstGeom>
+        </p:spPr>
+      </p:pic>
+    </p:spTree>
+    <p:extLst>
+      <p:ext uri="{BB962C8B-B14F-4D97-AF65-F5344CB8AC3E}">
+        <p14:creationId xmlns:p14="http://schemas.microsoft.com/office/powerpoint/2010/main" val="3127703797"/>
+      </p:ext>
+    </p:extLst>
+  </p:cSld>
+  <p:clrMapOvr>
+    <a:masterClrMapping/>
+  </p:clrMapOvr>
+</p:sld>
+</file>
+
+<file path=ppt/slides/slide4.xml><?xml version="1.0" encoding="utf-8"?>
+<p:sld xmlns:a="http://schemas.openxmlformats.org/drawingml/2006/main" xmlns:r="http://schemas.openxmlformats.org/officeDocument/2006/relationships" xmlns:p="http://schemas.openxmlformats.org/presentationml/2006/main">
+  <p:cSld>
+    <p:bg>
+      <p:bgPr>
+        <a:solidFill>
+          <a:srgbClr val="FBF0AC"/>
+        </a:solidFill>
+        <a:effectLst/>
+      </p:bgPr>
+    </p:bg>
+    <p:spTree>
+      <p:nvGrpSpPr>
+        <p:cNvPr id="1" name=""/>
+        <p:cNvGrpSpPr/>
+        <p:nvPr/>
+      </p:nvGrpSpPr>
+      <p:grpSpPr>
+        <a:xfrm>
+          <a:off x="0" y="0"/>
+          <a:ext cx="0" cy="0"/>
+          <a:chOff x="0" y="0"/>
+          <a:chExt cx="0" cy="0"/>
+        </a:xfrm>
+      </p:grpSpPr>
+      <p:pic>
+        <p:nvPicPr>
+          <p:cNvPr id="32" name="Graphic 31">
+            <a:extLst>
+              <a:ext uri="{FF2B5EF4-FFF2-40B4-BE49-F238E27FC236}">
+                <a16:creationId xmlns:a16="http://schemas.microsoft.com/office/drawing/2014/main" id="{ACFE1EB9-67D7-4173-8F2F-BD4BDD69E489}"/>
+              </a:ext>
+            </a:extLst>
+          </p:cNvPr>
+          <p:cNvPicPr>
+            <a:picLocks noChangeAspect="1"/>
+          </p:cNvPicPr>
+          <p:nvPr/>
+        </p:nvPicPr>
+        <p:blipFill>
+          <a:blip r:embed="rId2">
+            <a:extLst>
+              <a:ext uri="{96DAC541-7B7A-43D3-8B79-37D633B846F1}">
+                <asvg:svgBlip xmlns:asvg="http://schemas.microsoft.com/office/drawing/2016/SVG/main" r:embed="rId3"/>
+              </a:ext>
+            </a:extLst>
+          </a:blip>
+          <a:stretch>
+            <a:fillRect/>
+          </a:stretch>
+        </p:blipFill>
+        <p:spPr>
+          <a:xfrm>
+            <a:off x="401628" y="3265269"/>
+            <a:ext cx="923925" cy="847725"/>
+          </a:xfrm>
+          <a:prstGeom prst="rect">
+            <a:avLst/>
+          </a:prstGeom>
+        </p:spPr>
+      </p:pic>
+      <p:pic>
+        <p:nvPicPr>
+          <p:cNvPr id="27" name="Graphic 26">
+            <a:extLst>
+              <a:ext uri="{FF2B5EF4-FFF2-40B4-BE49-F238E27FC236}">
+                <a16:creationId xmlns:a16="http://schemas.microsoft.com/office/drawing/2014/main" id="{A1093022-A849-4B5A-80C0-5EA51CB07A13}"/>
+              </a:ext>
+            </a:extLst>
+          </p:cNvPr>
+          <p:cNvPicPr>
+            <a:picLocks noChangeAspect="1"/>
+          </p:cNvPicPr>
+          <p:nvPr/>
+        </p:nvPicPr>
+        <p:blipFill>
+          <a:blip r:embed="rId4">
+            <a:extLst>
+              <a:ext uri="{96DAC541-7B7A-43D3-8B79-37D633B846F1}">
+                <asvg:svgBlip xmlns:asvg="http://schemas.microsoft.com/office/drawing/2016/SVG/main" r:embed="rId5"/>
+              </a:ext>
+            </a:extLst>
+          </a:blip>
+          <a:stretch>
+            <a:fillRect/>
+          </a:stretch>
+        </p:blipFill>
+        <p:spPr>
+          <a:xfrm>
+            <a:off x="3360690" y="1055177"/>
+            <a:ext cx="504825" cy="590550"/>
+          </a:xfrm>
+          <a:prstGeom prst="rect">
+            <a:avLst/>
+          </a:prstGeom>
+        </p:spPr>
+      </p:pic>
+      <p:pic>
+        <p:nvPicPr>
+          <p:cNvPr id="28" name="Graphic 27">
+            <a:extLst>
+              <a:ext uri="{FF2B5EF4-FFF2-40B4-BE49-F238E27FC236}">
+                <a16:creationId xmlns:a16="http://schemas.microsoft.com/office/drawing/2014/main" id="{8C41266B-3D2F-4AAA-A2D1-89F071EC0FB5}"/>
+              </a:ext>
+            </a:extLst>
+          </p:cNvPr>
+          <p:cNvPicPr>
+            <a:picLocks noChangeAspect="1"/>
+          </p:cNvPicPr>
+          <p:nvPr/>
+        </p:nvPicPr>
+        <p:blipFill>
+          <a:blip r:embed="rId4">
+            <a:extLst>
+              <a:ext uri="{96DAC541-7B7A-43D3-8B79-37D633B846F1}">
+                <asvg:svgBlip xmlns:asvg="http://schemas.microsoft.com/office/drawing/2016/SVG/main" r:embed="rId5"/>
+              </a:ext>
+            </a:extLst>
+          </a:blip>
+          <a:stretch>
+            <a:fillRect/>
+          </a:stretch>
+        </p:blipFill>
+        <p:spPr>
+          <a:xfrm>
+            <a:off x="3605150" y="1026601"/>
+            <a:ext cx="504825" cy="590550"/>
+          </a:xfrm>
+          <a:prstGeom prst="rect">
+            <a:avLst/>
+          </a:prstGeom>
+        </p:spPr>
+      </p:pic>
+      <p:pic>
+        <p:nvPicPr>
+          <p:cNvPr id="26" name="Graphic 25">
+            <a:extLst>
+              <a:ext uri="{FF2B5EF4-FFF2-40B4-BE49-F238E27FC236}">
+                <a16:creationId xmlns:a16="http://schemas.microsoft.com/office/drawing/2014/main" id="{7717C90E-3BB9-4CB7-8DAD-63D79F2430A5}"/>
+              </a:ext>
+            </a:extLst>
+          </p:cNvPr>
+          <p:cNvPicPr>
+            <a:picLocks noChangeAspect="1"/>
+          </p:cNvPicPr>
+          <p:nvPr/>
+        </p:nvPicPr>
+        <p:blipFill>
+          <a:blip r:embed="rId4">
+            <a:extLst>
+              <a:ext uri="{96DAC541-7B7A-43D3-8B79-37D633B846F1}">
+                <asvg:svgBlip xmlns:asvg="http://schemas.microsoft.com/office/drawing/2016/SVG/main" r:embed="rId5"/>
+              </a:ext>
+            </a:extLst>
+          </a:blip>
+          <a:stretch>
+            <a:fillRect/>
+          </a:stretch>
+        </p:blipFill>
+        <p:spPr>
+          <a:xfrm>
+            <a:off x="4013171" y="4383599"/>
+            <a:ext cx="504825" cy="590550"/>
+          </a:xfrm>
+          <a:prstGeom prst="rect">
+            <a:avLst/>
+          </a:prstGeom>
+        </p:spPr>
+      </p:pic>
+      <p:pic>
+        <p:nvPicPr>
+          <p:cNvPr id="7" name="Graphic 6">
+            <a:extLst>
+              <a:ext uri="{FF2B5EF4-FFF2-40B4-BE49-F238E27FC236}">
+                <a16:creationId xmlns:a16="http://schemas.microsoft.com/office/drawing/2014/main" id="{488B28F3-5585-453D-894F-F62E591153AE}"/>
+              </a:ext>
+            </a:extLst>
+          </p:cNvPr>
+          <p:cNvPicPr>
+            <a:picLocks noChangeAspect="1"/>
+          </p:cNvPicPr>
+          <p:nvPr/>
+        </p:nvPicPr>
+        <p:blipFill>
+          <a:blip r:embed="rId6">
+            <a:extLst>
+              <a:ext uri="{96DAC541-7B7A-43D3-8B79-37D633B846F1}">
+                <asvg:svgBlip xmlns:asvg="http://schemas.microsoft.com/office/drawing/2016/SVG/main" r:embed="rId7"/>
+              </a:ext>
+            </a:extLst>
+          </a:blip>
+          <a:stretch>
+            <a:fillRect/>
+          </a:stretch>
+        </p:blipFill>
+        <p:spPr>
+          <a:xfrm>
+            <a:off x="5345098" y="2743200"/>
+            <a:ext cx="1047750" cy="685800"/>
+          </a:xfrm>
+          <a:prstGeom prst="rect">
+            <a:avLst/>
+          </a:prstGeom>
+        </p:spPr>
+      </p:pic>
+      <p:pic>
+        <p:nvPicPr>
+          <p:cNvPr id="8" name="Graphic 7">
+            <a:extLst>
+              <a:ext uri="{FF2B5EF4-FFF2-40B4-BE49-F238E27FC236}">
+                <a16:creationId xmlns:a16="http://schemas.microsoft.com/office/drawing/2014/main" id="{6D7C3746-B0F8-4B1B-82ED-CD20216C5395}"/>
+              </a:ext>
+            </a:extLst>
+          </p:cNvPr>
+          <p:cNvPicPr>
+            <a:picLocks noChangeAspect="1"/>
+          </p:cNvPicPr>
+          <p:nvPr/>
+        </p:nvPicPr>
+        <p:blipFill>
+          <a:blip r:embed="rId8">
+            <a:extLst>
+              <a:ext uri="{96DAC541-7B7A-43D3-8B79-37D633B846F1}">
+                <asvg:svgBlip xmlns:asvg="http://schemas.microsoft.com/office/drawing/2016/SVG/main" r:embed="rId9"/>
+              </a:ext>
+            </a:extLst>
+          </a:blip>
+          <a:stretch>
+            <a:fillRect/>
+          </a:stretch>
+        </p:blipFill>
+        <p:spPr>
+          <a:xfrm>
+            <a:off x="5868973" y="4012124"/>
+            <a:ext cx="628650" cy="590550"/>
+          </a:xfrm>
+          <a:prstGeom prst="rect">
+            <a:avLst/>
+          </a:prstGeom>
+        </p:spPr>
+      </p:pic>
+      <p:pic>
+        <p:nvPicPr>
+          <p:cNvPr id="9" name="Graphic 8">
+            <a:extLst>
+              <a:ext uri="{FF2B5EF4-FFF2-40B4-BE49-F238E27FC236}">
+                <a16:creationId xmlns:a16="http://schemas.microsoft.com/office/drawing/2014/main" id="{90B9302A-B5D8-4112-8083-C5860E726E06}"/>
+              </a:ext>
+            </a:extLst>
+          </p:cNvPr>
+          <p:cNvPicPr>
+            <a:picLocks noChangeAspect="1"/>
+          </p:cNvPicPr>
+          <p:nvPr/>
+        </p:nvPicPr>
+        <p:blipFill>
+          <a:blip r:embed="rId8">
+            <a:extLst>
+              <a:ext uri="{96DAC541-7B7A-43D3-8B79-37D633B846F1}">
+                <asvg:svgBlip xmlns:asvg="http://schemas.microsoft.com/office/drawing/2016/SVG/main" r:embed="rId9"/>
+              </a:ext>
+            </a:extLst>
+          </a:blip>
+          <a:stretch>
+            <a:fillRect/>
+          </a:stretch>
+        </p:blipFill>
+        <p:spPr>
+          <a:xfrm>
+            <a:off x="6678598" y="3133725"/>
+            <a:ext cx="628650" cy="590550"/>
+          </a:xfrm>
+          <a:prstGeom prst="rect">
+            <a:avLst/>
+          </a:prstGeom>
+        </p:spPr>
+      </p:pic>
+      <p:pic>
+        <p:nvPicPr>
+          <p:cNvPr id="10" name="Graphic 9">
+            <a:extLst>
+              <a:ext uri="{FF2B5EF4-FFF2-40B4-BE49-F238E27FC236}">
+                <a16:creationId xmlns:a16="http://schemas.microsoft.com/office/drawing/2014/main" id="{64A1B1D3-46D0-4E7D-A185-A3BA5B5FDEB9}"/>
+              </a:ext>
+            </a:extLst>
+          </p:cNvPr>
+          <p:cNvPicPr>
+            <a:picLocks noChangeAspect="1"/>
+          </p:cNvPicPr>
+          <p:nvPr/>
+        </p:nvPicPr>
+        <p:blipFill>
+          <a:blip r:embed="rId8">
+            <a:extLst>
+              <a:ext uri="{96DAC541-7B7A-43D3-8B79-37D633B846F1}">
+                <asvg:svgBlip xmlns:asvg="http://schemas.microsoft.com/office/drawing/2016/SVG/main" r:embed="rId9"/>
+              </a:ext>
+            </a:extLst>
+          </a:blip>
+          <a:stretch>
+            <a:fillRect/>
+          </a:stretch>
+        </p:blipFill>
+        <p:spPr>
+          <a:xfrm>
+            <a:off x="4259248" y="3086100"/>
+            <a:ext cx="628650" cy="590550"/>
+          </a:xfrm>
+          <a:prstGeom prst="rect">
+            <a:avLst/>
+          </a:prstGeom>
+        </p:spPr>
+      </p:pic>
+      <p:pic>
+        <p:nvPicPr>
+          <p:cNvPr id="11" name="Graphic 10">
+            <a:extLst>
+              <a:ext uri="{FF2B5EF4-FFF2-40B4-BE49-F238E27FC236}">
+                <a16:creationId xmlns:a16="http://schemas.microsoft.com/office/drawing/2014/main" id="{5987B7B2-4B52-4719-BE13-ED40453E4573}"/>
+              </a:ext>
+            </a:extLst>
+          </p:cNvPr>
+          <p:cNvPicPr>
+            <a:picLocks noChangeAspect="1"/>
+          </p:cNvPicPr>
+          <p:nvPr/>
+        </p:nvPicPr>
+        <p:blipFill>
+          <a:blip r:embed="rId10">
+            <a:extLst>
+              <a:ext uri="{96DAC541-7B7A-43D3-8B79-37D633B846F1}">
+                <asvg:svgBlip xmlns:asvg="http://schemas.microsoft.com/office/drawing/2016/SVG/main" r:embed="rId11"/>
+              </a:ext>
+            </a:extLst>
+          </a:blip>
+          <a:stretch>
+            <a:fillRect/>
+          </a:stretch>
+        </p:blipFill>
+        <p:spPr>
+          <a:xfrm>
+            <a:off x="6392848" y="1980151"/>
+            <a:ext cx="1428750" cy="942975"/>
+          </a:xfrm>
+          <a:prstGeom prst="rect">
+            <a:avLst/>
+          </a:prstGeom>
+        </p:spPr>
+      </p:pic>
+      <p:pic>
+        <p:nvPicPr>
+          <p:cNvPr id="12" name="Graphic 11">
+            <a:extLst>
+              <a:ext uri="{FF2B5EF4-FFF2-40B4-BE49-F238E27FC236}">
+                <a16:creationId xmlns:a16="http://schemas.microsoft.com/office/drawing/2014/main" id="{12F4D255-11E3-499B-BABC-DEF7EC6A7FD2}"/>
+              </a:ext>
+            </a:extLst>
+          </p:cNvPr>
+          <p:cNvPicPr>
+            <a:picLocks noChangeAspect="1"/>
+          </p:cNvPicPr>
+          <p:nvPr/>
+        </p:nvPicPr>
+        <p:blipFill>
+          <a:blip r:embed="rId12">
+            <a:extLst>
+              <a:ext uri="{96DAC541-7B7A-43D3-8B79-37D633B846F1}">
+                <asvg:svgBlip xmlns:asvg="http://schemas.microsoft.com/office/drawing/2016/SVG/main" r:embed="rId13"/>
+              </a:ext>
+            </a:extLst>
+          </a:blip>
+          <a:stretch>
+            <a:fillRect/>
+          </a:stretch>
+        </p:blipFill>
+        <p:spPr>
+          <a:xfrm>
+            <a:off x="8526448" y="1457325"/>
+            <a:ext cx="1047750" cy="1285875"/>
+          </a:xfrm>
+          <a:prstGeom prst="rect">
+            <a:avLst/>
+          </a:prstGeom>
+        </p:spPr>
+      </p:pic>
+      <p:pic>
+        <p:nvPicPr>
+          <p:cNvPr id="13" name="Graphic 12">
+            <a:extLst>
+              <a:ext uri="{FF2B5EF4-FFF2-40B4-BE49-F238E27FC236}">
+                <a16:creationId xmlns:a16="http://schemas.microsoft.com/office/drawing/2014/main" id="{8939C828-31E2-4081-B6A3-EEDBA8489EF8}"/>
+              </a:ext>
+            </a:extLst>
+          </p:cNvPr>
+          <p:cNvPicPr>
+            <a:picLocks noChangeAspect="1"/>
+          </p:cNvPicPr>
+          <p:nvPr/>
+        </p:nvPicPr>
+        <p:blipFill>
+          <a:blip r:embed="rId12">
+            <a:extLst>
+              <a:ext uri="{96DAC541-7B7A-43D3-8B79-37D633B846F1}">
+                <asvg:svgBlip xmlns:asvg="http://schemas.microsoft.com/office/drawing/2016/SVG/main" r:embed="rId13"/>
+              </a:ext>
+            </a:extLst>
+          </a:blip>
+          <a:stretch>
+            <a:fillRect/>
+          </a:stretch>
+        </p:blipFill>
+        <p:spPr>
+          <a:xfrm>
+            <a:off x="3211498" y="1268924"/>
+            <a:ext cx="1047750" cy="1285875"/>
+          </a:xfrm>
+          <a:prstGeom prst="rect">
+            <a:avLst/>
+          </a:prstGeom>
+        </p:spPr>
+      </p:pic>
+      <p:pic>
+        <p:nvPicPr>
+          <p:cNvPr id="14" name="Graphic 13">
+            <a:extLst>
+              <a:ext uri="{FF2B5EF4-FFF2-40B4-BE49-F238E27FC236}">
+                <a16:creationId xmlns:a16="http://schemas.microsoft.com/office/drawing/2014/main" id="{AA78E8D9-1F80-4DE9-A8C7-F3FD59ED98B0}"/>
+              </a:ext>
+            </a:extLst>
+          </p:cNvPr>
+          <p:cNvPicPr>
+            <a:picLocks noChangeAspect="1"/>
+          </p:cNvPicPr>
+          <p:nvPr/>
+        </p:nvPicPr>
+        <p:blipFill>
+          <a:blip r:embed="rId12">
+            <a:extLst>
+              <a:ext uri="{96DAC541-7B7A-43D3-8B79-37D633B846F1}">
+                <asvg:svgBlip xmlns:asvg="http://schemas.microsoft.com/office/drawing/2016/SVG/main" r:embed="rId13"/>
+              </a:ext>
+            </a:extLst>
+          </a:blip>
+          <a:stretch>
+            <a:fillRect/>
+          </a:stretch>
+        </p:blipFill>
+        <p:spPr>
+          <a:xfrm>
+            <a:off x="3735373" y="4602674"/>
+            <a:ext cx="1047750" cy="1285875"/>
+          </a:xfrm>
+          <a:prstGeom prst="rect">
+            <a:avLst/>
+          </a:prstGeom>
+        </p:spPr>
+      </p:pic>
+      <p:pic>
+        <p:nvPicPr>
+          <p:cNvPr id="15" name="Graphic 14">
+            <a:extLst>
+              <a:ext uri="{FF2B5EF4-FFF2-40B4-BE49-F238E27FC236}">
+                <a16:creationId xmlns:a16="http://schemas.microsoft.com/office/drawing/2014/main" id="{BC185D5C-5EF9-4942-896B-A60A65D74BA7}"/>
+              </a:ext>
+            </a:extLst>
+          </p:cNvPr>
+          <p:cNvPicPr>
+            <a:picLocks noChangeAspect="1"/>
+          </p:cNvPicPr>
+          <p:nvPr/>
+        </p:nvPicPr>
+        <p:blipFill>
+          <a:blip r:embed="rId14">
+            <a:extLst>
+              <a:ext uri="{96DAC541-7B7A-43D3-8B79-37D633B846F1}">
+                <asvg:svgBlip xmlns:asvg="http://schemas.microsoft.com/office/drawing/2016/SVG/main" r:embed="rId15"/>
+              </a:ext>
+            </a:extLst>
+          </a:blip>
+          <a:stretch>
+            <a:fillRect/>
+          </a:stretch>
+        </p:blipFill>
+        <p:spPr>
+          <a:xfrm>
+            <a:off x="7216760" y="4114801"/>
+            <a:ext cx="1457325" cy="933450"/>
+          </a:xfrm>
+          <a:prstGeom prst="rect">
+            <a:avLst/>
+          </a:prstGeom>
+        </p:spPr>
+      </p:pic>
+      <p:pic>
+        <p:nvPicPr>
+          <p:cNvPr id="17" name="Graphic 16">
+            <a:extLst>
+              <a:ext uri="{FF2B5EF4-FFF2-40B4-BE49-F238E27FC236}">
+                <a16:creationId xmlns:a16="http://schemas.microsoft.com/office/drawing/2014/main" id="{6689EA6F-243C-4577-935B-2D826085BE9D}"/>
+              </a:ext>
+            </a:extLst>
+          </p:cNvPr>
+          <p:cNvPicPr>
+            <a:picLocks noChangeAspect="1"/>
+          </p:cNvPicPr>
+          <p:nvPr/>
+        </p:nvPicPr>
+        <p:blipFill>
+          <a:blip r:embed="rId16">
+            <a:extLst>
+              <a:ext uri="{96DAC541-7B7A-43D3-8B79-37D633B846F1}">
+                <asvg:svgBlip xmlns:asvg="http://schemas.microsoft.com/office/drawing/2016/SVG/main" r:embed="rId17"/>
+              </a:ext>
+            </a:extLst>
+          </a:blip>
+          <a:stretch>
+            <a:fillRect/>
+          </a:stretch>
+        </p:blipFill>
+        <p:spPr>
+          <a:xfrm>
+            <a:off x="622668" y="3726375"/>
+            <a:ext cx="619125" cy="590550"/>
+          </a:xfrm>
+          <a:prstGeom prst="rect">
+            <a:avLst/>
+          </a:prstGeom>
+        </p:spPr>
+      </p:pic>
+      <p:pic>
+        <p:nvPicPr>
+          <p:cNvPr id="19" name="Graphic 18">
+            <a:extLst>
+              <a:ext uri="{FF2B5EF4-FFF2-40B4-BE49-F238E27FC236}">
+                <a16:creationId xmlns:a16="http://schemas.microsoft.com/office/drawing/2014/main" id="{63CA260A-6C8A-4E46-9561-CAF150D9FFBA}"/>
+              </a:ext>
+            </a:extLst>
+          </p:cNvPr>
+          <p:cNvPicPr>
+            <a:picLocks noChangeAspect="1"/>
+          </p:cNvPicPr>
+          <p:nvPr/>
+        </p:nvPicPr>
+        <p:blipFill>
+          <a:blip r:embed="rId18">
+            <a:extLst>
+              <a:ext uri="{96DAC541-7B7A-43D3-8B79-37D633B846F1}">
+                <asvg:svgBlip xmlns:asvg="http://schemas.microsoft.com/office/drawing/2016/SVG/main" r:embed="rId19"/>
+              </a:ext>
+            </a:extLst>
+          </a:blip>
+          <a:stretch>
+            <a:fillRect/>
+          </a:stretch>
+        </p:blipFill>
+        <p:spPr>
+          <a:xfrm>
+            <a:off x="9131325" y="3912111"/>
+            <a:ext cx="657225" cy="790575"/>
+          </a:xfrm>
+          <a:prstGeom prst="rect">
+            <a:avLst/>
+          </a:prstGeom>
+        </p:spPr>
+      </p:pic>
+      <p:pic>
+        <p:nvPicPr>
+          <p:cNvPr id="20" name="Graphic 19">
+            <a:extLst>
+              <a:ext uri="{FF2B5EF4-FFF2-40B4-BE49-F238E27FC236}">
+                <a16:creationId xmlns:a16="http://schemas.microsoft.com/office/drawing/2014/main" id="{32CF60C8-614D-4127-9C12-A85E5CC63590}"/>
+              </a:ext>
+            </a:extLst>
+          </p:cNvPr>
+          <p:cNvPicPr>
+            <a:picLocks noChangeAspect="1"/>
+          </p:cNvPicPr>
+          <p:nvPr/>
+        </p:nvPicPr>
+        <p:blipFill>
+          <a:blip r:embed="rId18">
+            <a:extLst>
+              <a:ext uri="{96DAC541-7B7A-43D3-8B79-37D633B846F1}">
+                <asvg:svgBlip xmlns:asvg="http://schemas.microsoft.com/office/drawing/2016/SVG/main" r:embed="rId19"/>
+              </a:ext>
+            </a:extLst>
+          </a:blip>
+          <a:stretch>
+            <a:fillRect/>
+          </a:stretch>
+        </p:blipFill>
+        <p:spPr>
+          <a:xfrm>
+            <a:off x="9723447" y="4316924"/>
+            <a:ext cx="657225" cy="790575"/>
+          </a:xfrm>
+          <a:prstGeom prst="rect">
+            <a:avLst/>
+          </a:prstGeom>
+        </p:spPr>
+      </p:pic>
+      <p:pic>
+        <p:nvPicPr>
+          <p:cNvPr id="21" name="Graphic 20">
+            <a:extLst>
+              <a:ext uri="{FF2B5EF4-FFF2-40B4-BE49-F238E27FC236}">
+                <a16:creationId xmlns:a16="http://schemas.microsoft.com/office/drawing/2014/main" id="{4048D651-B920-4712-AAC0-97B9B9C53BC8}"/>
+              </a:ext>
+            </a:extLst>
+          </p:cNvPr>
+          <p:cNvPicPr>
+            <a:picLocks noChangeAspect="1"/>
+          </p:cNvPicPr>
+          <p:nvPr/>
+        </p:nvPicPr>
+        <p:blipFill>
+          <a:blip r:embed="rId20">
+            <a:extLst>
+              <a:ext uri="{96DAC541-7B7A-43D3-8B79-37D633B846F1}">
+                <asvg:svgBlip xmlns:asvg="http://schemas.microsoft.com/office/drawing/2016/SVG/main" r:embed="rId21"/>
+              </a:ext>
+            </a:extLst>
+          </a:blip>
+          <a:stretch>
+            <a:fillRect/>
+          </a:stretch>
+        </p:blipFill>
+        <p:spPr>
+          <a:xfrm>
+            <a:off x="9894897" y="4012124"/>
+            <a:ext cx="971550" cy="371475"/>
+          </a:xfrm>
+          <a:prstGeom prst="rect">
+            <a:avLst/>
+          </a:prstGeom>
+        </p:spPr>
+      </p:pic>
+      <p:pic>
+        <p:nvPicPr>
+          <p:cNvPr id="22" name="Graphic 21">
+            <a:extLst>
+              <a:ext uri="{FF2B5EF4-FFF2-40B4-BE49-F238E27FC236}">
+                <a16:creationId xmlns:a16="http://schemas.microsoft.com/office/drawing/2014/main" id="{77EDA2E0-BA26-487E-B524-E31F923D01D2}"/>
+              </a:ext>
+            </a:extLst>
+          </p:cNvPr>
+          <p:cNvPicPr>
+            <a:picLocks noChangeAspect="1"/>
+          </p:cNvPicPr>
+          <p:nvPr/>
+        </p:nvPicPr>
+        <p:blipFill>
+          <a:blip r:embed="rId22">
+            <a:extLst>
+              <a:ext uri="{96DAC541-7B7A-43D3-8B79-37D633B846F1}">
+                <asvg:svgBlip xmlns:asvg="http://schemas.microsoft.com/office/drawing/2016/SVG/main" r:embed="rId23"/>
+              </a:ext>
+            </a:extLst>
+          </a:blip>
+          <a:stretch>
+            <a:fillRect/>
+          </a:stretch>
+        </p:blipFill>
+        <p:spPr>
+          <a:xfrm>
+            <a:off x="606411" y="459299"/>
+            <a:ext cx="942975" cy="809625"/>
+          </a:xfrm>
+          <a:prstGeom prst="rect">
+            <a:avLst/>
+          </a:prstGeom>
+        </p:spPr>
+      </p:pic>
+      <p:pic>
+        <p:nvPicPr>
+          <p:cNvPr id="23" name="Graphic 22">
+            <a:extLst>
+              <a:ext uri="{FF2B5EF4-FFF2-40B4-BE49-F238E27FC236}">
+                <a16:creationId xmlns:a16="http://schemas.microsoft.com/office/drawing/2014/main" id="{2B31B674-CE51-440D-B5FA-BA8800B78435}"/>
+              </a:ext>
+            </a:extLst>
+          </p:cNvPr>
+          <p:cNvPicPr>
+            <a:picLocks noChangeAspect="1"/>
+          </p:cNvPicPr>
+          <p:nvPr/>
+        </p:nvPicPr>
+        <p:blipFill>
+          <a:blip r:embed="rId22">
+            <a:extLst>
+              <a:ext uri="{96DAC541-7B7A-43D3-8B79-37D633B846F1}">
+                <asvg:svgBlip xmlns:asvg="http://schemas.microsoft.com/office/drawing/2016/SVG/main" r:embed="rId23"/>
+              </a:ext>
+            </a:extLst>
+          </a:blip>
+          <a:stretch>
+            <a:fillRect/>
+          </a:stretch>
+        </p:blipFill>
+        <p:spPr>
+          <a:xfrm>
+            <a:off x="1311261" y="864111"/>
+            <a:ext cx="942975" cy="809625"/>
+          </a:xfrm>
+          <a:prstGeom prst="rect">
+            <a:avLst/>
+          </a:prstGeom>
+        </p:spPr>
+      </p:pic>
+      <p:pic>
+        <p:nvPicPr>
+          <p:cNvPr id="24" name="Graphic 23">
+            <a:extLst>
+              <a:ext uri="{FF2B5EF4-FFF2-40B4-BE49-F238E27FC236}">
+                <a16:creationId xmlns:a16="http://schemas.microsoft.com/office/drawing/2014/main" id="{1751260F-98B2-4FDD-B056-02A9C4B31017}"/>
+              </a:ext>
+            </a:extLst>
+          </p:cNvPr>
+          <p:cNvPicPr>
+            <a:picLocks noChangeAspect="1"/>
+          </p:cNvPicPr>
+          <p:nvPr/>
+        </p:nvPicPr>
+        <p:blipFill>
+          <a:blip r:embed="rId22">
+            <a:extLst>
+              <a:ext uri="{96DAC541-7B7A-43D3-8B79-37D633B846F1}">
+                <asvg:svgBlip xmlns:asvg="http://schemas.microsoft.com/office/drawing/2016/SVG/main" r:embed="rId23"/>
+              </a:ext>
+            </a:extLst>
+          </a:blip>
+          <a:stretch>
+            <a:fillRect/>
+          </a:stretch>
+        </p:blipFill>
+        <p:spPr>
+          <a:xfrm>
+            <a:off x="613554" y="1213388"/>
+            <a:ext cx="942975" cy="809625"/>
+          </a:xfrm>
+          <a:prstGeom prst="rect">
+            <a:avLst/>
+          </a:prstGeom>
+        </p:spPr>
+      </p:pic>
+      <p:pic>
+        <p:nvPicPr>
+          <p:cNvPr id="25" name="Graphic 24">
+            <a:extLst>
+              <a:ext uri="{FF2B5EF4-FFF2-40B4-BE49-F238E27FC236}">
+                <a16:creationId xmlns:a16="http://schemas.microsoft.com/office/drawing/2014/main" id="{28756E2D-9196-47CE-BABB-CE20B0EE48E4}"/>
+              </a:ext>
+            </a:extLst>
+          </p:cNvPr>
+          <p:cNvPicPr>
+            <a:picLocks noChangeAspect="1"/>
+          </p:cNvPicPr>
+          <p:nvPr/>
+        </p:nvPicPr>
+        <p:blipFill>
+          <a:blip r:embed="rId24">
+            <a:extLst>
+              <a:ext uri="{96DAC541-7B7A-43D3-8B79-37D633B846F1}">
+                <asvg:svgBlip xmlns:asvg="http://schemas.microsoft.com/office/drawing/2016/SVG/main" r:embed="rId25"/>
+              </a:ext>
+            </a:extLst>
+          </a:blip>
+          <a:stretch>
+            <a:fillRect/>
+          </a:stretch>
+        </p:blipFill>
+        <p:spPr>
+          <a:xfrm>
+            <a:off x="1674787" y="3648076"/>
+            <a:ext cx="1457325" cy="933450"/>
+          </a:xfrm>
+          <a:prstGeom prst="rect">
+            <a:avLst/>
+          </a:prstGeom>
+        </p:spPr>
+      </p:pic>
+      <p:pic>
+        <p:nvPicPr>
+          <p:cNvPr id="29" name="Graphic 28">
+            <a:extLst>
+              <a:ext uri="{FF2B5EF4-FFF2-40B4-BE49-F238E27FC236}">
+                <a16:creationId xmlns:a16="http://schemas.microsoft.com/office/drawing/2014/main" id="{E53B9CD9-DAF1-4E69-A900-41934987466C}"/>
+              </a:ext>
+            </a:extLst>
+          </p:cNvPr>
+          <p:cNvPicPr>
+            <a:picLocks noChangeAspect="1"/>
+          </p:cNvPicPr>
+          <p:nvPr/>
+        </p:nvPicPr>
+        <p:blipFill>
+          <a:blip r:embed="rId26">
+            <a:extLst>
+              <a:ext uri="{96DAC541-7B7A-43D3-8B79-37D633B846F1}">
+                <asvg:svgBlip xmlns:asvg="http://schemas.microsoft.com/office/drawing/2016/SVG/main" r:embed="rId27"/>
+              </a:ext>
+            </a:extLst>
+          </a:blip>
+          <a:stretch>
+            <a:fillRect/>
+          </a:stretch>
+        </p:blipFill>
+        <p:spPr>
+          <a:xfrm>
+            <a:off x="5622109" y="3697799"/>
+            <a:ext cx="619125" cy="314325"/>
+          </a:xfrm>
+          <a:prstGeom prst="rect">
+            <a:avLst/>
+          </a:prstGeom>
+        </p:spPr>
+      </p:pic>
+      <p:pic>
+        <p:nvPicPr>
+          <p:cNvPr id="30" name="Graphic 29">
+            <a:extLst>
+              <a:ext uri="{FF2B5EF4-FFF2-40B4-BE49-F238E27FC236}">
+                <a16:creationId xmlns:a16="http://schemas.microsoft.com/office/drawing/2014/main" id="{3ACE877D-5C14-436B-BC12-9EBCD3524280}"/>
+              </a:ext>
+            </a:extLst>
+          </p:cNvPr>
+          <p:cNvPicPr>
+            <a:picLocks noChangeAspect="1"/>
+          </p:cNvPicPr>
+          <p:nvPr/>
+        </p:nvPicPr>
+        <p:blipFill>
+          <a:blip r:embed="rId28">
+            <a:extLst>
+              <a:ext uri="{96DAC541-7B7A-43D3-8B79-37D633B846F1}">
+                <asvg:svgBlip xmlns:asvg="http://schemas.microsoft.com/office/drawing/2016/SVG/main" r:embed="rId29"/>
+              </a:ext>
+            </a:extLst>
+          </a:blip>
+          <a:stretch>
+            <a:fillRect/>
+          </a:stretch>
+        </p:blipFill>
+        <p:spPr>
+          <a:xfrm>
+            <a:off x="7546199" y="702751"/>
+            <a:ext cx="990600" cy="619125"/>
+          </a:xfrm>
+          <a:prstGeom prst="rect">
+            <a:avLst/>
+          </a:prstGeom>
+        </p:spPr>
+      </p:pic>
+      <p:pic>
+        <p:nvPicPr>
+          <p:cNvPr id="31" name="Graphic 30">
+            <a:extLst>
+              <a:ext uri="{FF2B5EF4-FFF2-40B4-BE49-F238E27FC236}">
+                <a16:creationId xmlns:a16="http://schemas.microsoft.com/office/drawing/2014/main" id="{78D74152-1533-4662-A331-F615A00C96DC}"/>
+              </a:ext>
+            </a:extLst>
+          </p:cNvPr>
+          <p:cNvPicPr>
+            <a:picLocks noChangeAspect="1"/>
+          </p:cNvPicPr>
+          <p:nvPr/>
+        </p:nvPicPr>
+        <p:blipFill>
+          <a:blip r:embed="rId30">
+            <a:extLst>
+              <a:ext uri="{96DAC541-7B7A-43D3-8B79-37D633B846F1}">
+                <asvg:svgBlip xmlns:asvg="http://schemas.microsoft.com/office/drawing/2016/SVG/main" r:embed="rId31"/>
+              </a:ext>
+            </a:extLst>
+          </a:blip>
+          <a:stretch>
+            <a:fillRect/>
+          </a:stretch>
+        </p:blipFill>
+        <p:spPr>
+          <a:xfrm>
+            <a:off x="1973248" y="2646144"/>
+            <a:ext cx="990600" cy="619125"/>
+          </a:xfrm>
+          <a:prstGeom prst="rect">
+            <a:avLst/>
+          </a:prstGeom>
+        </p:spPr>
+      </p:pic>
+      <p:pic>
+        <p:nvPicPr>
+          <p:cNvPr id="33" name="Graphic 32">
+            <a:extLst>
+              <a:ext uri="{FF2B5EF4-FFF2-40B4-BE49-F238E27FC236}">
+                <a16:creationId xmlns:a16="http://schemas.microsoft.com/office/drawing/2014/main" id="{1AB0EE8E-98CB-4DA2-9932-BBFB4E247EEA}"/>
+              </a:ext>
+            </a:extLst>
+          </p:cNvPr>
+          <p:cNvPicPr>
+            <a:picLocks noChangeAspect="1"/>
+          </p:cNvPicPr>
+          <p:nvPr/>
+        </p:nvPicPr>
+        <p:blipFill>
+          <a:blip r:embed="rId32">
+            <a:extLst>
+              <a:ext uri="{96DAC541-7B7A-43D3-8B79-37D633B846F1}">
+                <asvg:svgBlip xmlns:asvg="http://schemas.microsoft.com/office/drawing/2016/SVG/main" r:embed="rId33"/>
+              </a:ext>
+            </a:extLst>
+          </a:blip>
+          <a:stretch>
+            <a:fillRect/>
+          </a:stretch>
+        </p:blipFill>
+        <p:spPr>
+          <a:xfrm>
+            <a:off x="1773611" y="5645661"/>
+            <a:ext cx="733425" cy="485775"/>
+          </a:xfrm>
+          <a:prstGeom prst="rect">
+            <a:avLst/>
+          </a:prstGeom>
+        </p:spPr>
+      </p:pic>
+      <p:pic>
+        <p:nvPicPr>
+          <p:cNvPr id="34" name="Graphic 33">
+            <a:extLst>
+              <a:ext uri="{FF2B5EF4-FFF2-40B4-BE49-F238E27FC236}">
+                <a16:creationId xmlns:a16="http://schemas.microsoft.com/office/drawing/2014/main" id="{96CBB547-0F32-4974-9825-4C3325F8EBA1}"/>
+              </a:ext>
+            </a:extLst>
+          </p:cNvPr>
+          <p:cNvPicPr>
+            <a:picLocks noChangeAspect="1"/>
+          </p:cNvPicPr>
+          <p:nvPr/>
+        </p:nvPicPr>
+        <p:blipFill>
+          <a:blip r:embed="rId2">
+            <a:extLst>
+              <a:ext uri="{96DAC541-7B7A-43D3-8B79-37D633B846F1}">
+                <asvg:svgBlip xmlns:asvg="http://schemas.microsoft.com/office/drawing/2016/SVG/main" r:embed="rId3"/>
+              </a:ext>
+            </a:extLst>
+          </a:blip>
+          <a:stretch>
+            <a:fillRect/>
+          </a:stretch>
+        </p:blipFill>
+        <p:spPr>
+          <a:xfrm>
+            <a:off x="5537152" y="1249873"/>
+            <a:ext cx="923925" cy="847725"/>
+          </a:xfrm>
+          <a:prstGeom prst="rect">
+            <a:avLst/>
+          </a:prstGeom>
+        </p:spPr>
+      </p:pic>
+      <p:pic>
+        <p:nvPicPr>
+          <p:cNvPr id="35" name="Graphic 34">
+            <a:extLst>
+              <a:ext uri="{FF2B5EF4-FFF2-40B4-BE49-F238E27FC236}">
+                <a16:creationId xmlns:a16="http://schemas.microsoft.com/office/drawing/2014/main" id="{3AD89B0D-5B66-4712-BD48-A3C620D039D2}"/>
+              </a:ext>
+            </a:extLst>
+          </p:cNvPr>
+          <p:cNvPicPr>
+            <a:picLocks noChangeAspect="1"/>
+          </p:cNvPicPr>
+          <p:nvPr/>
+        </p:nvPicPr>
+        <p:blipFill>
+          <a:blip r:embed="rId2">
+            <a:extLst>
+              <a:ext uri="{96DAC541-7B7A-43D3-8B79-37D633B846F1}">
+                <asvg:svgBlip xmlns:asvg="http://schemas.microsoft.com/office/drawing/2016/SVG/main" r:embed="rId3"/>
+              </a:ext>
+            </a:extLst>
+          </a:blip>
+          <a:stretch>
+            <a:fillRect/>
+          </a:stretch>
+        </p:blipFill>
+        <p:spPr>
+          <a:xfrm>
+            <a:off x="9918709" y="2200275"/>
+            <a:ext cx="923925" cy="847725"/>
+          </a:xfrm>
+          <a:prstGeom prst="rect">
+            <a:avLst/>
+          </a:prstGeom>
+        </p:spPr>
+      </p:pic>
+      <p:pic>
+        <p:nvPicPr>
+          <p:cNvPr id="36" name="Graphic 35">
+            <a:extLst>
+              <a:ext uri="{FF2B5EF4-FFF2-40B4-BE49-F238E27FC236}">
+                <a16:creationId xmlns:a16="http://schemas.microsoft.com/office/drawing/2014/main" id="{DB84F774-493A-465A-8DE2-5AEF764E20A4}"/>
+              </a:ext>
+            </a:extLst>
+          </p:cNvPr>
+          <p:cNvPicPr>
+            <a:picLocks noChangeAspect="1"/>
+          </p:cNvPicPr>
+          <p:nvPr/>
+        </p:nvPicPr>
+        <p:blipFill>
+          <a:blip r:embed="rId2">
+            <a:extLst>
+              <a:ext uri="{96DAC541-7B7A-43D3-8B79-37D633B846F1}">
+                <asvg:svgBlip xmlns:asvg="http://schemas.microsoft.com/office/drawing/2016/SVG/main" r:embed="rId3"/>
+              </a:ext>
+            </a:extLst>
+          </a:blip>
+          <a:stretch>
+            <a:fillRect/>
+          </a:stretch>
+        </p:blipFill>
+        <p:spPr>
+          <a:xfrm>
+            <a:off x="8041499" y="5197986"/>
+            <a:ext cx="923925" cy="847725"/>
+          </a:xfrm>
+          <a:prstGeom prst="rect">
+            <a:avLst/>
+          </a:prstGeom>
+        </p:spPr>
+      </p:pic>
+      <p:pic>
+        <p:nvPicPr>
+          <p:cNvPr id="37" name="Graphic 36">
+            <a:extLst>
+              <a:ext uri="{FF2B5EF4-FFF2-40B4-BE49-F238E27FC236}">
+                <a16:creationId xmlns:a16="http://schemas.microsoft.com/office/drawing/2014/main" id="{281A56E2-A99B-4DAA-B47E-544D03A09EDC}"/>
+              </a:ext>
+            </a:extLst>
+          </p:cNvPr>
+          <p:cNvPicPr>
+            <a:picLocks noChangeAspect="1"/>
+          </p:cNvPicPr>
+          <p:nvPr/>
+        </p:nvPicPr>
+        <p:blipFill>
+          <a:blip r:embed="rId32">
+            <a:extLst>
+              <a:ext uri="{96DAC541-7B7A-43D3-8B79-37D633B846F1}">
+                <asvg:svgBlip xmlns:asvg="http://schemas.microsoft.com/office/drawing/2016/SVG/main" r:embed="rId33"/>
+              </a:ext>
+            </a:extLst>
+          </a:blip>
+          <a:stretch>
+            <a:fillRect/>
+          </a:stretch>
+        </p:blipFill>
+        <p:spPr>
+          <a:xfrm>
+            <a:off x="6740510" y="5802823"/>
+            <a:ext cx="733425" cy="485775"/>
+          </a:xfrm>
+          <a:prstGeom prst="rect">
+            <a:avLst/>
+          </a:prstGeom>
+        </p:spPr>
+      </p:pic>
+      <p:pic>
+        <p:nvPicPr>
+          <p:cNvPr id="38" name="Graphic 37">
+            <a:extLst>
+              <a:ext uri="{FF2B5EF4-FFF2-40B4-BE49-F238E27FC236}">
+                <a16:creationId xmlns:a16="http://schemas.microsoft.com/office/drawing/2014/main" id="{5B3C440B-2949-4D8D-AAAD-D3B297C93F57}"/>
+              </a:ext>
+            </a:extLst>
+          </p:cNvPr>
+          <p:cNvPicPr>
+            <a:picLocks noChangeAspect="1"/>
+          </p:cNvPicPr>
+          <p:nvPr/>
+        </p:nvPicPr>
+        <p:blipFill>
+          <a:blip r:embed="rId16">
+            <a:extLst>
+              <a:ext uri="{96DAC541-7B7A-43D3-8B79-37D633B846F1}">
+                <asvg:svgBlip xmlns:asvg="http://schemas.microsoft.com/office/drawing/2016/SVG/main" r:embed="rId17"/>
+              </a:ext>
+            </a:extLst>
+          </a:blip>
+          <a:stretch>
+            <a:fillRect/>
+          </a:stretch>
+        </p:blipFill>
+        <p:spPr>
+          <a:xfrm>
+            <a:off x="974701" y="3737998"/>
+            <a:ext cx="619125" cy="590550"/>
+          </a:xfrm>
+          <a:prstGeom prst="rect">
+            <a:avLst/>
+          </a:prstGeom>
+        </p:spPr>
+      </p:pic>
+    </p:spTree>
+    <p:extLst>
+      <p:ext uri="{BB962C8B-B14F-4D97-AF65-F5344CB8AC3E}">
+        <p14:creationId xmlns:p14="http://schemas.microsoft.com/office/powerpoint/2010/main" val="62166644"/>
       </p:ext>
     </p:extLst>
   </p:cSld>
